--- a/Sem-1/Subjects/S-23_SSZG553_Real Time Systems/Lectures/L-1 Introduction to RTS/BITS ZG553 Real Time Systems L-1 KGK.pptx
+++ b/Sem-1/Subjects/S-23_SSZG553_Real Time Systems/Lectures/L-1 Introduction to RTS/BITS ZG553 Real Time Systems L-1 KGK.pptx
@@ -166,10 +166,6 @@
 </p:presentation>
 </file>
 
-<file path=ppt/revisionInfo.xml><?xml version="1.0" encoding="utf-8"?>
-<p1510:revInfo xmlns:a="http://schemas.openxmlformats.org/drawingml/2006/main" xmlns:r="http://schemas.openxmlformats.org/officeDocument/2006/relationships" xmlns:p1510="http://schemas.microsoft.com/office/powerpoint/2015/10/main"/>
-</file>
-
 <file path=ppt/notesMasters/notesMaster1.xml><?xml version="1.0" encoding="utf-8"?>
 <p:notesMaster xmlns:a="http://schemas.openxmlformats.org/drawingml/2006/main" xmlns:r="http://schemas.openxmlformats.org/officeDocument/2006/relationships" xmlns:p="http://schemas.openxmlformats.org/presentationml/2006/main">
   <p:cSld>
@@ -252,7 +248,7 @@
           <a:p>
             <a:fld id="{7554E17E-ACDA-4D33-BCAE-677FB616DBEF}" type="datetimeFigureOut">
               <a:rPr lang="en-IN" smtClean="0"/>
-              <a:t>20-07-2019</a:t>
+              <a:t>14-03-2024</a:t>
             </a:fld>
             <a:endParaRPr lang="en-IN"/>
           </a:p>
@@ -2796,7 +2792,7 @@
           <p:cNvPr id="2" name="Date Placeholder 1">
             <a:extLst>
               <a:ext uri="{FF2B5EF4-FFF2-40B4-BE49-F238E27FC236}">
-                <a16:creationId xmlns="" xmlns:a16="http://schemas.microsoft.com/office/drawing/2014/main" id="{A389C1E6-9A33-4660-8215-AD7CFB9E25A2}"/>
+                <a16:creationId xmlns:a16="http://schemas.microsoft.com/office/drawing/2014/main" id="{A389C1E6-9A33-4660-8215-AD7CFB9E25A2}"/>
               </a:ext>
             </a:extLst>
           </p:cNvPr>
@@ -2821,7 +2817,7 @@
           <p:cNvPr id="3" name="Footer Placeholder 2">
             <a:extLst>
               <a:ext uri="{FF2B5EF4-FFF2-40B4-BE49-F238E27FC236}">
-                <a16:creationId xmlns="" xmlns:a16="http://schemas.microsoft.com/office/drawing/2014/main" id="{F30A9E00-0706-4B0C-9543-052F617689EC}"/>
+                <a16:creationId xmlns:a16="http://schemas.microsoft.com/office/drawing/2014/main" id="{F30A9E00-0706-4B0C-9543-052F617689EC}"/>
               </a:ext>
             </a:extLst>
           </p:cNvPr>
@@ -2846,7 +2842,7 @@
           <p:cNvPr id="4" name="Slide Number Placeholder 3">
             <a:extLst>
               <a:ext uri="{FF2B5EF4-FFF2-40B4-BE49-F238E27FC236}">
-                <a16:creationId xmlns="" xmlns:a16="http://schemas.microsoft.com/office/drawing/2014/main" id="{FF93FD4A-D7E4-4CFD-9684-6D45C1BA16FA}"/>
+                <a16:creationId xmlns:a16="http://schemas.microsoft.com/office/drawing/2014/main" id="{FF93FD4A-D7E4-4CFD-9684-6D45C1BA16FA}"/>
               </a:ext>
             </a:extLst>
           </p:cNvPr>
@@ -4469,38 +4465,38 @@
           <a:p>
             <a:pPr lvl="0"/>
             <a:r>
-              <a:rPr lang="en-US" noProof="0" smtClean="0"/>
+              <a:rPr lang="en-US" noProof="0"/>
               <a:t>Click to edit Master text styles</a:t>
             </a:r>
           </a:p>
           <a:p>
             <a:pPr lvl="1"/>
             <a:r>
-              <a:rPr lang="en-US" noProof="0" smtClean="0"/>
+              <a:rPr lang="en-US" noProof="0"/>
               <a:t>Second level</a:t>
             </a:r>
           </a:p>
           <a:p>
             <a:pPr lvl="2"/>
             <a:r>
-              <a:rPr lang="en-US" noProof="0" smtClean="0"/>
+              <a:rPr lang="en-US" noProof="0"/>
               <a:t>Third level</a:t>
             </a:r>
           </a:p>
           <a:p>
             <a:pPr lvl="3"/>
             <a:r>
-              <a:rPr lang="en-US" noProof="0" smtClean="0"/>
+              <a:rPr lang="en-US" noProof="0"/>
               <a:t>Fourth level</a:t>
             </a:r>
           </a:p>
           <a:p>
             <a:pPr lvl="4"/>
             <a:r>
-              <a:rPr lang="en-US" noProof="0" smtClean="0"/>
+              <a:rPr lang="en-US" noProof="0"/>
               <a:t>Fifth level</a:t>
             </a:r>
-            <a:endParaRPr lang="en-US" dirty="0" smtClean="0"/>
+            <a:endParaRPr lang="en-US" dirty="0"/>
           </a:p>
         </p:txBody>
       </p:sp>
@@ -4542,7 +4538,7 @@
           <a:p>
             <a:pPr lvl="0"/>
             <a:r>
-              <a:rPr lang="en-US" smtClean="0"/>
+              <a:rPr lang="en-US"/>
               <a:t>Click to edit Master text styles</a:t>
             </a:r>
           </a:p>
@@ -5263,38 +5259,38 @@
           <a:p>
             <a:pPr lvl="0"/>
             <a:r>
-              <a:rPr lang="en-US" noProof="0" smtClean="0"/>
+              <a:rPr lang="en-US" noProof="0"/>
               <a:t>Click to edit Master text styles</a:t>
             </a:r>
           </a:p>
           <a:p>
             <a:pPr lvl="1"/>
             <a:r>
-              <a:rPr lang="en-US" noProof="0" smtClean="0"/>
+              <a:rPr lang="en-US" noProof="0"/>
               <a:t>Second level</a:t>
             </a:r>
           </a:p>
           <a:p>
             <a:pPr lvl="2"/>
             <a:r>
-              <a:rPr lang="en-US" noProof="0" smtClean="0"/>
+              <a:rPr lang="en-US" noProof="0"/>
               <a:t>Third level</a:t>
             </a:r>
           </a:p>
           <a:p>
             <a:pPr lvl="3"/>
             <a:r>
-              <a:rPr lang="en-US" noProof="0" smtClean="0"/>
+              <a:rPr lang="en-US" noProof="0"/>
               <a:t>Fourth level</a:t>
             </a:r>
           </a:p>
           <a:p>
             <a:pPr lvl="4"/>
             <a:r>
-              <a:rPr lang="en-US" noProof="0" smtClean="0"/>
+              <a:rPr lang="en-US" noProof="0"/>
               <a:t>Fifth level</a:t>
             </a:r>
-            <a:endParaRPr lang="en-US" dirty="0" smtClean="0"/>
+            <a:endParaRPr lang="en-US" dirty="0"/>
           </a:p>
         </p:txBody>
       </p:sp>
@@ -5336,7 +5332,7 @@
           <a:p>
             <a:pPr lvl="0"/>
             <a:r>
-              <a:rPr lang="en-US" smtClean="0"/>
+              <a:rPr lang="en-US"/>
               <a:t>Click to edit Master text styles</a:t>
             </a:r>
           </a:p>
@@ -6057,38 +6053,38 @@
           <a:p>
             <a:pPr lvl="0"/>
             <a:r>
-              <a:rPr lang="en-US" noProof="0" smtClean="0"/>
+              <a:rPr lang="en-US" noProof="0"/>
               <a:t>Click to edit Master text styles</a:t>
             </a:r>
           </a:p>
           <a:p>
             <a:pPr lvl="1"/>
             <a:r>
-              <a:rPr lang="en-US" noProof="0" smtClean="0"/>
+              <a:rPr lang="en-US" noProof="0"/>
               <a:t>Second level</a:t>
             </a:r>
           </a:p>
           <a:p>
             <a:pPr lvl="2"/>
             <a:r>
-              <a:rPr lang="en-US" noProof="0" smtClean="0"/>
+              <a:rPr lang="en-US" noProof="0"/>
               <a:t>Third level</a:t>
             </a:r>
           </a:p>
           <a:p>
             <a:pPr lvl="3"/>
             <a:r>
-              <a:rPr lang="en-US" noProof="0" smtClean="0"/>
+              <a:rPr lang="en-US" noProof="0"/>
               <a:t>Fourth level</a:t>
             </a:r>
           </a:p>
           <a:p>
             <a:pPr lvl="4"/>
             <a:r>
-              <a:rPr lang="en-US" noProof="0" smtClean="0"/>
+              <a:rPr lang="en-US" noProof="0"/>
               <a:t>Fifth level</a:t>
             </a:r>
-            <a:endParaRPr lang="en-US" dirty="0" smtClean="0"/>
+            <a:endParaRPr lang="en-US" dirty="0"/>
           </a:p>
         </p:txBody>
       </p:sp>
@@ -6130,7 +6126,7 @@
           <a:p>
             <a:pPr lvl="0"/>
             <a:r>
-              <a:rPr lang="en-US" smtClean="0"/>
+              <a:rPr lang="en-US"/>
               <a:t>Click to edit Master text styles</a:t>
             </a:r>
           </a:p>
@@ -6851,38 +6847,38 @@
           <a:p>
             <a:pPr lvl="0"/>
             <a:r>
-              <a:rPr lang="en-US" noProof="0" smtClean="0"/>
+              <a:rPr lang="en-US" noProof="0"/>
               <a:t>Click to edit Master text styles</a:t>
             </a:r>
           </a:p>
           <a:p>
             <a:pPr lvl="1"/>
             <a:r>
-              <a:rPr lang="en-US" noProof="0" smtClean="0"/>
+              <a:rPr lang="en-US" noProof="0"/>
               <a:t>Second level</a:t>
             </a:r>
           </a:p>
           <a:p>
             <a:pPr lvl="2"/>
             <a:r>
-              <a:rPr lang="en-US" noProof="0" smtClean="0"/>
+              <a:rPr lang="en-US" noProof="0"/>
               <a:t>Third level</a:t>
             </a:r>
           </a:p>
           <a:p>
             <a:pPr lvl="3"/>
             <a:r>
-              <a:rPr lang="en-US" noProof="0" smtClean="0"/>
+              <a:rPr lang="en-US" noProof="0"/>
               <a:t>Fourth level</a:t>
             </a:r>
           </a:p>
           <a:p>
             <a:pPr lvl="4"/>
             <a:r>
-              <a:rPr lang="en-US" noProof="0" smtClean="0"/>
+              <a:rPr lang="en-US" noProof="0"/>
               <a:t>Fifth level</a:t>
             </a:r>
-            <a:endParaRPr lang="en-US" dirty="0" smtClean="0"/>
+            <a:endParaRPr lang="en-US" dirty="0"/>
           </a:p>
         </p:txBody>
       </p:sp>
@@ -6924,7 +6920,7 @@
           <a:p>
             <a:pPr lvl="0"/>
             <a:r>
-              <a:rPr lang="en-US" smtClean="0"/>
+              <a:rPr lang="en-US"/>
               <a:t>Click to edit Master text styles</a:t>
             </a:r>
           </a:p>
@@ -7645,38 +7641,38 @@
           <a:p>
             <a:pPr lvl="0"/>
             <a:r>
-              <a:rPr lang="en-US" noProof="0" smtClean="0"/>
+              <a:rPr lang="en-US" noProof="0"/>
               <a:t>Click to edit Master text styles</a:t>
             </a:r>
           </a:p>
           <a:p>
             <a:pPr lvl="1"/>
             <a:r>
-              <a:rPr lang="en-US" noProof="0" smtClean="0"/>
+              <a:rPr lang="en-US" noProof="0"/>
               <a:t>Second level</a:t>
             </a:r>
           </a:p>
           <a:p>
             <a:pPr lvl="2"/>
             <a:r>
-              <a:rPr lang="en-US" noProof="0" smtClean="0"/>
+              <a:rPr lang="en-US" noProof="0"/>
               <a:t>Third level</a:t>
             </a:r>
           </a:p>
           <a:p>
             <a:pPr lvl="3"/>
             <a:r>
-              <a:rPr lang="en-US" noProof="0" smtClean="0"/>
+              <a:rPr lang="en-US" noProof="0"/>
               <a:t>Fourth level</a:t>
             </a:r>
           </a:p>
           <a:p>
             <a:pPr lvl="4"/>
             <a:r>
-              <a:rPr lang="en-US" noProof="0" smtClean="0"/>
+              <a:rPr lang="en-US" noProof="0"/>
               <a:t>Fifth level</a:t>
             </a:r>
-            <a:endParaRPr lang="en-US" dirty="0" smtClean="0"/>
+            <a:endParaRPr lang="en-US" dirty="0"/>
           </a:p>
         </p:txBody>
       </p:sp>
@@ -7718,7 +7714,7 @@
           <a:p>
             <a:pPr lvl="0"/>
             <a:r>
-              <a:rPr lang="en-US" smtClean="0"/>
+              <a:rPr lang="en-US"/>
               <a:t>Click to edit Master text styles</a:t>
             </a:r>
           </a:p>
@@ -8439,38 +8435,38 @@
           <a:p>
             <a:pPr lvl="0"/>
             <a:r>
-              <a:rPr lang="en-US" noProof="0" smtClean="0"/>
+              <a:rPr lang="en-US" noProof="0"/>
               <a:t>Click to edit Master text styles</a:t>
             </a:r>
           </a:p>
           <a:p>
             <a:pPr lvl="1"/>
             <a:r>
-              <a:rPr lang="en-US" noProof="0" smtClean="0"/>
+              <a:rPr lang="en-US" noProof="0"/>
               <a:t>Second level</a:t>
             </a:r>
           </a:p>
           <a:p>
             <a:pPr lvl="2"/>
             <a:r>
-              <a:rPr lang="en-US" noProof="0" smtClean="0"/>
+              <a:rPr lang="en-US" noProof="0"/>
               <a:t>Third level</a:t>
             </a:r>
           </a:p>
           <a:p>
             <a:pPr lvl="3"/>
             <a:r>
-              <a:rPr lang="en-US" noProof="0" smtClean="0"/>
+              <a:rPr lang="en-US" noProof="0"/>
               <a:t>Fourth level</a:t>
             </a:r>
           </a:p>
           <a:p>
             <a:pPr lvl="4"/>
             <a:r>
-              <a:rPr lang="en-US" noProof="0" smtClean="0"/>
+              <a:rPr lang="en-US" noProof="0"/>
               <a:t>Fifth level</a:t>
             </a:r>
-            <a:endParaRPr lang="en-US" dirty="0" smtClean="0"/>
+            <a:endParaRPr lang="en-US" dirty="0"/>
           </a:p>
         </p:txBody>
       </p:sp>
@@ -8512,7 +8508,7 @@
           <a:p>
             <a:pPr lvl="0"/>
             <a:r>
-              <a:rPr lang="en-US" smtClean="0"/>
+              <a:rPr lang="en-US"/>
               <a:t>Click to edit Master text styles</a:t>
             </a:r>
           </a:p>
@@ -9233,38 +9229,38 @@
           <a:p>
             <a:pPr lvl="0"/>
             <a:r>
-              <a:rPr lang="en-US" noProof="0" smtClean="0"/>
+              <a:rPr lang="en-US" noProof="0"/>
               <a:t>Click to edit Master text styles</a:t>
             </a:r>
           </a:p>
           <a:p>
             <a:pPr lvl="1"/>
             <a:r>
-              <a:rPr lang="en-US" noProof="0" smtClean="0"/>
+              <a:rPr lang="en-US" noProof="0"/>
               <a:t>Second level</a:t>
             </a:r>
           </a:p>
           <a:p>
             <a:pPr lvl="2"/>
             <a:r>
-              <a:rPr lang="en-US" noProof="0" smtClean="0"/>
+              <a:rPr lang="en-US" noProof="0"/>
               <a:t>Third level</a:t>
             </a:r>
           </a:p>
           <a:p>
             <a:pPr lvl="3"/>
             <a:r>
-              <a:rPr lang="en-US" noProof="0" smtClean="0"/>
+              <a:rPr lang="en-US" noProof="0"/>
               <a:t>Fourth level</a:t>
             </a:r>
           </a:p>
           <a:p>
             <a:pPr lvl="4"/>
             <a:r>
-              <a:rPr lang="en-US" noProof="0" smtClean="0"/>
+              <a:rPr lang="en-US" noProof="0"/>
               <a:t>Fifth level</a:t>
             </a:r>
-            <a:endParaRPr lang="en-US" dirty="0" smtClean="0"/>
+            <a:endParaRPr lang="en-US" dirty="0"/>
           </a:p>
         </p:txBody>
       </p:sp>
@@ -9306,7 +9302,7 @@
           <a:p>
             <a:pPr lvl="0"/>
             <a:r>
-              <a:rPr lang="en-US" smtClean="0"/>
+              <a:rPr lang="en-US"/>
               <a:t>Click to edit Master text styles</a:t>
             </a:r>
           </a:p>
@@ -10027,38 +10023,38 @@
           <a:p>
             <a:pPr lvl="0"/>
             <a:r>
-              <a:rPr lang="en-US" noProof="0" smtClean="0"/>
+              <a:rPr lang="en-US" noProof="0"/>
               <a:t>Click to edit Master text styles</a:t>
             </a:r>
           </a:p>
           <a:p>
             <a:pPr lvl="1"/>
             <a:r>
-              <a:rPr lang="en-US" noProof="0" smtClean="0"/>
+              <a:rPr lang="en-US" noProof="0"/>
               <a:t>Second level</a:t>
             </a:r>
           </a:p>
           <a:p>
             <a:pPr lvl="2"/>
             <a:r>
-              <a:rPr lang="en-US" noProof="0" smtClean="0"/>
+              <a:rPr lang="en-US" noProof="0"/>
               <a:t>Third level</a:t>
             </a:r>
           </a:p>
           <a:p>
             <a:pPr lvl="3"/>
             <a:r>
-              <a:rPr lang="en-US" noProof="0" smtClean="0"/>
+              <a:rPr lang="en-US" noProof="0"/>
               <a:t>Fourth level</a:t>
             </a:r>
           </a:p>
           <a:p>
             <a:pPr lvl="4"/>
             <a:r>
-              <a:rPr lang="en-US" noProof="0" smtClean="0"/>
+              <a:rPr lang="en-US" noProof="0"/>
               <a:t>Fifth level</a:t>
             </a:r>
-            <a:endParaRPr lang="en-US" dirty="0" smtClean="0"/>
+            <a:endParaRPr lang="en-US" dirty="0"/>
           </a:p>
         </p:txBody>
       </p:sp>
@@ -10100,7 +10096,7 @@
           <a:p>
             <a:pPr lvl="0"/>
             <a:r>
-              <a:rPr lang="en-US" smtClean="0"/>
+              <a:rPr lang="en-US"/>
               <a:t>Click to edit Master text styles</a:t>
             </a:r>
           </a:p>
@@ -10577,7 +10573,7 @@
           <p:cNvPr id="3" name="Date Placeholder 2">
             <a:extLst>
               <a:ext uri="{FF2B5EF4-FFF2-40B4-BE49-F238E27FC236}">
-                <a16:creationId xmlns="" xmlns:a16="http://schemas.microsoft.com/office/drawing/2014/main" id="{EF140E3B-903D-44FF-B76A-1A74F8CAA9C3}"/>
+                <a16:creationId xmlns:a16="http://schemas.microsoft.com/office/drawing/2014/main" id="{EF140E3B-903D-44FF-B76A-1A74F8CAA9C3}"/>
               </a:ext>
             </a:extLst>
           </p:cNvPr>
@@ -10602,7 +10598,7 @@
           <p:cNvPr id="13" name="Footer Placeholder 12">
             <a:extLst>
               <a:ext uri="{FF2B5EF4-FFF2-40B4-BE49-F238E27FC236}">
-                <a16:creationId xmlns="" xmlns:a16="http://schemas.microsoft.com/office/drawing/2014/main" id="{9AF849AF-005D-45B2-8B61-4DDF84849F36}"/>
+                <a16:creationId xmlns:a16="http://schemas.microsoft.com/office/drawing/2014/main" id="{9AF849AF-005D-45B2-8B61-4DDF84849F36}"/>
               </a:ext>
             </a:extLst>
           </p:cNvPr>
@@ -10627,7 +10623,7 @@
           <p:cNvPr id="14" name="Slide Number Placeholder 13">
             <a:extLst>
               <a:ext uri="{FF2B5EF4-FFF2-40B4-BE49-F238E27FC236}">
-                <a16:creationId xmlns="" xmlns:a16="http://schemas.microsoft.com/office/drawing/2014/main" id="{B81B6769-8356-43BB-A576-AD606E333014}"/>
+                <a16:creationId xmlns:a16="http://schemas.microsoft.com/office/drawing/2014/main" id="{B81B6769-8356-43BB-A576-AD606E333014}"/>
               </a:ext>
             </a:extLst>
           </p:cNvPr>
@@ -11372,38 +11368,38 @@
           <a:p>
             <a:pPr lvl="0"/>
             <a:r>
-              <a:rPr lang="en-US" noProof="0" smtClean="0"/>
+              <a:rPr lang="en-US" noProof="0"/>
               <a:t>Click to edit Master text styles</a:t>
             </a:r>
           </a:p>
           <a:p>
             <a:pPr lvl="1"/>
             <a:r>
-              <a:rPr lang="en-US" noProof="0" smtClean="0"/>
+              <a:rPr lang="en-US" noProof="0"/>
               <a:t>Second level</a:t>
             </a:r>
           </a:p>
           <a:p>
             <a:pPr lvl="2"/>
             <a:r>
-              <a:rPr lang="en-US" noProof="0" smtClean="0"/>
+              <a:rPr lang="en-US" noProof="0"/>
               <a:t>Third level</a:t>
             </a:r>
           </a:p>
           <a:p>
             <a:pPr lvl="3"/>
             <a:r>
-              <a:rPr lang="en-US" noProof="0" smtClean="0"/>
+              <a:rPr lang="en-US" noProof="0"/>
               <a:t>Fourth level</a:t>
             </a:r>
           </a:p>
           <a:p>
             <a:pPr lvl="4"/>
             <a:r>
-              <a:rPr lang="en-US" noProof="0" smtClean="0"/>
+              <a:rPr lang="en-US" noProof="0"/>
               <a:t>Fifth level</a:t>
             </a:r>
-            <a:endParaRPr lang="en-US" dirty="0" smtClean="0"/>
+            <a:endParaRPr lang="en-US" dirty="0"/>
           </a:p>
         </p:txBody>
       </p:sp>
@@ -11445,7 +11441,7 @@
           <a:p>
             <a:pPr lvl="0"/>
             <a:r>
-              <a:rPr lang="en-US" smtClean="0"/>
+              <a:rPr lang="en-US"/>
               <a:t>Click to edit Master text styles</a:t>
             </a:r>
           </a:p>
@@ -12166,38 +12162,38 @@
           <a:p>
             <a:pPr lvl="0"/>
             <a:r>
-              <a:rPr lang="en-US" noProof="0" smtClean="0"/>
+              <a:rPr lang="en-US" noProof="0"/>
               <a:t>Click to edit Master text styles</a:t>
             </a:r>
           </a:p>
           <a:p>
             <a:pPr lvl="1"/>
             <a:r>
-              <a:rPr lang="en-US" noProof="0" smtClean="0"/>
+              <a:rPr lang="en-US" noProof="0"/>
               <a:t>Second level</a:t>
             </a:r>
           </a:p>
           <a:p>
             <a:pPr lvl="2"/>
             <a:r>
-              <a:rPr lang="en-US" noProof="0" smtClean="0"/>
+              <a:rPr lang="en-US" noProof="0"/>
               <a:t>Third level</a:t>
             </a:r>
           </a:p>
           <a:p>
             <a:pPr lvl="3"/>
             <a:r>
-              <a:rPr lang="en-US" noProof="0" smtClean="0"/>
+              <a:rPr lang="en-US" noProof="0"/>
               <a:t>Fourth level</a:t>
             </a:r>
           </a:p>
           <a:p>
             <a:pPr lvl="4"/>
             <a:r>
-              <a:rPr lang="en-US" noProof="0" smtClean="0"/>
+              <a:rPr lang="en-US" noProof="0"/>
               <a:t>Fifth level</a:t>
             </a:r>
-            <a:endParaRPr lang="en-US" dirty="0" smtClean="0"/>
+            <a:endParaRPr lang="en-US" dirty="0"/>
           </a:p>
         </p:txBody>
       </p:sp>
@@ -12239,7 +12235,7 @@
           <a:p>
             <a:pPr lvl="0"/>
             <a:r>
-              <a:rPr lang="en-US" smtClean="0"/>
+              <a:rPr lang="en-US"/>
               <a:t>Click to edit Master text styles</a:t>
             </a:r>
           </a:p>
@@ -12960,38 +12956,38 @@
           <a:p>
             <a:pPr lvl="0"/>
             <a:r>
-              <a:rPr lang="en-US" noProof="0" smtClean="0"/>
+              <a:rPr lang="en-US" noProof="0"/>
               <a:t>Click to edit Master text styles</a:t>
             </a:r>
           </a:p>
           <a:p>
             <a:pPr lvl="1"/>
             <a:r>
-              <a:rPr lang="en-US" noProof="0" smtClean="0"/>
+              <a:rPr lang="en-US" noProof="0"/>
               <a:t>Second level</a:t>
             </a:r>
           </a:p>
           <a:p>
             <a:pPr lvl="2"/>
             <a:r>
-              <a:rPr lang="en-US" noProof="0" smtClean="0"/>
+              <a:rPr lang="en-US" noProof="0"/>
               <a:t>Third level</a:t>
             </a:r>
           </a:p>
           <a:p>
             <a:pPr lvl="3"/>
             <a:r>
-              <a:rPr lang="en-US" noProof="0" smtClean="0"/>
+              <a:rPr lang="en-US" noProof="0"/>
               <a:t>Fourth level</a:t>
             </a:r>
           </a:p>
           <a:p>
             <a:pPr lvl="4"/>
             <a:r>
-              <a:rPr lang="en-US" noProof="0" smtClean="0"/>
+              <a:rPr lang="en-US" noProof="0"/>
               <a:t>Fifth level</a:t>
             </a:r>
-            <a:endParaRPr lang="en-US" dirty="0" smtClean="0"/>
+            <a:endParaRPr lang="en-US" dirty="0"/>
           </a:p>
         </p:txBody>
       </p:sp>
@@ -13033,7 +13029,7 @@
           <a:p>
             <a:pPr lvl="0"/>
             <a:r>
-              <a:rPr lang="en-US" smtClean="0"/>
+              <a:rPr lang="en-US"/>
               <a:t>Click to edit Master text styles</a:t>
             </a:r>
           </a:p>
@@ -13754,38 +13750,38 @@
           <a:p>
             <a:pPr lvl="0"/>
             <a:r>
-              <a:rPr lang="en-US" noProof="0" smtClean="0"/>
+              <a:rPr lang="en-US" noProof="0"/>
               <a:t>Click to edit Master text styles</a:t>
             </a:r>
           </a:p>
           <a:p>
             <a:pPr lvl="1"/>
             <a:r>
-              <a:rPr lang="en-US" noProof="0" smtClean="0"/>
+              <a:rPr lang="en-US" noProof="0"/>
               <a:t>Second level</a:t>
             </a:r>
           </a:p>
           <a:p>
             <a:pPr lvl="2"/>
             <a:r>
-              <a:rPr lang="en-US" noProof="0" smtClean="0"/>
+              <a:rPr lang="en-US" noProof="0"/>
               <a:t>Third level</a:t>
             </a:r>
           </a:p>
           <a:p>
             <a:pPr lvl="3"/>
             <a:r>
-              <a:rPr lang="en-US" noProof="0" smtClean="0"/>
+              <a:rPr lang="en-US" noProof="0"/>
               <a:t>Fourth level</a:t>
             </a:r>
           </a:p>
           <a:p>
             <a:pPr lvl="4"/>
             <a:r>
-              <a:rPr lang="en-US" noProof="0" smtClean="0"/>
+              <a:rPr lang="en-US" noProof="0"/>
               <a:t>Fifth level</a:t>
             </a:r>
-            <a:endParaRPr lang="en-US" dirty="0" smtClean="0"/>
+            <a:endParaRPr lang="en-US" dirty="0"/>
           </a:p>
         </p:txBody>
       </p:sp>
@@ -13827,7 +13823,7 @@
           <a:p>
             <a:pPr lvl="0"/>
             <a:r>
-              <a:rPr lang="en-US" smtClean="0"/>
+              <a:rPr lang="en-US"/>
               <a:t>Click to edit Master text styles</a:t>
             </a:r>
           </a:p>
@@ -14548,38 +14544,38 @@
           <a:p>
             <a:pPr lvl="0"/>
             <a:r>
-              <a:rPr lang="en-US" noProof="0" smtClean="0"/>
+              <a:rPr lang="en-US" noProof="0"/>
               <a:t>Click to edit Master text styles</a:t>
             </a:r>
           </a:p>
           <a:p>
             <a:pPr lvl="1"/>
             <a:r>
-              <a:rPr lang="en-US" noProof="0" smtClean="0"/>
+              <a:rPr lang="en-US" noProof="0"/>
               <a:t>Second level</a:t>
             </a:r>
           </a:p>
           <a:p>
             <a:pPr lvl="2"/>
             <a:r>
-              <a:rPr lang="en-US" noProof="0" smtClean="0"/>
+              <a:rPr lang="en-US" noProof="0"/>
               <a:t>Third level</a:t>
             </a:r>
           </a:p>
           <a:p>
             <a:pPr lvl="3"/>
             <a:r>
-              <a:rPr lang="en-US" noProof="0" smtClean="0"/>
+              <a:rPr lang="en-US" noProof="0"/>
               <a:t>Fourth level</a:t>
             </a:r>
           </a:p>
           <a:p>
             <a:pPr lvl="4"/>
             <a:r>
-              <a:rPr lang="en-US" noProof="0" smtClean="0"/>
+              <a:rPr lang="en-US" noProof="0"/>
               <a:t>Fifth level</a:t>
             </a:r>
-            <a:endParaRPr lang="en-US" dirty="0" smtClean="0"/>
+            <a:endParaRPr lang="en-US" dirty="0"/>
           </a:p>
         </p:txBody>
       </p:sp>
@@ -14621,7 +14617,7 @@
           <a:p>
             <a:pPr lvl="0"/>
             <a:r>
-              <a:rPr lang="en-US" smtClean="0"/>
+              <a:rPr lang="en-US"/>
               <a:t>Click to edit Master text styles</a:t>
             </a:r>
           </a:p>
@@ -15342,38 +15338,38 @@
           <a:p>
             <a:pPr lvl="0"/>
             <a:r>
-              <a:rPr lang="en-US" noProof="0" smtClean="0"/>
+              <a:rPr lang="en-US" noProof="0"/>
               <a:t>Click to edit Master text styles</a:t>
             </a:r>
           </a:p>
           <a:p>
             <a:pPr lvl="1"/>
             <a:r>
-              <a:rPr lang="en-US" noProof="0" smtClean="0"/>
+              <a:rPr lang="en-US" noProof="0"/>
               <a:t>Second level</a:t>
             </a:r>
           </a:p>
           <a:p>
             <a:pPr lvl="2"/>
             <a:r>
-              <a:rPr lang="en-US" noProof="0" smtClean="0"/>
+              <a:rPr lang="en-US" noProof="0"/>
               <a:t>Third level</a:t>
             </a:r>
           </a:p>
           <a:p>
             <a:pPr lvl="3"/>
             <a:r>
-              <a:rPr lang="en-US" noProof="0" smtClean="0"/>
+              <a:rPr lang="en-US" noProof="0"/>
               <a:t>Fourth level</a:t>
             </a:r>
           </a:p>
           <a:p>
             <a:pPr lvl="4"/>
             <a:r>
-              <a:rPr lang="en-US" noProof="0" smtClean="0"/>
+              <a:rPr lang="en-US" noProof="0"/>
               <a:t>Fifth level</a:t>
             </a:r>
-            <a:endParaRPr lang="en-US" dirty="0" smtClean="0"/>
+            <a:endParaRPr lang="en-US" dirty="0"/>
           </a:p>
         </p:txBody>
       </p:sp>
@@ -15415,7 +15411,7 @@
           <a:p>
             <a:pPr lvl="0"/>
             <a:r>
-              <a:rPr lang="en-US" smtClean="0"/>
+              <a:rPr lang="en-US"/>
               <a:t>Click to edit Master text styles</a:t>
             </a:r>
           </a:p>
@@ -16136,38 +16132,38 @@
           <a:p>
             <a:pPr lvl="0"/>
             <a:r>
-              <a:rPr lang="en-US" noProof="0" smtClean="0"/>
+              <a:rPr lang="en-US" noProof="0"/>
               <a:t>Click to edit Master text styles</a:t>
             </a:r>
           </a:p>
           <a:p>
             <a:pPr lvl="1"/>
             <a:r>
-              <a:rPr lang="en-US" noProof="0" smtClean="0"/>
+              <a:rPr lang="en-US" noProof="0"/>
               <a:t>Second level</a:t>
             </a:r>
           </a:p>
           <a:p>
             <a:pPr lvl="2"/>
             <a:r>
-              <a:rPr lang="en-US" noProof="0" smtClean="0"/>
+              <a:rPr lang="en-US" noProof="0"/>
               <a:t>Third level</a:t>
             </a:r>
           </a:p>
           <a:p>
             <a:pPr lvl="3"/>
             <a:r>
-              <a:rPr lang="en-US" noProof="0" smtClean="0"/>
+              <a:rPr lang="en-US" noProof="0"/>
               <a:t>Fourth level</a:t>
             </a:r>
           </a:p>
           <a:p>
             <a:pPr lvl="4"/>
             <a:r>
-              <a:rPr lang="en-US" noProof="0" smtClean="0"/>
+              <a:rPr lang="en-US" noProof="0"/>
               <a:t>Fifth level</a:t>
             </a:r>
-            <a:endParaRPr lang="en-US" dirty="0" smtClean="0"/>
+            <a:endParaRPr lang="en-US" dirty="0"/>
           </a:p>
         </p:txBody>
       </p:sp>
@@ -16209,7 +16205,7 @@
           <a:p>
             <a:pPr lvl="0"/>
             <a:r>
-              <a:rPr lang="en-US" smtClean="0"/>
+              <a:rPr lang="en-US"/>
               <a:t>Click to edit Master text styles</a:t>
             </a:r>
           </a:p>
@@ -16930,38 +16926,38 @@
           <a:p>
             <a:pPr lvl="0"/>
             <a:r>
-              <a:rPr lang="en-US" noProof="0" smtClean="0"/>
+              <a:rPr lang="en-US" noProof="0"/>
               <a:t>Click to edit Master text styles</a:t>
             </a:r>
           </a:p>
           <a:p>
             <a:pPr lvl="1"/>
             <a:r>
-              <a:rPr lang="en-US" noProof="0" smtClean="0"/>
+              <a:rPr lang="en-US" noProof="0"/>
               <a:t>Second level</a:t>
             </a:r>
           </a:p>
           <a:p>
             <a:pPr lvl="2"/>
             <a:r>
-              <a:rPr lang="en-US" noProof="0" smtClean="0"/>
+              <a:rPr lang="en-US" noProof="0"/>
               <a:t>Third level</a:t>
             </a:r>
           </a:p>
           <a:p>
             <a:pPr lvl="3"/>
             <a:r>
-              <a:rPr lang="en-US" noProof="0" smtClean="0"/>
+              <a:rPr lang="en-US" noProof="0"/>
               <a:t>Fourth level</a:t>
             </a:r>
           </a:p>
           <a:p>
             <a:pPr lvl="4"/>
             <a:r>
-              <a:rPr lang="en-US" noProof="0" smtClean="0"/>
+              <a:rPr lang="en-US" noProof="0"/>
               <a:t>Fifth level</a:t>
             </a:r>
-            <a:endParaRPr lang="en-US" dirty="0" smtClean="0"/>
+            <a:endParaRPr lang="en-US" dirty="0"/>
           </a:p>
         </p:txBody>
       </p:sp>
@@ -17003,7 +16999,7 @@
           <a:p>
             <a:pPr lvl="0"/>
             <a:r>
-              <a:rPr lang="en-US" smtClean="0"/>
+              <a:rPr lang="en-US"/>
               <a:t>Click to edit Master text styles</a:t>
             </a:r>
           </a:p>
@@ -17724,38 +17720,38 @@
           <a:p>
             <a:pPr lvl="0"/>
             <a:r>
-              <a:rPr lang="en-US" noProof="0" smtClean="0"/>
+              <a:rPr lang="en-US" noProof="0"/>
               <a:t>Click to edit Master text styles</a:t>
             </a:r>
           </a:p>
           <a:p>
             <a:pPr lvl="1"/>
             <a:r>
-              <a:rPr lang="en-US" noProof="0" smtClean="0"/>
+              <a:rPr lang="en-US" noProof="0"/>
               <a:t>Second level</a:t>
             </a:r>
           </a:p>
           <a:p>
             <a:pPr lvl="2"/>
             <a:r>
-              <a:rPr lang="en-US" noProof="0" smtClean="0"/>
+              <a:rPr lang="en-US" noProof="0"/>
               <a:t>Third level</a:t>
             </a:r>
           </a:p>
           <a:p>
             <a:pPr lvl="3"/>
             <a:r>
-              <a:rPr lang="en-US" noProof="0" smtClean="0"/>
+              <a:rPr lang="en-US" noProof="0"/>
               <a:t>Fourth level</a:t>
             </a:r>
           </a:p>
           <a:p>
             <a:pPr lvl="4"/>
             <a:r>
-              <a:rPr lang="en-US" noProof="0" smtClean="0"/>
+              <a:rPr lang="en-US" noProof="0"/>
               <a:t>Fifth level</a:t>
             </a:r>
-            <a:endParaRPr lang="en-US" dirty="0" smtClean="0"/>
+            <a:endParaRPr lang="en-US" dirty="0"/>
           </a:p>
         </p:txBody>
       </p:sp>
@@ -17797,7 +17793,7 @@
           <a:p>
             <a:pPr lvl="0"/>
             <a:r>
-              <a:rPr lang="en-US" smtClean="0"/>
+              <a:rPr lang="en-US"/>
               <a:t>Click to edit Master text styles</a:t>
             </a:r>
           </a:p>
@@ -18518,38 +18514,38 @@
           <a:p>
             <a:pPr lvl="0"/>
             <a:r>
-              <a:rPr lang="en-US" noProof="0" smtClean="0"/>
+              <a:rPr lang="en-US" noProof="0"/>
               <a:t>Click to edit Master text styles</a:t>
             </a:r>
           </a:p>
           <a:p>
             <a:pPr lvl="1"/>
             <a:r>
-              <a:rPr lang="en-US" noProof="0" smtClean="0"/>
+              <a:rPr lang="en-US" noProof="0"/>
               <a:t>Second level</a:t>
             </a:r>
           </a:p>
           <a:p>
             <a:pPr lvl="2"/>
             <a:r>
-              <a:rPr lang="en-US" noProof="0" smtClean="0"/>
+              <a:rPr lang="en-US" noProof="0"/>
               <a:t>Third level</a:t>
             </a:r>
           </a:p>
           <a:p>
             <a:pPr lvl="3"/>
             <a:r>
-              <a:rPr lang="en-US" noProof="0" smtClean="0"/>
+              <a:rPr lang="en-US" noProof="0"/>
               <a:t>Fourth level</a:t>
             </a:r>
           </a:p>
           <a:p>
             <a:pPr lvl="4"/>
             <a:r>
-              <a:rPr lang="en-US" noProof="0" smtClean="0"/>
+              <a:rPr lang="en-US" noProof="0"/>
               <a:t>Fifth level</a:t>
             </a:r>
-            <a:endParaRPr lang="en-US" dirty="0" smtClean="0"/>
+            <a:endParaRPr lang="en-US" dirty="0"/>
           </a:p>
         </p:txBody>
       </p:sp>
@@ -18591,7 +18587,7 @@
           <a:p>
             <a:pPr lvl="0"/>
             <a:r>
-              <a:rPr lang="en-US" smtClean="0"/>
+              <a:rPr lang="en-US"/>
               <a:t>Click to edit Master text styles</a:t>
             </a:r>
           </a:p>
@@ -19036,7 +19032,7 @@
           <p:cNvPr id="2" name="Date Placeholder 1">
             <a:extLst>
               <a:ext uri="{FF2B5EF4-FFF2-40B4-BE49-F238E27FC236}">
-                <a16:creationId xmlns="" xmlns:a16="http://schemas.microsoft.com/office/drawing/2014/main" id="{FF33449E-F921-4097-ACEB-2539608ECFE2}"/>
+                <a16:creationId xmlns:a16="http://schemas.microsoft.com/office/drawing/2014/main" id="{FF33449E-F921-4097-ACEB-2539608ECFE2}"/>
               </a:ext>
             </a:extLst>
           </p:cNvPr>
@@ -19061,7 +19057,7 @@
           <p:cNvPr id="3" name="Footer Placeholder 2">
             <a:extLst>
               <a:ext uri="{FF2B5EF4-FFF2-40B4-BE49-F238E27FC236}">
-                <a16:creationId xmlns="" xmlns:a16="http://schemas.microsoft.com/office/drawing/2014/main" id="{4CFB3AF7-233A-45D2-85EE-5EC3FDF5EF5F}"/>
+                <a16:creationId xmlns:a16="http://schemas.microsoft.com/office/drawing/2014/main" id="{4CFB3AF7-233A-45D2-85EE-5EC3FDF5EF5F}"/>
               </a:ext>
             </a:extLst>
           </p:cNvPr>
@@ -19086,7 +19082,7 @@
           <p:cNvPr id="4" name="Slide Number Placeholder 3">
             <a:extLst>
               <a:ext uri="{FF2B5EF4-FFF2-40B4-BE49-F238E27FC236}">
-                <a16:creationId xmlns="" xmlns:a16="http://schemas.microsoft.com/office/drawing/2014/main" id="{C3ED4B6A-FADE-4F8D-8A09-32D7B65878C5}"/>
+                <a16:creationId xmlns:a16="http://schemas.microsoft.com/office/drawing/2014/main" id="{C3ED4B6A-FADE-4F8D-8A09-32D7B65878C5}"/>
               </a:ext>
             </a:extLst>
           </p:cNvPr>
@@ -19826,38 +19822,38 @@
           <a:p>
             <a:pPr lvl="0"/>
             <a:r>
-              <a:rPr lang="en-US" noProof="0" smtClean="0"/>
+              <a:rPr lang="en-US" noProof="0"/>
               <a:t>Click to edit Master text styles</a:t>
             </a:r>
           </a:p>
           <a:p>
             <a:pPr lvl="1"/>
             <a:r>
-              <a:rPr lang="en-US" noProof="0" smtClean="0"/>
+              <a:rPr lang="en-US" noProof="0"/>
               <a:t>Second level</a:t>
             </a:r>
           </a:p>
           <a:p>
             <a:pPr lvl="2"/>
             <a:r>
-              <a:rPr lang="en-US" noProof="0" smtClean="0"/>
+              <a:rPr lang="en-US" noProof="0"/>
               <a:t>Third level</a:t>
             </a:r>
           </a:p>
           <a:p>
             <a:pPr lvl="3"/>
             <a:r>
-              <a:rPr lang="en-US" noProof="0" smtClean="0"/>
+              <a:rPr lang="en-US" noProof="0"/>
               <a:t>Fourth level</a:t>
             </a:r>
           </a:p>
           <a:p>
             <a:pPr lvl="4"/>
             <a:r>
-              <a:rPr lang="en-US" noProof="0" smtClean="0"/>
+              <a:rPr lang="en-US" noProof="0"/>
               <a:t>Fifth level</a:t>
             </a:r>
-            <a:endParaRPr lang="en-US" dirty="0" smtClean="0"/>
+            <a:endParaRPr lang="en-US" dirty="0"/>
           </a:p>
         </p:txBody>
       </p:sp>
@@ -19899,7 +19895,7 @@
           <a:p>
             <a:pPr lvl="0"/>
             <a:r>
-              <a:rPr lang="en-US" smtClean="0"/>
+              <a:rPr lang="en-US"/>
               <a:t>Click to edit Master text styles</a:t>
             </a:r>
           </a:p>
@@ -20620,38 +20616,38 @@
           <a:p>
             <a:pPr lvl="0"/>
             <a:r>
-              <a:rPr lang="en-US" noProof="0" smtClean="0"/>
+              <a:rPr lang="en-US" noProof="0"/>
               <a:t>Click to edit Master text styles</a:t>
             </a:r>
           </a:p>
           <a:p>
             <a:pPr lvl="1"/>
             <a:r>
-              <a:rPr lang="en-US" noProof="0" smtClean="0"/>
+              <a:rPr lang="en-US" noProof="0"/>
               <a:t>Second level</a:t>
             </a:r>
           </a:p>
           <a:p>
             <a:pPr lvl="2"/>
             <a:r>
-              <a:rPr lang="en-US" noProof="0" smtClean="0"/>
+              <a:rPr lang="en-US" noProof="0"/>
               <a:t>Third level</a:t>
             </a:r>
           </a:p>
           <a:p>
             <a:pPr lvl="3"/>
             <a:r>
-              <a:rPr lang="en-US" noProof="0" smtClean="0"/>
+              <a:rPr lang="en-US" noProof="0"/>
               <a:t>Fourth level</a:t>
             </a:r>
           </a:p>
           <a:p>
             <a:pPr lvl="4"/>
             <a:r>
-              <a:rPr lang="en-US" noProof="0" smtClean="0"/>
+              <a:rPr lang="en-US" noProof="0"/>
               <a:t>Fifth level</a:t>
             </a:r>
-            <a:endParaRPr lang="en-US" dirty="0" smtClean="0"/>
+            <a:endParaRPr lang="en-US" dirty="0"/>
           </a:p>
         </p:txBody>
       </p:sp>
@@ -20693,7 +20689,7 @@
           <a:p>
             <a:pPr lvl="0"/>
             <a:r>
-              <a:rPr lang="en-US" smtClean="0"/>
+              <a:rPr lang="en-US"/>
               <a:t>Click to edit Master text styles</a:t>
             </a:r>
           </a:p>
@@ -21414,38 +21410,38 @@
           <a:p>
             <a:pPr lvl="0"/>
             <a:r>
-              <a:rPr lang="en-US" noProof="0" smtClean="0"/>
+              <a:rPr lang="en-US" noProof="0"/>
               <a:t>Click to edit Master text styles</a:t>
             </a:r>
           </a:p>
           <a:p>
             <a:pPr lvl="1"/>
             <a:r>
-              <a:rPr lang="en-US" noProof="0" smtClean="0"/>
+              <a:rPr lang="en-US" noProof="0"/>
               <a:t>Second level</a:t>
             </a:r>
           </a:p>
           <a:p>
             <a:pPr lvl="2"/>
             <a:r>
-              <a:rPr lang="en-US" noProof="0" smtClean="0"/>
+              <a:rPr lang="en-US" noProof="0"/>
               <a:t>Third level</a:t>
             </a:r>
           </a:p>
           <a:p>
             <a:pPr lvl="3"/>
             <a:r>
-              <a:rPr lang="en-US" noProof="0" smtClean="0"/>
+              <a:rPr lang="en-US" noProof="0"/>
               <a:t>Fourth level</a:t>
             </a:r>
           </a:p>
           <a:p>
             <a:pPr lvl="4"/>
             <a:r>
-              <a:rPr lang="en-US" noProof="0" smtClean="0"/>
+              <a:rPr lang="en-US" noProof="0"/>
               <a:t>Fifth level</a:t>
             </a:r>
-            <a:endParaRPr lang="en-US" dirty="0" smtClean="0"/>
+            <a:endParaRPr lang="en-US" dirty="0"/>
           </a:p>
         </p:txBody>
       </p:sp>
@@ -21487,7 +21483,7 @@
           <a:p>
             <a:pPr lvl="0"/>
             <a:r>
-              <a:rPr lang="en-US" smtClean="0"/>
+              <a:rPr lang="en-US"/>
               <a:t>Click to edit Master text styles</a:t>
             </a:r>
           </a:p>
@@ -22208,38 +22204,38 @@
           <a:p>
             <a:pPr lvl="0"/>
             <a:r>
-              <a:rPr lang="en-US" noProof="0" smtClean="0"/>
+              <a:rPr lang="en-US" noProof="0"/>
               <a:t>Click to edit Master text styles</a:t>
             </a:r>
           </a:p>
           <a:p>
             <a:pPr lvl="1"/>
             <a:r>
-              <a:rPr lang="en-US" noProof="0" smtClean="0"/>
+              <a:rPr lang="en-US" noProof="0"/>
               <a:t>Second level</a:t>
             </a:r>
           </a:p>
           <a:p>
             <a:pPr lvl="2"/>
             <a:r>
-              <a:rPr lang="en-US" noProof="0" smtClean="0"/>
+              <a:rPr lang="en-US" noProof="0"/>
               <a:t>Third level</a:t>
             </a:r>
           </a:p>
           <a:p>
             <a:pPr lvl="3"/>
             <a:r>
-              <a:rPr lang="en-US" noProof="0" smtClean="0"/>
+              <a:rPr lang="en-US" noProof="0"/>
               <a:t>Fourth level</a:t>
             </a:r>
           </a:p>
           <a:p>
             <a:pPr lvl="4"/>
             <a:r>
-              <a:rPr lang="en-US" noProof="0" smtClean="0"/>
+              <a:rPr lang="en-US" noProof="0"/>
               <a:t>Fifth level</a:t>
             </a:r>
-            <a:endParaRPr lang="en-US" dirty="0" smtClean="0"/>
+            <a:endParaRPr lang="en-US" dirty="0"/>
           </a:p>
         </p:txBody>
       </p:sp>
@@ -22281,7 +22277,7 @@
           <a:p>
             <a:pPr lvl="0"/>
             <a:r>
-              <a:rPr lang="en-US" smtClean="0"/>
+              <a:rPr lang="en-US"/>
               <a:t>Click to edit Master text styles</a:t>
             </a:r>
           </a:p>
@@ -22409,7 +22405,7 @@
           <a:p>
             <a:fld id="{4DDDFA24-13CF-471E-B717-8ADFC59956B5}" type="datetimeFigureOut">
               <a:rPr lang="en-US" smtClean="0"/>
-              <a:t>7/20/2019</a:t>
+              <a:t>14-03-2024</a:t>
             </a:fld>
             <a:endParaRPr lang="en-US"/>
           </a:p>
@@ -22527,7 +22523,7 @@
           <a:p>
             <a:fld id="{4DDDFA24-13CF-471E-B717-8ADFC59956B5}" type="datetimeFigureOut">
               <a:rPr lang="en-US" smtClean="0"/>
-              <a:t>7/20/2019</a:t>
+              <a:t>14-03-2024</a:t>
             </a:fld>
             <a:endParaRPr lang="en-US"/>
           </a:p>
@@ -24245,7 +24241,7 @@
           <p:cNvPr id="4" name="Content Placeholder 3">
             <a:extLst>
               <a:ext uri="{FF2B5EF4-FFF2-40B4-BE49-F238E27FC236}">
-                <a16:creationId xmlns="" xmlns:a16="http://schemas.microsoft.com/office/drawing/2014/main" id="{6FA95B91-80DC-439F-8C70-3B1EBFBBF1F5}"/>
+                <a16:creationId xmlns:a16="http://schemas.microsoft.com/office/drawing/2014/main" id="{6FA95B91-80DC-439F-8C70-3B1EBFBBF1F5}"/>
               </a:ext>
             </a:extLst>
           </p:cNvPr>
@@ -24308,7 +24304,7 @@
           <p:cNvPr id="5" name="Date Placeholder 4">
             <a:extLst>
               <a:ext uri="{FF2B5EF4-FFF2-40B4-BE49-F238E27FC236}">
-                <a16:creationId xmlns="" xmlns:a16="http://schemas.microsoft.com/office/drawing/2014/main" id="{A4116052-1273-4EC0-ADD6-422E16AA4781}"/>
+                <a16:creationId xmlns:a16="http://schemas.microsoft.com/office/drawing/2014/main" id="{A4116052-1273-4EC0-ADD6-422E16AA4781}"/>
               </a:ext>
             </a:extLst>
           </p:cNvPr>
@@ -24333,7 +24329,7 @@
           <p:cNvPr id="6" name="Footer Placeholder 5">
             <a:extLst>
               <a:ext uri="{FF2B5EF4-FFF2-40B4-BE49-F238E27FC236}">
-                <a16:creationId xmlns="" xmlns:a16="http://schemas.microsoft.com/office/drawing/2014/main" id="{4FDE8E7A-623C-40DD-A712-BEEDA93A9756}"/>
+                <a16:creationId xmlns:a16="http://schemas.microsoft.com/office/drawing/2014/main" id="{4FDE8E7A-623C-40DD-A712-BEEDA93A9756}"/>
               </a:ext>
             </a:extLst>
           </p:cNvPr>
@@ -24358,7 +24354,7 @@
           <p:cNvPr id="8" name="Slide Number Placeholder 7">
             <a:extLst>
               <a:ext uri="{FF2B5EF4-FFF2-40B4-BE49-F238E27FC236}">
-                <a16:creationId xmlns="" xmlns:a16="http://schemas.microsoft.com/office/drawing/2014/main" id="{0CD26A9A-C7D3-441E-9815-2014756B5490}"/>
+                <a16:creationId xmlns:a16="http://schemas.microsoft.com/office/drawing/2014/main" id="{0CD26A9A-C7D3-441E-9815-2014756B5490}"/>
               </a:ext>
             </a:extLst>
           </p:cNvPr>
@@ -26537,7 +26533,7 @@
           <p:cNvPr id="2" name="Date Placeholder 1">
             <a:extLst>
               <a:ext uri="{FF2B5EF4-FFF2-40B4-BE49-F238E27FC236}">
-                <a16:creationId xmlns="" xmlns:a16="http://schemas.microsoft.com/office/drawing/2014/main" id="{6ED4B0F8-D031-4A9E-92CA-E8B9C130C62F}"/>
+                <a16:creationId xmlns:a16="http://schemas.microsoft.com/office/drawing/2014/main" id="{6ED4B0F8-D031-4A9E-92CA-E8B9C130C62F}"/>
               </a:ext>
             </a:extLst>
           </p:cNvPr>
@@ -26562,7 +26558,7 @@
           <p:cNvPr id="5" name="Footer Placeholder 4">
             <a:extLst>
               <a:ext uri="{FF2B5EF4-FFF2-40B4-BE49-F238E27FC236}">
-                <a16:creationId xmlns="" xmlns:a16="http://schemas.microsoft.com/office/drawing/2014/main" id="{B7088829-EECA-49B6-9EB3-BCB216DDBB94}"/>
+                <a16:creationId xmlns:a16="http://schemas.microsoft.com/office/drawing/2014/main" id="{B7088829-EECA-49B6-9EB3-BCB216DDBB94}"/>
               </a:ext>
             </a:extLst>
           </p:cNvPr>
@@ -26587,7 +26583,7 @@
           <p:cNvPr id="6" name="Slide Number Placeholder 5">
             <a:extLst>
               <a:ext uri="{FF2B5EF4-FFF2-40B4-BE49-F238E27FC236}">
-                <a16:creationId xmlns="" xmlns:a16="http://schemas.microsoft.com/office/drawing/2014/main" id="{27A03438-FC3D-42A9-8AF7-A14C2054D949}"/>
+                <a16:creationId xmlns:a16="http://schemas.microsoft.com/office/drawing/2014/main" id="{27A03438-FC3D-42A9-8AF7-A14C2054D949}"/>
               </a:ext>
             </a:extLst>
           </p:cNvPr>
@@ -27846,7 +27842,7 @@
           <p:cNvPr id="2" name="Date Placeholder 1">
             <a:extLst>
               <a:ext uri="{FF2B5EF4-FFF2-40B4-BE49-F238E27FC236}">
-                <a16:creationId xmlns="" xmlns:a16="http://schemas.microsoft.com/office/drawing/2014/main" id="{445DD9E3-F004-45EE-BC53-8795F8E8816A}"/>
+                <a16:creationId xmlns:a16="http://schemas.microsoft.com/office/drawing/2014/main" id="{445DD9E3-F004-45EE-BC53-8795F8E8816A}"/>
               </a:ext>
             </a:extLst>
           </p:cNvPr>
@@ -27871,7 +27867,7 @@
           <p:cNvPr id="3" name="Footer Placeholder 2">
             <a:extLst>
               <a:ext uri="{FF2B5EF4-FFF2-40B4-BE49-F238E27FC236}">
-                <a16:creationId xmlns="" xmlns:a16="http://schemas.microsoft.com/office/drawing/2014/main" id="{2EFC770E-EF70-4FCE-A166-B9462D1C0F8B}"/>
+                <a16:creationId xmlns:a16="http://schemas.microsoft.com/office/drawing/2014/main" id="{2EFC770E-EF70-4FCE-A166-B9462D1C0F8B}"/>
               </a:ext>
             </a:extLst>
           </p:cNvPr>
@@ -27896,7 +27892,7 @@
           <p:cNvPr id="4" name="Slide Number Placeholder 3">
             <a:extLst>
               <a:ext uri="{FF2B5EF4-FFF2-40B4-BE49-F238E27FC236}">
-                <a16:creationId xmlns="" xmlns:a16="http://schemas.microsoft.com/office/drawing/2014/main" id="{B55FC222-269D-47E2-8242-B002730600B0}"/>
+                <a16:creationId xmlns:a16="http://schemas.microsoft.com/office/drawing/2014/main" id="{B55FC222-269D-47E2-8242-B002730600B0}"/>
               </a:ext>
             </a:extLst>
           </p:cNvPr>
@@ -28543,7 +28539,7 @@
           <p:cNvPr id="2" name="Date Placeholder 1">
             <a:extLst>
               <a:ext uri="{FF2B5EF4-FFF2-40B4-BE49-F238E27FC236}">
-                <a16:creationId xmlns="" xmlns:a16="http://schemas.microsoft.com/office/drawing/2014/main" id="{0074CF8A-883F-4144-AB15-923DF648E0CE}"/>
+                <a16:creationId xmlns:a16="http://schemas.microsoft.com/office/drawing/2014/main" id="{0074CF8A-883F-4144-AB15-923DF648E0CE}"/>
               </a:ext>
             </a:extLst>
           </p:cNvPr>
@@ -28568,7 +28564,7 @@
           <p:cNvPr id="5" name="Footer Placeholder 4">
             <a:extLst>
               <a:ext uri="{FF2B5EF4-FFF2-40B4-BE49-F238E27FC236}">
-                <a16:creationId xmlns="" xmlns:a16="http://schemas.microsoft.com/office/drawing/2014/main" id="{FA6C6268-F619-48BB-933B-E115CE93C624}"/>
+                <a16:creationId xmlns:a16="http://schemas.microsoft.com/office/drawing/2014/main" id="{FA6C6268-F619-48BB-933B-E115CE93C624}"/>
               </a:ext>
             </a:extLst>
           </p:cNvPr>
@@ -28593,7 +28589,7 @@
           <p:cNvPr id="6" name="Slide Number Placeholder 5">
             <a:extLst>
               <a:ext uri="{FF2B5EF4-FFF2-40B4-BE49-F238E27FC236}">
-                <a16:creationId xmlns="" xmlns:a16="http://schemas.microsoft.com/office/drawing/2014/main" id="{CFC9EFE8-733E-4AFB-BDAB-0CE5D93733CF}"/>
+                <a16:creationId xmlns:a16="http://schemas.microsoft.com/office/drawing/2014/main" id="{CFC9EFE8-733E-4AFB-BDAB-0CE5D93733CF}"/>
               </a:ext>
             </a:extLst>
           </p:cNvPr>
@@ -29272,7 +29268,7 @@
           <p:cNvPr id="10" name="Date Placeholder 9">
             <a:extLst>
               <a:ext uri="{FF2B5EF4-FFF2-40B4-BE49-F238E27FC236}">
-                <a16:creationId xmlns="" xmlns:a16="http://schemas.microsoft.com/office/drawing/2014/main" id="{FB6E1B0A-851E-4A0C-B89D-3CC106FF0C5B}"/>
+                <a16:creationId xmlns:a16="http://schemas.microsoft.com/office/drawing/2014/main" id="{FB6E1B0A-851E-4A0C-B89D-3CC106FF0C5B}"/>
               </a:ext>
             </a:extLst>
           </p:cNvPr>
@@ -29297,7 +29293,7 @@
           <p:cNvPr id="17" name="Footer Placeholder 16">
             <a:extLst>
               <a:ext uri="{FF2B5EF4-FFF2-40B4-BE49-F238E27FC236}">
-                <a16:creationId xmlns="" xmlns:a16="http://schemas.microsoft.com/office/drawing/2014/main" id="{224DB619-8B4A-4430-9A32-51334D35E42E}"/>
+                <a16:creationId xmlns:a16="http://schemas.microsoft.com/office/drawing/2014/main" id="{224DB619-8B4A-4430-9A32-51334D35E42E}"/>
               </a:ext>
             </a:extLst>
           </p:cNvPr>
@@ -29322,7 +29318,7 @@
           <p:cNvPr id="18" name="Slide Number Placeholder 17">
             <a:extLst>
               <a:ext uri="{FF2B5EF4-FFF2-40B4-BE49-F238E27FC236}">
-                <a16:creationId xmlns="" xmlns:a16="http://schemas.microsoft.com/office/drawing/2014/main" id="{8986382B-03E0-49E8-ABB3-DDB76510459C}"/>
+                <a16:creationId xmlns:a16="http://schemas.microsoft.com/office/drawing/2014/main" id="{8986382B-03E0-49E8-ABB3-DDB76510459C}"/>
               </a:ext>
             </a:extLst>
           </p:cNvPr>
@@ -29929,14 +29925,13 @@
           <a:lstStyle/>
           <a:p>
             <a:r>
-              <a:rPr lang="en-US" sz="3600" dirty="0" smtClean="0"/>
+              <a:rPr lang="en-US" sz="3600" dirty="0"/>
               <a:t>BITS ZG553: </a:t>
             </a:r>
             <a:r>
-              <a:rPr lang="en-US" sz="3600" b="0" dirty="0" smtClean="0"/>
+              <a:rPr lang="en-US" sz="3600" b="0" dirty="0"/>
               <a:t>Real Time Systems</a:t>
             </a:r>
-            <a:endParaRPr lang="en-US" sz="3600" b="0" dirty="0"/>
           </a:p>
         </p:txBody>
       </p:sp>
@@ -29956,17 +29951,15 @@
           <a:lstStyle/>
           <a:p>
             <a:r>
-              <a:rPr lang="en-US" dirty="0" smtClean="0"/>
+              <a:rPr lang="en-US" dirty="0"/>
               <a:t>K G Krishna</a:t>
             </a:r>
-            <a:endParaRPr lang="en-US" dirty="0"/>
-          </a:p>
-          <a:p>
-            <a:r>
-              <a:rPr lang="en-US" dirty="0" smtClean="0"/>
+          </a:p>
+          <a:p>
+            <a:r>
+              <a:rPr lang="en-US" dirty="0"/>
               <a:t>WILP Division, BITS-Pilani, Hyderabad</a:t>
             </a:r>
-            <a:endParaRPr lang="en-US" dirty="0"/>
           </a:p>
         </p:txBody>
       </p:sp>
@@ -29975,7 +29968,7 @@
           <p:cNvPr id="2" name="Slide Number Placeholder 1">
             <a:extLst>
               <a:ext uri="{FF2B5EF4-FFF2-40B4-BE49-F238E27FC236}">
-                <a16:creationId xmlns="" xmlns:a16="http://schemas.microsoft.com/office/drawing/2014/main" id="{7F90C164-BD80-4958-B5AD-15C0024F6F1D}"/>
+                <a16:creationId xmlns:a16="http://schemas.microsoft.com/office/drawing/2014/main" id="{7F90C164-BD80-4958-B5AD-15C0024F6F1D}"/>
               </a:ext>
             </a:extLst>
           </p:cNvPr>
@@ -30010,13 +30003,6 @@
   <p:clrMapOvr>
     <a:masterClrMapping/>
   </p:clrMapOvr>
-  <p:timing>
-    <p:tnLst>
-      <p:par>
-        <p:cTn id="1" dur="indefinite" restart="never" nodeType="tmRoot"/>
-      </p:par>
-    </p:tnLst>
-  </p:timing>
 </p:sld>
 </file>
 
@@ -31373,13 +31359,6 @@
   <p:clrMapOvr>
     <a:masterClrMapping/>
   </p:clrMapOvr>
-  <p:timing>
-    <p:tnLst>
-      <p:par>
-        <p:cTn id="1" dur="indefinite" restart="never" nodeType="tmRoot"/>
-      </p:par>
-    </p:tnLst>
-  </p:timing>
 </p:sld>
 </file>
 
@@ -31474,13 +31453,6 @@
   <p:clrMapOvr>
     <a:masterClrMapping/>
   </p:clrMapOvr>
-  <p:timing>
-    <p:tnLst>
-      <p:par>
-        <p:cTn id="1" dur="indefinite" restart="never" nodeType="tmRoot"/>
-      </p:par>
-    </p:tnLst>
-  </p:timing>
 </p:sld>
 </file>
 
@@ -31749,13 +31721,6 @@
   <p:clrMapOvr>
     <a:masterClrMapping/>
   </p:clrMapOvr>
-  <p:timing>
-    <p:tnLst>
-      <p:par>
-        <p:cTn id="1" dur="indefinite" restart="never" nodeType="tmRoot"/>
-      </p:par>
-    </p:tnLst>
-  </p:timing>
 </p:sld>
 </file>
 
@@ -31801,13 +31766,8 @@
             </a:r>
             <a:r>
               <a:rPr lang="en-US" dirty="0"/>
-              <a:t> come </a:t>
-            </a:r>
-            <a:r>
-              <a:rPr lang="en-US" dirty="0" smtClean="0"/>
-              <a:t>from:</a:t>
-            </a:r>
-            <a:endParaRPr lang="en-US" dirty="0"/>
+              <a:t> come from:</a:t>
+            </a:r>
           </a:p>
         </p:txBody>
       </p:sp>
@@ -31903,35 +31863,35 @@
                 <a:gridCol w="590500">
                   <a:extLst>
                     <a:ext uri="{9D8B030D-6E8A-4147-A177-3AD203B41FA5}">
-                      <a16:colId xmlns="" xmlns:a16="http://schemas.microsoft.com/office/drawing/2014/main" val="3226158307"/>
+                      <a16:colId xmlns:a16="http://schemas.microsoft.com/office/drawing/2014/main" val="3226158307"/>
                     </a:ext>
                   </a:extLst>
                 </a:gridCol>
                 <a:gridCol w="3180944">
                   <a:extLst>
                     <a:ext uri="{9D8B030D-6E8A-4147-A177-3AD203B41FA5}">
-                      <a16:colId xmlns="" xmlns:a16="http://schemas.microsoft.com/office/drawing/2014/main" val="1693827726"/>
+                      <a16:colId xmlns:a16="http://schemas.microsoft.com/office/drawing/2014/main" val="1693827726"/>
                     </a:ext>
                   </a:extLst>
                 </a:gridCol>
                 <a:gridCol w="826851">
                   <a:extLst>
                     <a:ext uri="{9D8B030D-6E8A-4147-A177-3AD203B41FA5}">
-                      <a16:colId xmlns="" xmlns:a16="http://schemas.microsoft.com/office/drawing/2014/main" val="3671794309"/>
+                      <a16:colId xmlns:a16="http://schemas.microsoft.com/office/drawing/2014/main" val="3671794309"/>
                     </a:ext>
                   </a:extLst>
                 </a:gridCol>
                 <a:gridCol w="719847">
                   <a:extLst>
                     <a:ext uri="{9D8B030D-6E8A-4147-A177-3AD203B41FA5}">
-                      <a16:colId xmlns="" xmlns:a16="http://schemas.microsoft.com/office/drawing/2014/main" val="1348621814"/>
+                      <a16:colId xmlns:a16="http://schemas.microsoft.com/office/drawing/2014/main" val="1348621814"/>
                     </a:ext>
                   </a:extLst>
                 </a:gridCol>
                 <a:gridCol w="777858">
                   <a:extLst>
                     <a:ext uri="{9D8B030D-6E8A-4147-A177-3AD203B41FA5}">
-                      <a16:colId xmlns="" xmlns:a16="http://schemas.microsoft.com/office/drawing/2014/main" val="4111151298"/>
+                      <a16:colId xmlns:a16="http://schemas.microsoft.com/office/drawing/2014/main" val="4111151298"/>
                     </a:ext>
                   </a:extLst>
                 </a:gridCol>
@@ -32002,7 +31962,7 @@
                 </a:tc>
                 <a:extLst>
                   <a:ext uri="{0D108BD9-81ED-4DB2-BD59-A6C34878D82A}">
-                    <a16:rowId xmlns="" xmlns:a16="http://schemas.microsoft.com/office/drawing/2014/main" val="2232989100"/>
+                    <a16:rowId xmlns:a16="http://schemas.microsoft.com/office/drawing/2014/main" val="2232989100"/>
                   </a:ext>
                 </a:extLst>
               </a:tr>
@@ -32059,7 +32019,7 @@
                 </a:tc>
                 <a:extLst>
                   <a:ext uri="{0D108BD9-81ED-4DB2-BD59-A6C34878D82A}">
-                    <a16:rowId xmlns="" xmlns:a16="http://schemas.microsoft.com/office/drawing/2014/main" val="1124570898"/>
+                    <a16:rowId xmlns:a16="http://schemas.microsoft.com/office/drawing/2014/main" val="1124570898"/>
                   </a:ext>
                 </a:extLst>
               </a:tr>
@@ -32116,7 +32076,7 @@
                 </a:tc>
                 <a:extLst>
                   <a:ext uri="{0D108BD9-81ED-4DB2-BD59-A6C34878D82A}">
-                    <a16:rowId xmlns="" xmlns:a16="http://schemas.microsoft.com/office/drawing/2014/main" val="845630491"/>
+                    <a16:rowId xmlns:a16="http://schemas.microsoft.com/office/drawing/2014/main" val="845630491"/>
                   </a:ext>
                 </a:extLst>
               </a:tr>
@@ -32173,7 +32133,7 @@
                 </a:tc>
                 <a:extLst>
                   <a:ext uri="{0D108BD9-81ED-4DB2-BD59-A6C34878D82A}">
-                    <a16:rowId xmlns="" xmlns:a16="http://schemas.microsoft.com/office/drawing/2014/main" val="203096801"/>
+                    <a16:rowId xmlns:a16="http://schemas.microsoft.com/office/drawing/2014/main" val="203096801"/>
                   </a:ext>
                 </a:extLst>
               </a:tr>
@@ -32230,7 +32190,7 @@
                 </a:tc>
                 <a:extLst>
                   <a:ext uri="{0D108BD9-81ED-4DB2-BD59-A6C34878D82A}">
-                    <a16:rowId xmlns="" xmlns:a16="http://schemas.microsoft.com/office/drawing/2014/main" val="4286490838"/>
+                    <a16:rowId xmlns:a16="http://schemas.microsoft.com/office/drawing/2014/main" val="4286490838"/>
                   </a:ext>
                 </a:extLst>
               </a:tr>
@@ -32287,7 +32247,7 @@
                 </a:tc>
                 <a:extLst>
                   <a:ext uri="{0D108BD9-81ED-4DB2-BD59-A6C34878D82A}">
-                    <a16:rowId xmlns="" xmlns:a16="http://schemas.microsoft.com/office/drawing/2014/main" val="1012116151"/>
+                    <a16:rowId xmlns:a16="http://schemas.microsoft.com/office/drawing/2014/main" val="1012116151"/>
                   </a:ext>
                 </a:extLst>
               </a:tr>
@@ -32344,7 +32304,7 @@
                 </a:tc>
                 <a:extLst>
                   <a:ext uri="{0D108BD9-81ED-4DB2-BD59-A6C34878D82A}">
-                    <a16:rowId xmlns="" xmlns:a16="http://schemas.microsoft.com/office/drawing/2014/main" val="3004049750"/>
+                    <a16:rowId xmlns:a16="http://schemas.microsoft.com/office/drawing/2014/main" val="3004049750"/>
                   </a:ext>
                 </a:extLst>
               </a:tr>
@@ -32380,35 +32340,35 @@
                 <a:gridCol w="590500">
                   <a:extLst>
                     <a:ext uri="{9D8B030D-6E8A-4147-A177-3AD203B41FA5}">
-                      <a16:colId xmlns="" xmlns:a16="http://schemas.microsoft.com/office/drawing/2014/main" val="3226158307"/>
+                      <a16:colId xmlns:a16="http://schemas.microsoft.com/office/drawing/2014/main" val="3226158307"/>
                     </a:ext>
                   </a:extLst>
                 </a:gridCol>
                 <a:gridCol w="3180944">
                   <a:extLst>
                     <a:ext uri="{9D8B030D-6E8A-4147-A177-3AD203B41FA5}">
-                      <a16:colId xmlns="" xmlns:a16="http://schemas.microsoft.com/office/drawing/2014/main" val="1693827726"/>
+                      <a16:colId xmlns:a16="http://schemas.microsoft.com/office/drawing/2014/main" val="1693827726"/>
                     </a:ext>
                   </a:extLst>
                 </a:gridCol>
                 <a:gridCol w="826851">
                   <a:extLst>
                     <a:ext uri="{9D8B030D-6E8A-4147-A177-3AD203B41FA5}">
-                      <a16:colId xmlns="" xmlns:a16="http://schemas.microsoft.com/office/drawing/2014/main" val="3671794309"/>
+                      <a16:colId xmlns:a16="http://schemas.microsoft.com/office/drawing/2014/main" val="3671794309"/>
                     </a:ext>
                   </a:extLst>
                 </a:gridCol>
                 <a:gridCol w="719847">
                   <a:extLst>
                     <a:ext uri="{9D8B030D-6E8A-4147-A177-3AD203B41FA5}">
-                      <a16:colId xmlns="" xmlns:a16="http://schemas.microsoft.com/office/drawing/2014/main" val="1348621814"/>
+                      <a16:colId xmlns:a16="http://schemas.microsoft.com/office/drawing/2014/main" val="1348621814"/>
                     </a:ext>
                   </a:extLst>
                 </a:gridCol>
                 <a:gridCol w="777858">
                   <a:extLst>
                     <a:ext uri="{9D8B030D-6E8A-4147-A177-3AD203B41FA5}">
-                      <a16:colId xmlns="" xmlns:a16="http://schemas.microsoft.com/office/drawing/2014/main" val="4111151298"/>
+                      <a16:colId xmlns:a16="http://schemas.microsoft.com/office/drawing/2014/main" val="4111151298"/>
                     </a:ext>
                   </a:extLst>
                 </a:gridCol>
@@ -32479,7 +32439,7 @@
                 </a:tc>
                 <a:extLst>
                   <a:ext uri="{0D108BD9-81ED-4DB2-BD59-A6C34878D82A}">
-                    <a16:rowId xmlns="" xmlns:a16="http://schemas.microsoft.com/office/drawing/2014/main" val="2232989100"/>
+                    <a16:rowId xmlns:a16="http://schemas.microsoft.com/office/drawing/2014/main" val="2232989100"/>
                   </a:ext>
                 </a:extLst>
               </a:tr>
@@ -32548,7 +32508,7 @@
                 </a:tc>
                 <a:extLst>
                   <a:ext uri="{0D108BD9-81ED-4DB2-BD59-A6C34878D82A}">
-                    <a16:rowId xmlns="" xmlns:a16="http://schemas.microsoft.com/office/drawing/2014/main" val="1124570898"/>
+                    <a16:rowId xmlns:a16="http://schemas.microsoft.com/office/drawing/2014/main" val="1124570898"/>
                   </a:ext>
                 </a:extLst>
               </a:tr>
@@ -32605,7 +32565,7 @@
                 </a:tc>
                 <a:extLst>
                   <a:ext uri="{0D108BD9-81ED-4DB2-BD59-A6C34878D82A}">
-                    <a16:rowId xmlns="" xmlns:a16="http://schemas.microsoft.com/office/drawing/2014/main" val="845630491"/>
+                    <a16:rowId xmlns:a16="http://schemas.microsoft.com/office/drawing/2014/main" val="845630491"/>
                   </a:ext>
                 </a:extLst>
               </a:tr>
@@ -32662,7 +32622,7 @@
                 </a:tc>
                 <a:extLst>
                   <a:ext uri="{0D108BD9-81ED-4DB2-BD59-A6C34878D82A}">
-                    <a16:rowId xmlns="" xmlns:a16="http://schemas.microsoft.com/office/drawing/2014/main" val="203096801"/>
+                    <a16:rowId xmlns:a16="http://schemas.microsoft.com/office/drawing/2014/main" val="203096801"/>
                   </a:ext>
                 </a:extLst>
               </a:tr>
@@ -32719,7 +32679,7 @@
                 </a:tc>
                 <a:extLst>
                   <a:ext uri="{0D108BD9-81ED-4DB2-BD59-A6C34878D82A}">
-                    <a16:rowId xmlns="" xmlns:a16="http://schemas.microsoft.com/office/drawing/2014/main" val="4286490838"/>
+                    <a16:rowId xmlns:a16="http://schemas.microsoft.com/office/drawing/2014/main" val="4286490838"/>
                   </a:ext>
                 </a:extLst>
               </a:tr>
@@ -32776,7 +32736,7 @@
                 </a:tc>
                 <a:extLst>
                   <a:ext uri="{0D108BD9-81ED-4DB2-BD59-A6C34878D82A}">
-                    <a16:rowId xmlns="" xmlns:a16="http://schemas.microsoft.com/office/drawing/2014/main" val="1012116151"/>
+                    <a16:rowId xmlns:a16="http://schemas.microsoft.com/office/drawing/2014/main" val="1012116151"/>
                   </a:ext>
                 </a:extLst>
               </a:tr>
@@ -32833,7 +32793,7 @@
                 </a:tc>
                 <a:extLst>
                   <a:ext uri="{0D108BD9-81ED-4DB2-BD59-A6C34878D82A}">
-                    <a16:rowId xmlns="" xmlns:a16="http://schemas.microsoft.com/office/drawing/2014/main" val="3004049750"/>
+                    <a16:rowId xmlns:a16="http://schemas.microsoft.com/office/drawing/2014/main" val="3004049750"/>
                   </a:ext>
                 </a:extLst>
               </a:tr>
@@ -32869,35 +32829,35 @@
                 <a:gridCol w="590500">
                   <a:extLst>
                     <a:ext uri="{9D8B030D-6E8A-4147-A177-3AD203B41FA5}">
-                      <a16:colId xmlns="" xmlns:a16="http://schemas.microsoft.com/office/drawing/2014/main" val="3226158307"/>
+                      <a16:colId xmlns:a16="http://schemas.microsoft.com/office/drawing/2014/main" val="3226158307"/>
                     </a:ext>
                   </a:extLst>
                 </a:gridCol>
                 <a:gridCol w="3180944">
                   <a:extLst>
                     <a:ext uri="{9D8B030D-6E8A-4147-A177-3AD203B41FA5}">
-                      <a16:colId xmlns="" xmlns:a16="http://schemas.microsoft.com/office/drawing/2014/main" val="1693827726"/>
+                      <a16:colId xmlns:a16="http://schemas.microsoft.com/office/drawing/2014/main" val="1693827726"/>
                     </a:ext>
                   </a:extLst>
                 </a:gridCol>
                 <a:gridCol w="826851">
                   <a:extLst>
                     <a:ext uri="{9D8B030D-6E8A-4147-A177-3AD203B41FA5}">
-                      <a16:colId xmlns="" xmlns:a16="http://schemas.microsoft.com/office/drawing/2014/main" val="3671794309"/>
+                      <a16:colId xmlns:a16="http://schemas.microsoft.com/office/drawing/2014/main" val="3671794309"/>
                     </a:ext>
                   </a:extLst>
                 </a:gridCol>
                 <a:gridCol w="719847">
                   <a:extLst>
                     <a:ext uri="{9D8B030D-6E8A-4147-A177-3AD203B41FA5}">
-                      <a16:colId xmlns="" xmlns:a16="http://schemas.microsoft.com/office/drawing/2014/main" val="1348621814"/>
+                      <a16:colId xmlns:a16="http://schemas.microsoft.com/office/drawing/2014/main" val="1348621814"/>
                     </a:ext>
                   </a:extLst>
                 </a:gridCol>
                 <a:gridCol w="777858">
                   <a:extLst>
                     <a:ext uri="{9D8B030D-6E8A-4147-A177-3AD203B41FA5}">
-                      <a16:colId xmlns="" xmlns:a16="http://schemas.microsoft.com/office/drawing/2014/main" val="4111151298"/>
+                      <a16:colId xmlns:a16="http://schemas.microsoft.com/office/drawing/2014/main" val="4111151298"/>
                     </a:ext>
                   </a:extLst>
                 </a:gridCol>
@@ -32968,7 +32928,7 @@
                 </a:tc>
                 <a:extLst>
                   <a:ext uri="{0D108BD9-81ED-4DB2-BD59-A6C34878D82A}">
-                    <a16:rowId xmlns="" xmlns:a16="http://schemas.microsoft.com/office/drawing/2014/main" val="2232989100"/>
+                    <a16:rowId xmlns:a16="http://schemas.microsoft.com/office/drawing/2014/main" val="2232989100"/>
                   </a:ext>
                 </a:extLst>
               </a:tr>
@@ -33037,7 +32997,7 @@
                 </a:tc>
                 <a:extLst>
                   <a:ext uri="{0D108BD9-81ED-4DB2-BD59-A6C34878D82A}">
-                    <a16:rowId xmlns="" xmlns:a16="http://schemas.microsoft.com/office/drawing/2014/main" val="1124570898"/>
+                    <a16:rowId xmlns:a16="http://schemas.microsoft.com/office/drawing/2014/main" val="1124570898"/>
                   </a:ext>
                 </a:extLst>
               </a:tr>
@@ -33132,7 +33092,7 @@
                 </a:tc>
                 <a:extLst>
                   <a:ext uri="{0D108BD9-81ED-4DB2-BD59-A6C34878D82A}">
-                    <a16:rowId xmlns="" xmlns:a16="http://schemas.microsoft.com/office/drawing/2014/main" val="845630491"/>
+                    <a16:rowId xmlns:a16="http://schemas.microsoft.com/office/drawing/2014/main" val="845630491"/>
                   </a:ext>
                 </a:extLst>
               </a:tr>
@@ -33189,7 +33149,7 @@
                 </a:tc>
                 <a:extLst>
                   <a:ext uri="{0D108BD9-81ED-4DB2-BD59-A6C34878D82A}">
-                    <a16:rowId xmlns="" xmlns:a16="http://schemas.microsoft.com/office/drawing/2014/main" val="203096801"/>
+                    <a16:rowId xmlns:a16="http://schemas.microsoft.com/office/drawing/2014/main" val="203096801"/>
                   </a:ext>
                 </a:extLst>
               </a:tr>
@@ -33246,7 +33206,7 @@
                 </a:tc>
                 <a:extLst>
                   <a:ext uri="{0D108BD9-81ED-4DB2-BD59-A6C34878D82A}">
-                    <a16:rowId xmlns="" xmlns:a16="http://schemas.microsoft.com/office/drawing/2014/main" val="4286490838"/>
+                    <a16:rowId xmlns:a16="http://schemas.microsoft.com/office/drawing/2014/main" val="4286490838"/>
                   </a:ext>
                 </a:extLst>
               </a:tr>
@@ -33303,7 +33263,7 @@
                 </a:tc>
                 <a:extLst>
                   <a:ext uri="{0D108BD9-81ED-4DB2-BD59-A6C34878D82A}">
-                    <a16:rowId xmlns="" xmlns:a16="http://schemas.microsoft.com/office/drawing/2014/main" val="1012116151"/>
+                    <a16:rowId xmlns:a16="http://schemas.microsoft.com/office/drawing/2014/main" val="1012116151"/>
                   </a:ext>
                 </a:extLst>
               </a:tr>
@@ -33360,7 +33320,7 @@
                 </a:tc>
                 <a:extLst>
                   <a:ext uri="{0D108BD9-81ED-4DB2-BD59-A6C34878D82A}">
-                    <a16:rowId xmlns="" xmlns:a16="http://schemas.microsoft.com/office/drawing/2014/main" val="3004049750"/>
+                    <a16:rowId xmlns:a16="http://schemas.microsoft.com/office/drawing/2014/main" val="3004049750"/>
                   </a:ext>
                 </a:extLst>
               </a:tr>
@@ -33396,35 +33356,35 @@
                 <a:gridCol w="590500">
                   <a:extLst>
                     <a:ext uri="{9D8B030D-6E8A-4147-A177-3AD203B41FA5}">
-                      <a16:colId xmlns="" xmlns:a16="http://schemas.microsoft.com/office/drawing/2014/main" val="3226158307"/>
+                      <a16:colId xmlns:a16="http://schemas.microsoft.com/office/drawing/2014/main" val="3226158307"/>
                     </a:ext>
                   </a:extLst>
                 </a:gridCol>
                 <a:gridCol w="3180944">
                   <a:extLst>
                     <a:ext uri="{9D8B030D-6E8A-4147-A177-3AD203B41FA5}">
-                      <a16:colId xmlns="" xmlns:a16="http://schemas.microsoft.com/office/drawing/2014/main" val="1693827726"/>
+                      <a16:colId xmlns:a16="http://schemas.microsoft.com/office/drawing/2014/main" val="1693827726"/>
                     </a:ext>
                   </a:extLst>
                 </a:gridCol>
                 <a:gridCol w="826851">
                   <a:extLst>
                     <a:ext uri="{9D8B030D-6E8A-4147-A177-3AD203B41FA5}">
-                      <a16:colId xmlns="" xmlns:a16="http://schemas.microsoft.com/office/drawing/2014/main" val="3671794309"/>
+                      <a16:colId xmlns:a16="http://schemas.microsoft.com/office/drawing/2014/main" val="3671794309"/>
                     </a:ext>
                   </a:extLst>
                 </a:gridCol>
                 <a:gridCol w="719847">
                   <a:extLst>
                     <a:ext uri="{9D8B030D-6E8A-4147-A177-3AD203B41FA5}">
-                      <a16:colId xmlns="" xmlns:a16="http://schemas.microsoft.com/office/drawing/2014/main" val="1348621814"/>
+                      <a16:colId xmlns:a16="http://schemas.microsoft.com/office/drawing/2014/main" val="1348621814"/>
                     </a:ext>
                   </a:extLst>
                 </a:gridCol>
                 <a:gridCol w="777858">
                   <a:extLst>
                     <a:ext uri="{9D8B030D-6E8A-4147-A177-3AD203B41FA5}">
-                      <a16:colId xmlns="" xmlns:a16="http://schemas.microsoft.com/office/drawing/2014/main" val="4111151298"/>
+                      <a16:colId xmlns:a16="http://schemas.microsoft.com/office/drawing/2014/main" val="4111151298"/>
                     </a:ext>
                   </a:extLst>
                 </a:gridCol>
@@ -33495,7 +33455,7 @@
                 </a:tc>
                 <a:extLst>
                   <a:ext uri="{0D108BD9-81ED-4DB2-BD59-A6C34878D82A}">
-                    <a16:rowId xmlns="" xmlns:a16="http://schemas.microsoft.com/office/drawing/2014/main" val="2232989100"/>
+                    <a16:rowId xmlns:a16="http://schemas.microsoft.com/office/drawing/2014/main" val="2232989100"/>
                   </a:ext>
                 </a:extLst>
               </a:tr>
@@ -33567,7 +33527,7 @@
                 </a:tc>
                 <a:extLst>
                   <a:ext uri="{0D108BD9-81ED-4DB2-BD59-A6C34878D82A}">
-                    <a16:rowId xmlns="" xmlns:a16="http://schemas.microsoft.com/office/drawing/2014/main" val="1124570898"/>
+                    <a16:rowId xmlns:a16="http://schemas.microsoft.com/office/drawing/2014/main" val="1124570898"/>
                   </a:ext>
                 </a:extLst>
               </a:tr>
@@ -33665,7 +33625,7 @@
                 </a:tc>
                 <a:extLst>
                   <a:ext uri="{0D108BD9-81ED-4DB2-BD59-A6C34878D82A}">
-                    <a16:rowId xmlns="" xmlns:a16="http://schemas.microsoft.com/office/drawing/2014/main" val="845630491"/>
+                    <a16:rowId xmlns:a16="http://schemas.microsoft.com/office/drawing/2014/main" val="845630491"/>
                   </a:ext>
                 </a:extLst>
               </a:tr>
@@ -33755,7 +33715,7 @@
                 </a:tc>
                 <a:extLst>
                   <a:ext uri="{0D108BD9-81ED-4DB2-BD59-A6C34878D82A}">
-                    <a16:rowId xmlns="" xmlns:a16="http://schemas.microsoft.com/office/drawing/2014/main" val="203096801"/>
+                    <a16:rowId xmlns:a16="http://schemas.microsoft.com/office/drawing/2014/main" val="203096801"/>
                   </a:ext>
                 </a:extLst>
               </a:tr>
@@ -33840,7 +33800,7 @@
                 </a:tc>
                 <a:extLst>
                   <a:ext uri="{0D108BD9-81ED-4DB2-BD59-A6C34878D82A}">
-                    <a16:rowId xmlns="" xmlns:a16="http://schemas.microsoft.com/office/drawing/2014/main" val="4286490838"/>
+                    <a16:rowId xmlns:a16="http://schemas.microsoft.com/office/drawing/2014/main" val="4286490838"/>
                   </a:ext>
                 </a:extLst>
               </a:tr>
@@ -33897,7 +33857,7 @@
                 </a:tc>
                 <a:extLst>
                   <a:ext uri="{0D108BD9-81ED-4DB2-BD59-A6C34878D82A}">
-                    <a16:rowId xmlns="" xmlns:a16="http://schemas.microsoft.com/office/drawing/2014/main" val="1012116151"/>
+                    <a16:rowId xmlns:a16="http://schemas.microsoft.com/office/drawing/2014/main" val="1012116151"/>
                   </a:ext>
                 </a:extLst>
               </a:tr>
@@ -33954,7 +33914,7 @@
                 </a:tc>
                 <a:extLst>
                   <a:ext uri="{0D108BD9-81ED-4DB2-BD59-A6C34878D82A}">
-                    <a16:rowId xmlns="" xmlns:a16="http://schemas.microsoft.com/office/drawing/2014/main" val="3004049750"/>
+                    <a16:rowId xmlns:a16="http://schemas.microsoft.com/office/drawing/2014/main" val="3004049750"/>
                   </a:ext>
                 </a:extLst>
               </a:tr>
@@ -33990,35 +33950,35 @@
                 <a:gridCol w="590500">
                   <a:extLst>
                     <a:ext uri="{9D8B030D-6E8A-4147-A177-3AD203B41FA5}">
-                      <a16:colId xmlns="" xmlns:a16="http://schemas.microsoft.com/office/drawing/2014/main" val="3226158307"/>
+                      <a16:colId xmlns:a16="http://schemas.microsoft.com/office/drawing/2014/main" val="3226158307"/>
                     </a:ext>
                   </a:extLst>
                 </a:gridCol>
                 <a:gridCol w="3180944">
                   <a:extLst>
                     <a:ext uri="{9D8B030D-6E8A-4147-A177-3AD203B41FA5}">
-                      <a16:colId xmlns="" xmlns:a16="http://schemas.microsoft.com/office/drawing/2014/main" val="1693827726"/>
+                      <a16:colId xmlns:a16="http://schemas.microsoft.com/office/drawing/2014/main" val="1693827726"/>
                     </a:ext>
                   </a:extLst>
                 </a:gridCol>
                 <a:gridCol w="826851">
                   <a:extLst>
                     <a:ext uri="{9D8B030D-6E8A-4147-A177-3AD203B41FA5}">
-                      <a16:colId xmlns="" xmlns:a16="http://schemas.microsoft.com/office/drawing/2014/main" val="3671794309"/>
+                      <a16:colId xmlns:a16="http://schemas.microsoft.com/office/drawing/2014/main" val="3671794309"/>
                     </a:ext>
                   </a:extLst>
                 </a:gridCol>
                 <a:gridCol w="719847">
                   <a:extLst>
                     <a:ext uri="{9D8B030D-6E8A-4147-A177-3AD203B41FA5}">
-                      <a16:colId xmlns="" xmlns:a16="http://schemas.microsoft.com/office/drawing/2014/main" val="1348621814"/>
+                      <a16:colId xmlns:a16="http://schemas.microsoft.com/office/drawing/2014/main" val="1348621814"/>
                     </a:ext>
                   </a:extLst>
                 </a:gridCol>
                 <a:gridCol w="777858">
                   <a:extLst>
                     <a:ext uri="{9D8B030D-6E8A-4147-A177-3AD203B41FA5}">
-                      <a16:colId xmlns="" xmlns:a16="http://schemas.microsoft.com/office/drawing/2014/main" val="4111151298"/>
+                      <a16:colId xmlns:a16="http://schemas.microsoft.com/office/drawing/2014/main" val="4111151298"/>
                     </a:ext>
                   </a:extLst>
                 </a:gridCol>
@@ -34089,7 +34049,7 @@
                 </a:tc>
                 <a:extLst>
                   <a:ext uri="{0D108BD9-81ED-4DB2-BD59-A6C34878D82A}">
-                    <a16:rowId xmlns="" xmlns:a16="http://schemas.microsoft.com/office/drawing/2014/main" val="2232989100"/>
+                    <a16:rowId xmlns:a16="http://schemas.microsoft.com/office/drawing/2014/main" val="2232989100"/>
                   </a:ext>
                 </a:extLst>
               </a:tr>
@@ -34161,7 +34121,7 @@
                 </a:tc>
                 <a:extLst>
                   <a:ext uri="{0D108BD9-81ED-4DB2-BD59-A6C34878D82A}">
-                    <a16:rowId xmlns="" xmlns:a16="http://schemas.microsoft.com/office/drawing/2014/main" val="1124570898"/>
+                    <a16:rowId xmlns:a16="http://schemas.microsoft.com/office/drawing/2014/main" val="1124570898"/>
                   </a:ext>
                 </a:extLst>
               </a:tr>
@@ -34259,7 +34219,7 @@
                 </a:tc>
                 <a:extLst>
                   <a:ext uri="{0D108BD9-81ED-4DB2-BD59-A6C34878D82A}">
-                    <a16:rowId xmlns="" xmlns:a16="http://schemas.microsoft.com/office/drawing/2014/main" val="845630491"/>
+                    <a16:rowId xmlns:a16="http://schemas.microsoft.com/office/drawing/2014/main" val="845630491"/>
                   </a:ext>
                 </a:extLst>
               </a:tr>
@@ -34349,7 +34309,7 @@
                 </a:tc>
                 <a:extLst>
                   <a:ext uri="{0D108BD9-81ED-4DB2-BD59-A6C34878D82A}">
-                    <a16:rowId xmlns="" xmlns:a16="http://schemas.microsoft.com/office/drawing/2014/main" val="203096801"/>
+                    <a16:rowId xmlns:a16="http://schemas.microsoft.com/office/drawing/2014/main" val="203096801"/>
                   </a:ext>
                 </a:extLst>
               </a:tr>
@@ -34434,7 +34394,7 @@
                 </a:tc>
                 <a:extLst>
                   <a:ext uri="{0D108BD9-81ED-4DB2-BD59-A6C34878D82A}">
-                    <a16:rowId xmlns="" xmlns:a16="http://schemas.microsoft.com/office/drawing/2014/main" val="4286490838"/>
+                    <a16:rowId xmlns:a16="http://schemas.microsoft.com/office/drawing/2014/main" val="4286490838"/>
                   </a:ext>
                 </a:extLst>
               </a:tr>
@@ -34506,7 +34466,7 @@
                 </a:tc>
                 <a:extLst>
                   <a:ext uri="{0D108BD9-81ED-4DB2-BD59-A6C34878D82A}">
-                    <a16:rowId xmlns="" xmlns:a16="http://schemas.microsoft.com/office/drawing/2014/main" val="1012116151"/>
+                    <a16:rowId xmlns:a16="http://schemas.microsoft.com/office/drawing/2014/main" val="1012116151"/>
                   </a:ext>
                 </a:extLst>
               </a:tr>
@@ -34563,7 +34523,7 @@
                 </a:tc>
                 <a:extLst>
                   <a:ext uri="{0D108BD9-81ED-4DB2-BD59-A6C34878D82A}">
-                    <a16:rowId xmlns="" xmlns:a16="http://schemas.microsoft.com/office/drawing/2014/main" val="3004049750"/>
+                    <a16:rowId xmlns:a16="http://schemas.microsoft.com/office/drawing/2014/main" val="3004049750"/>
                   </a:ext>
                 </a:extLst>
               </a:tr>
@@ -35586,13 +35546,6 @@
   <p:clrMapOvr>
     <a:masterClrMapping/>
   </p:clrMapOvr>
-  <p:timing>
-    <p:tnLst>
-      <p:par>
-        <p:cTn id="1" dur="indefinite" restart="never" nodeType="tmRoot"/>
-      </p:par>
-    </p:tnLst>
-  </p:timing>
 </p:sld>
 </file>
 
@@ -36686,10 +36639,10 @@
               <a:buChar char="Ø"/>
             </a:pPr>
             <a:r>
-              <a:rPr lang="en-US" sz="2000" dirty="0" smtClean="0"/>
+              <a:rPr lang="en-US" sz="2000" dirty="0"/>
               <a:t>A system is an assembly of components connected together in an organized way</a:t>
             </a:r>
-            <a:endParaRPr lang="fi-FI" sz="2000" dirty="0" smtClean="0"/>
+            <a:endParaRPr lang="fi-FI" sz="2000" dirty="0"/>
           </a:p>
           <a:p>
             <a:pPr>
@@ -36697,10 +36650,10 @@
               <a:buChar char="Ø"/>
             </a:pPr>
             <a:r>
-              <a:rPr lang="en-US" sz="2000" dirty="0" smtClean="0"/>
+              <a:rPr lang="en-US" sz="2000" dirty="0"/>
               <a:t>A system is fundamentally altered if a component joins or leaves it</a:t>
             </a:r>
-            <a:endParaRPr lang="fi-FI" sz="2000" dirty="0" smtClean="0"/>
+            <a:endParaRPr lang="fi-FI" sz="2000" dirty="0"/>
           </a:p>
           <a:p>
             <a:pPr>
@@ -36708,10 +36661,10 @@
               <a:buChar char="Ø"/>
             </a:pPr>
             <a:r>
-              <a:rPr lang="en-US" sz="2000" dirty="0" smtClean="0"/>
+              <a:rPr lang="en-US" sz="2000" dirty="0"/>
               <a:t>It has a purpose</a:t>
             </a:r>
-            <a:endParaRPr lang="fi-FI" sz="2000" dirty="0" smtClean="0"/>
+            <a:endParaRPr lang="fi-FI" sz="2000" dirty="0"/>
           </a:p>
           <a:p>
             <a:pPr>
@@ -36719,10 +36672,10 @@
               <a:buChar char="Ø"/>
             </a:pPr>
             <a:r>
-              <a:rPr lang="en-US" sz="2000" dirty="0" smtClean="0"/>
+              <a:rPr lang="en-US" sz="2000" dirty="0"/>
               <a:t>It has a degree of permanence</a:t>
             </a:r>
-            <a:endParaRPr lang="fi-FI" sz="2000" dirty="0" smtClean="0"/>
+            <a:endParaRPr lang="fi-FI" sz="2000" dirty="0"/>
           </a:p>
           <a:p>
             <a:pPr>
@@ -36730,7 +36683,7 @@
               <a:buChar char="Ø"/>
             </a:pPr>
             <a:r>
-              <a:rPr lang="en-US" sz="2000" dirty="0" smtClean="0"/>
+              <a:rPr lang="en-US" sz="2000" dirty="0"/>
               <a:t>It has been defined as being of particular interest</a:t>
             </a:r>
             <a:endParaRPr lang="fi-FI" sz="2000" dirty="0"/>
@@ -36753,10 +36706,9 @@
           <a:lstStyle/>
           <a:p>
             <a:r>
-              <a:rPr lang="en-US" dirty="0" smtClean="0"/>
+              <a:rPr lang="en-US" dirty="0"/>
               <a:t>A System</a:t>
             </a:r>
-            <a:endParaRPr lang="en-US" dirty="0"/>
           </a:p>
         </p:txBody>
       </p:sp>
@@ -36805,12 +36757,12 @@
           <a:graphicData uri="http://schemas.openxmlformats.org/presentationml/2006/ole">
             <mc:AlternateContent xmlns:mc="http://schemas.openxmlformats.org/markup-compatibility/2006">
               <mc:Choice xmlns:v="urn:schemas-microsoft-com:vml" Requires="v">
-                <p:oleObj spid="_x0000_s1051" name="CorelDRAW" r:id="rId4" imgW="4377960" imgH="1065960" progId="">
+                <p:oleObj name="CorelDRAW" r:id="rId3" imgW="4377960" imgH="1065960" progId="">
                   <p:embed/>
                 </p:oleObj>
               </mc:Choice>
               <mc:Fallback>
-                <p:oleObj name="CorelDRAW" r:id="rId4" imgW="4377960" imgH="1065960" progId="">
+                <p:oleObj name="CorelDRAW" r:id="rId3" imgW="4377960" imgH="1065960" progId="">
                   <p:embed/>
                   <p:pic>
                     <p:nvPicPr>
@@ -36821,7 +36773,7 @@
                       <p:nvPr/>
                     </p:nvPicPr>
                     <p:blipFill>
-                      <a:blip r:embed="rId5">
+                      <a:blip r:embed="rId4">
                         <a:extLst>
                           <a:ext uri="{28A0092B-C50C-407E-A947-70E740481C1C}">
                             <a14:useLocalDpi xmlns:a14="http://schemas.microsoft.com/office/drawing/2010/main" val="0"/>
@@ -36920,30 +36872,30 @@
               </a:spcBef>
             </a:pPr>
             <a:r>
-              <a:rPr lang="en-IN" sz="1100" b="1" i="1" dirty="0" smtClean="0"/>
+              <a:rPr lang="en-IN" sz="1100" b="1" i="1" dirty="0"/>
               <a:t>	(Source</a:t>
             </a:r>
             <a:r>
-              <a:rPr lang="en-IN" sz="1200" b="1" i="1" dirty="0" smtClean="0"/>
+              <a:rPr lang="en-IN" sz="1200" b="1" i="1" dirty="0"/>
               <a:t>: P. A. </a:t>
             </a:r>
             <a:r>
-              <a:rPr lang="en-IN" sz="1200" b="1" i="1" dirty="0" err="1" smtClean="0"/>
+              <a:rPr lang="en-IN" sz="1200" b="1" i="1" dirty="0" err="1"/>
               <a:t>Laplante</a:t>
             </a:r>
             <a:r>
-              <a:rPr lang="en-IN" sz="1200" b="1" i="1" dirty="0" smtClean="0"/>
+              <a:rPr lang="en-IN" sz="1200" b="1" i="1" dirty="0"/>
               <a:t> &amp; S. J. </a:t>
             </a:r>
             <a:r>
-              <a:rPr lang="en-IN" sz="1200" b="1" i="1" dirty="0" err="1" smtClean="0"/>
+              <a:rPr lang="en-IN" sz="1200" b="1" i="1" dirty="0" err="1"/>
               <a:t>Ovaska</a:t>
             </a:r>
             <a:r>
-              <a:rPr lang="en-IN" sz="1200" b="1" i="1" dirty="0" smtClean="0"/>
+              <a:rPr lang="en-IN" sz="1200" b="1" i="1" dirty="0"/>
               <a:t>, Real-Time Systems Design and Analysis: Tools for the Practitioner, Wiley, 4th edition)</a:t>
             </a:r>
-            <a:endParaRPr lang="en-US" sz="1200" b="1" i="1" dirty="0" smtClean="0"/>
+            <a:endParaRPr lang="en-US" sz="1200" b="1" i="1" dirty="0"/>
           </a:p>
         </p:txBody>
       </p:sp>
@@ -36957,13 +36909,6 @@
   <p:clrMapOvr>
     <a:masterClrMapping/>
   </p:clrMapOvr>
-  <p:timing>
-    <p:tnLst>
-      <p:par>
-        <p:cTn id="1" dur="indefinite" restart="never" nodeType="tmRoot"/>
-      </p:par>
-    </p:tnLst>
-  </p:timing>
 </p:sld>
 </file>
 
@@ -37230,7 +37175,7 @@
           <a:p>
             <a:pPr algn="r"/>
             <a:r>
-              <a:rPr lang="en-US" sz="2000" i="1" dirty="0" smtClean="0">
+              <a:rPr lang="en-US" sz="2000" i="1" dirty="0">
                 <a:solidFill>
                   <a:schemeClr val="bg1"/>
                 </a:solidFill>
@@ -37239,7 +37184,7 @@
               <a:t>Welcome To</a:t>
             </a:r>
             <a:br>
-              <a:rPr lang="en-US" sz="2000" i="1" dirty="0" smtClean="0">
+              <a:rPr lang="en-US" sz="2000" i="1" dirty="0">
                 <a:solidFill>
                   <a:schemeClr val="bg1"/>
                 </a:solidFill>
@@ -37247,7 +37192,7 @@
               </a:rPr>
             </a:br>
             <a:r>
-              <a:rPr lang="en-US" sz="2200" dirty="0" smtClean="0">
+              <a:rPr lang="en-US" sz="2200" dirty="0">
                 <a:solidFill>
                   <a:schemeClr val="tx2">
                     <a:lumMod val="40000"/>
@@ -37258,17 +37203,8 @@
               </a:rPr>
               <a:t>BITS ZG553: Real Time Systems</a:t>
             </a:r>
-            <a:r>
-              <a:rPr lang="en-US" sz="2000" dirty="0" smtClean="0">
-                <a:solidFill>
-                  <a:schemeClr val="bg1"/>
-                </a:solidFill>
-                <a:latin typeface="+mj-lt"/>
-              </a:rPr>
-              <a:t/>
-            </a:r>
             <a:br>
-              <a:rPr lang="en-US" sz="2000" dirty="0" smtClean="0">
+              <a:rPr lang="en-US" sz="2000" dirty="0">
                 <a:solidFill>
                   <a:schemeClr val="bg1"/>
                 </a:solidFill>
@@ -37276,7 +37212,7 @@
               </a:rPr>
             </a:br>
             <a:r>
-              <a:rPr lang="en-US" sz="1800" i="1" dirty="0" smtClean="0">
+              <a:rPr lang="en-US" sz="1800" i="1" dirty="0">
                 <a:solidFill>
                   <a:schemeClr val="bg1"/>
                 </a:solidFill>
@@ -37303,13 +37239,6 @@
   <p:clrMapOvr>
     <a:masterClrMapping/>
   </p:clrMapOvr>
-  <p:timing>
-    <p:tnLst>
-      <p:par>
-        <p:cTn id="1" dur="indefinite" restart="never" nodeType="tmRoot"/>
-      </p:par>
-    </p:tnLst>
-  </p:timing>
 </p:sld>
 </file>
 
@@ -37357,19 +37286,19 @@
               <a:buChar char="Ø"/>
             </a:pPr>
             <a:r>
-              <a:rPr lang="en-US" sz="2000" dirty="0" smtClean="0"/>
+              <a:rPr lang="en-US" sz="2000" dirty="0"/>
               <a:t>Inputs are </a:t>
             </a:r>
             <a:r>
-              <a:rPr lang="en-US" sz="2000" i="1" dirty="0" smtClean="0"/>
+              <a:rPr lang="en-US" sz="2000" i="1" dirty="0"/>
               <a:t>excitations</a:t>
             </a:r>
             <a:r>
-              <a:rPr lang="en-US" sz="2000" dirty="0" smtClean="0"/>
+              <a:rPr lang="en-US" sz="2000" dirty="0"/>
               <a:t> and outputs are corresponding </a:t>
             </a:r>
             <a:r>
-              <a:rPr lang="en-US" sz="2000" i="1" dirty="0" smtClean="0"/>
+              <a:rPr lang="en-US" sz="2000" i="1" dirty="0"/>
               <a:t>responses</a:t>
             </a:r>
           </a:p>
@@ -37379,7 +37308,7 @@
               <a:buChar char="Ø"/>
             </a:pPr>
             <a:r>
-              <a:rPr lang="en-US" sz="2000" dirty="0" smtClean="0"/>
+              <a:rPr lang="en-US" sz="2000" dirty="0"/>
               <a:t>Inputs and outputs may be digital or analog</a:t>
             </a:r>
           </a:p>
@@ -37389,7 +37318,7 @@
               <a:buChar char="Ø"/>
             </a:pPr>
             <a:r>
-              <a:rPr lang="en-US" sz="2000" dirty="0" smtClean="0"/>
+              <a:rPr lang="en-US" sz="2000" dirty="0"/>
               <a:t>Inputs are associated with sensors, cameras, etc.</a:t>
             </a:r>
           </a:p>
@@ -37399,7 +37328,7 @@
               <a:buChar char="Ø"/>
             </a:pPr>
             <a:r>
-              <a:rPr lang="en-US" sz="2000" dirty="0" smtClean="0"/>
+              <a:rPr lang="en-US" sz="2000" dirty="0"/>
               <a:t>Outputs with actuators, displays, etc.</a:t>
             </a:r>
           </a:p>
@@ -37421,10 +37350,9 @@
           <a:lstStyle/>
           <a:p>
             <a:r>
-              <a:rPr lang="en-US" dirty="0" smtClean="0"/>
+              <a:rPr lang="en-US" dirty="0"/>
               <a:t>Example: A Real-Time Control System</a:t>
             </a:r>
-            <a:endParaRPr lang="en-US" dirty="0"/>
           </a:p>
         </p:txBody>
       </p:sp>
@@ -37473,12 +37401,12 @@
           <a:graphicData uri="http://schemas.openxmlformats.org/presentationml/2006/ole">
             <mc:AlternateContent xmlns:mc="http://schemas.openxmlformats.org/markup-compatibility/2006">
               <mc:Choice xmlns:v="urn:schemas-microsoft-com:vml" Requires="v">
-                <p:oleObj spid="_x0000_s2075" name="CorelDRAW" r:id="rId4" imgW="3934440" imgH="1256760" progId="">
+                <p:oleObj name="CorelDRAW" r:id="rId3" imgW="3934440" imgH="1256760" progId="">
                   <p:embed/>
                 </p:oleObj>
               </mc:Choice>
               <mc:Fallback>
-                <p:oleObj name="CorelDRAW" r:id="rId4" imgW="3934440" imgH="1256760" progId="">
+                <p:oleObj name="CorelDRAW" r:id="rId3" imgW="3934440" imgH="1256760" progId="">
                   <p:embed/>
                   <p:pic>
                     <p:nvPicPr>
@@ -37489,7 +37417,7 @@
                       <p:nvPr/>
                     </p:nvPicPr>
                     <p:blipFill>
-                      <a:blip r:embed="rId5">
+                      <a:blip r:embed="rId4">
                         <a:extLst>
                           <a:ext uri="{28A0092B-C50C-407E-A947-70E740481C1C}">
                             <a14:useLocalDpi xmlns:a14="http://schemas.microsoft.com/office/drawing/2010/main" val="0"/>
@@ -37588,30 +37516,30 @@
               </a:spcBef>
             </a:pPr>
             <a:r>
-              <a:rPr lang="en-IN" sz="1100" b="1" i="1" dirty="0" smtClean="0"/>
+              <a:rPr lang="en-IN" sz="1100" b="1" i="1" dirty="0"/>
               <a:t>	Source</a:t>
             </a:r>
             <a:r>
-              <a:rPr lang="en-IN" sz="1200" b="1" i="1" dirty="0" smtClean="0"/>
+              <a:rPr lang="en-IN" sz="1200" b="1" i="1" dirty="0"/>
               <a:t>: P. A. </a:t>
             </a:r>
             <a:r>
-              <a:rPr lang="en-IN" sz="1200" b="1" i="1" dirty="0" err="1" smtClean="0"/>
+              <a:rPr lang="en-IN" sz="1200" b="1" i="1" dirty="0" err="1"/>
               <a:t>Laplante</a:t>
             </a:r>
             <a:r>
-              <a:rPr lang="en-IN" sz="1200" b="1" i="1" dirty="0" smtClean="0"/>
+              <a:rPr lang="en-IN" sz="1200" b="1" i="1" dirty="0"/>
               <a:t> &amp; S. J. </a:t>
             </a:r>
             <a:r>
-              <a:rPr lang="en-IN" sz="1200" b="1" i="1" dirty="0" err="1" smtClean="0"/>
+              <a:rPr lang="en-IN" sz="1200" b="1" i="1" dirty="0" err="1"/>
               <a:t>Ovaska</a:t>
             </a:r>
             <a:r>
-              <a:rPr lang="en-IN" sz="1200" b="1" i="1" dirty="0" smtClean="0"/>
+              <a:rPr lang="en-IN" sz="1200" b="1" i="1" dirty="0"/>
               <a:t>, Real-Time Systems Design and Analysis: Tools for the Practitioner, Wiley, 4th edition</a:t>
             </a:r>
-            <a:endParaRPr lang="en-US" sz="1200" b="1" i="1" dirty="0" smtClean="0"/>
+            <a:endParaRPr lang="en-US" sz="1200" b="1" i="1" dirty="0"/>
           </a:p>
         </p:txBody>
       </p:sp>
@@ -37625,13 +37553,6 @@
   <p:clrMapOvr>
     <a:masterClrMapping/>
   </p:clrMapOvr>
-  <p:timing>
-    <p:tnLst>
-      <p:par>
-        <p:cTn id="1" dur="indefinite" restart="never" nodeType="tmRoot"/>
-      </p:par>
-    </p:tnLst>
-  </p:timing>
 </p:sld>
 </file>
 
@@ -37670,24 +37591,24 @@
           <a:lstStyle/>
           <a:p>
             <a:r>
-              <a:rPr lang="en-AU" altLang="en-AU" dirty="0" smtClean="0"/>
+              <a:rPr lang="en-AU" altLang="en-AU" dirty="0"/>
               <a:t>Feedback Control Loop </a:t>
             </a:r>
             <a:r>
-              <a:rPr lang="en-AU" altLang="en-AU" dirty="0" err="1" smtClean="0"/>
+              <a:rPr lang="en-AU" altLang="en-AU" dirty="0" err="1"/>
               <a:t>pseudocode</a:t>
             </a:r>
             <a:r>
-              <a:rPr lang="en-AU" altLang="en-AU" dirty="0" smtClean="0"/>
+              <a:rPr lang="en-AU" altLang="en-AU" dirty="0"/>
               <a:t>:</a:t>
             </a:r>
           </a:p>
           <a:p>
-            <a:endParaRPr lang="en-AU" altLang="en-AU" dirty="0" smtClean="0"/>
-          </a:p>
-          <a:p>
-            <a:r>
-              <a:rPr lang="en-AU" altLang="en-AU" sz="1800" dirty="0" smtClean="0">
+            <a:endParaRPr lang="en-AU" altLang="en-AU" dirty="0"/>
+          </a:p>
+          <a:p>
+            <a:r>
+              <a:rPr lang="en-AU" altLang="en-AU" sz="1800" dirty="0">
                 <a:latin typeface="Courier New" pitchFamily="49" charset="0"/>
                 <a:cs typeface="Courier New" pitchFamily="49" charset="0"/>
               </a:rPr>
@@ -37696,7 +37617,7 @@
           </a:p>
           <a:p>
             <a:r>
-              <a:rPr lang="en-AU" altLang="en-AU" sz="1800" dirty="0" smtClean="0">
+              <a:rPr lang="en-AU" altLang="en-AU" sz="1800" dirty="0">
                 <a:latin typeface="Courier New" pitchFamily="49" charset="0"/>
                 <a:cs typeface="Courier New" pitchFamily="49" charset="0"/>
               </a:rPr>
@@ -37705,7 +37626,7 @@
           </a:p>
           <a:p>
             <a:r>
-              <a:rPr lang="en-AU" altLang="en-AU" sz="1800" dirty="0" smtClean="0">
+              <a:rPr lang="en-AU" altLang="en-AU" sz="1800" dirty="0">
                 <a:latin typeface="Courier New" pitchFamily="49" charset="0"/>
                 <a:cs typeface="Courier New" pitchFamily="49" charset="0"/>
               </a:rPr>
@@ -37717,7 +37638,7 @@
               <a:buNone/>
             </a:pPr>
             <a:r>
-              <a:rPr lang="en-AU" altLang="en-AU" sz="1800" dirty="0" smtClean="0">
+              <a:rPr lang="en-AU" altLang="en-AU" sz="1800" dirty="0">
                 <a:latin typeface="Courier New" pitchFamily="49" charset="0"/>
                 <a:cs typeface="Courier New" pitchFamily="49" charset="0"/>
               </a:rPr>
@@ -37729,7 +37650,7 @@
               <a:buNone/>
             </a:pPr>
             <a:r>
-              <a:rPr lang="en-AU" altLang="en-AU" sz="1800" dirty="0" smtClean="0">
+              <a:rPr lang="en-AU" altLang="en-AU" sz="1800" dirty="0">
                 <a:latin typeface="Courier New" pitchFamily="49" charset="0"/>
                 <a:cs typeface="Courier New" pitchFamily="49" charset="0"/>
               </a:rPr>
@@ -37741,7 +37662,7 @@
               <a:buNone/>
             </a:pPr>
             <a:r>
-              <a:rPr lang="en-AU" altLang="en-AU" sz="1800" dirty="0" smtClean="0">
+              <a:rPr lang="en-AU" altLang="en-AU" sz="1800" dirty="0">
                 <a:latin typeface="Courier New" pitchFamily="49" charset="0"/>
                 <a:cs typeface="Courier New" pitchFamily="49" charset="0"/>
               </a:rPr>
@@ -37750,16 +37671,12 @@
           </a:p>
           <a:p>
             <a:r>
-              <a:rPr lang="en-AU" altLang="en-AU" sz="1800" dirty="0" smtClean="0">
+              <a:rPr lang="en-AU" altLang="en-AU" sz="1800" dirty="0">
                 <a:latin typeface="Courier New" pitchFamily="49" charset="0"/>
                 <a:cs typeface="Courier New" pitchFamily="49" charset="0"/>
               </a:rPr>
               <a:t>}</a:t>
             </a:r>
-            <a:endParaRPr lang="en-AU" altLang="en-AU" sz="1800" dirty="0">
-              <a:latin typeface="Courier New" pitchFamily="49" charset="0"/>
-              <a:cs typeface="Courier New" pitchFamily="49" charset="0"/>
-            </a:endParaRPr>
           </a:p>
         </p:txBody>
       </p:sp>
@@ -37779,10 +37696,9 @@
           <a:lstStyle/>
           <a:p>
             <a:r>
-              <a:rPr lang="en-US" dirty="0" smtClean="0"/>
+              <a:rPr lang="en-US" dirty="0"/>
               <a:t>Sample Data System</a:t>
             </a:r>
-            <a:endParaRPr lang="en-US" dirty="0"/>
           </a:p>
         </p:txBody>
       </p:sp>
@@ -37825,13 +37741,6 @@
   <p:clrMapOvr>
     <a:masterClrMapping/>
   </p:clrMapOvr>
-  <p:timing>
-    <p:tnLst>
-      <p:par>
-        <p:cTn id="1" dur="indefinite" restart="never" nodeType="tmRoot"/>
-      </p:par>
-    </p:tnLst>
-  </p:timing>
 </p:sld>
 </file>
 
@@ -37880,7 +37789,7 @@
               </a:lnSpc>
             </a:pPr>
             <a:r>
-              <a:rPr lang="en-AU" altLang="en-AU" sz="1800" u="sng" dirty="0" smtClean="0"/>
+              <a:rPr lang="en-AU" altLang="en-AU" sz="1800" u="sng" dirty="0"/>
               <a:t>Determining the Sampling Rate</a:t>
             </a:r>
           </a:p>
@@ -37890,7 +37799,7 @@
                 <a:spcPct val="120000"/>
               </a:lnSpc>
             </a:pPr>
-            <a:endParaRPr lang="en-AU" altLang="en-AU" sz="1800" dirty="0" smtClean="0"/>
+            <a:endParaRPr lang="en-AU" altLang="en-AU" sz="1800" dirty="0"/>
           </a:p>
           <a:p>
             <a:pPr>
@@ -37899,7 +37808,7 @@
               </a:lnSpc>
             </a:pPr>
             <a:r>
-              <a:rPr lang="en-AU" altLang="en-AU" sz="1800" dirty="0" smtClean="0"/>
+              <a:rPr lang="en-AU" altLang="en-AU" sz="1800" dirty="0"/>
               <a:t>	Sampling time interval = T</a:t>
             </a:r>
           </a:p>
@@ -37909,7 +37818,7 @@
                 <a:spcPct val="120000"/>
               </a:lnSpc>
             </a:pPr>
-            <a:endParaRPr lang="en-AU" altLang="en-AU" sz="1800" dirty="0" smtClean="0"/>
+            <a:endParaRPr lang="en-AU" altLang="en-AU" sz="1800" dirty="0"/>
           </a:p>
           <a:p>
             <a:pPr>
@@ -37918,11 +37827,11 @@
               </a:lnSpc>
             </a:pPr>
             <a:r>
-              <a:rPr lang="en-AU" altLang="en-AU" sz="1800" dirty="0" smtClean="0"/>
+              <a:rPr lang="en-AU" altLang="en-AU" sz="1800" dirty="0"/>
               <a:t>	</a:t>
             </a:r>
             <a:r>
-              <a:rPr lang="en-AU" altLang="en-AU" sz="1800" dirty="0" smtClean="0">
+              <a:rPr lang="en-AU" altLang="en-AU" sz="1800" dirty="0">
                 <a:solidFill>
                   <a:srgbClr val="0000CC"/>
                 </a:solidFill>
@@ -37936,7 +37845,7 @@
                 <a:spcPct val="120000"/>
               </a:lnSpc>
             </a:pPr>
-            <a:endParaRPr lang="en-AU" altLang="en-AU" sz="1800" dirty="0" smtClean="0"/>
+            <a:endParaRPr lang="en-AU" altLang="en-AU" sz="1800" dirty="0"/>
           </a:p>
           <a:p>
             <a:pPr>
@@ -37945,11 +37854,11 @@
               </a:lnSpc>
             </a:pPr>
             <a:r>
-              <a:rPr lang="en-AU" altLang="en-AU" sz="1800" dirty="0" smtClean="0"/>
+              <a:rPr lang="en-AU" altLang="en-AU" sz="1800" dirty="0"/>
               <a:t>	We can measure the responsiveness of the system by its </a:t>
             </a:r>
             <a:r>
-              <a:rPr lang="en-AU" altLang="en-AU" sz="1800" i="1" dirty="0" smtClean="0">
+              <a:rPr lang="en-AU" altLang="en-AU" sz="1800" i="1" dirty="0">
                 <a:solidFill>
                   <a:srgbClr val="0000CC"/>
                 </a:solidFill>
@@ -37957,7 +37866,7 @@
               <a:t>rise time</a:t>
             </a:r>
             <a:r>
-              <a:rPr lang="en-AU" altLang="en-AU" sz="1800" dirty="0" smtClean="0">
+              <a:rPr lang="en-AU" altLang="en-AU" sz="1800" dirty="0">
                 <a:solidFill>
                   <a:srgbClr val="0000CC"/>
                 </a:solidFill>
@@ -37965,7 +37874,7 @@
               <a:t> </a:t>
             </a:r>
             <a:r>
-              <a:rPr lang="en-AU" altLang="en-AU" sz="1800" b="1" dirty="0" smtClean="0">
+              <a:rPr lang="en-AU" altLang="en-AU" sz="1800" b="1" dirty="0">
                 <a:solidFill>
                   <a:srgbClr val="0000CC"/>
                 </a:solidFill>
@@ -37973,7 +37882,7 @@
               <a:t>R</a:t>
             </a:r>
             <a:r>
-              <a:rPr lang="en-AU" altLang="en-AU" sz="1800" dirty="0" smtClean="0">
+              <a:rPr lang="en-AU" altLang="en-AU" sz="1800" dirty="0">
                 <a:solidFill>
                   <a:srgbClr val="0000CC"/>
                 </a:solidFill>
@@ -37987,7 +37896,7 @@
                 <a:spcPct val="120000"/>
               </a:lnSpc>
             </a:pPr>
-            <a:endParaRPr lang="en-AU" altLang="en-AU" sz="1800" dirty="0" smtClean="0"/>
+            <a:endParaRPr lang="en-AU" altLang="en-AU" sz="1800" dirty="0"/>
           </a:p>
           <a:p>
             <a:pPr>
@@ -37996,7 +37905,7 @@
               </a:lnSpc>
             </a:pPr>
             <a:r>
-              <a:rPr lang="en-AU" altLang="en-AU" sz="1800" dirty="0" smtClean="0"/>
+              <a:rPr lang="en-AU" altLang="en-AU" sz="1800" dirty="0"/>
               <a:t>	R is the time it takes to get close to its final state after the input changes.</a:t>
             </a:r>
           </a:p>
@@ -38006,7 +37915,7 @@
                 <a:spcPct val="120000"/>
               </a:lnSpc>
             </a:pPr>
-            <a:endParaRPr lang="en-AU" altLang="en-AU" sz="1800" dirty="0" smtClean="0"/>
+            <a:endParaRPr lang="en-AU" altLang="en-AU" sz="1800" dirty="0"/>
           </a:p>
           <a:p>
             <a:pPr>
@@ -38015,7 +37924,7 @@
               </a:lnSpc>
             </a:pPr>
             <a:r>
-              <a:rPr lang="en-AU" altLang="en-AU" sz="1800" dirty="0" smtClean="0">
+              <a:rPr lang="en-AU" altLang="en-AU" sz="1800" dirty="0">
                 <a:solidFill>
                   <a:srgbClr val="0000CC"/>
                 </a:solidFill>
@@ -38023,7 +37932,7 @@
               <a:t>	Typically the ratio R/T of rise time to sampling period should be between 10 and 20 in order to give a smooth response</a:t>
             </a:r>
             <a:r>
-              <a:rPr lang="en-AU" altLang="en-AU" sz="1800" dirty="0" smtClean="0">
+              <a:rPr lang="en-AU" altLang="en-AU" sz="1800" dirty="0">
                 <a:solidFill>
                   <a:srgbClr val="002060"/>
                 </a:solidFill>
@@ -38037,7 +37946,7 @@
                 <a:spcPct val="120000"/>
               </a:lnSpc>
             </a:pPr>
-            <a:endParaRPr lang="en-AU" altLang="en-AU" sz="1800" dirty="0" smtClean="0">
+            <a:endParaRPr lang="en-AU" altLang="en-AU" sz="1800" dirty="0">
               <a:solidFill>
                 <a:srgbClr val="002060"/>
               </a:solidFill>
@@ -38050,11 +37959,11 @@
               </a:lnSpc>
             </a:pPr>
             <a:r>
-              <a:rPr lang="en-AU" altLang="en-AU" sz="1800" dirty="0" smtClean="0"/>
+              <a:rPr lang="en-AU" altLang="en-AU" sz="1800" dirty="0"/>
               <a:t>	One can also consider this in terms of </a:t>
             </a:r>
             <a:r>
-              <a:rPr lang="en-AU" altLang="en-AU" sz="1800" dirty="0" smtClean="0">
+              <a:rPr lang="en-AU" altLang="en-AU" sz="1800" dirty="0">
                 <a:solidFill>
                   <a:srgbClr val="0000CC"/>
                 </a:solidFill>
@@ -38062,7 +37971,7 @@
               <a:t>bandwidth </a:t>
             </a:r>
             <a:r>
-              <a:rPr lang="en-AU" altLang="en-AU" sz="1800" dirty="0" smtClean="0">
+              <a:rPr lang="en-AU" altLang="en-AU" sz="1800" dirty="0">
                 <a:solidFill>
                   <a:srgbClr val="0000CC"/>
                 </a:solidFill>
@@ -38071,11 +37980,11 @@
               <a:t>w</a:t>
             </a:r>
             <a:r>
-              <a:rPr lang="en-AU" altLang="en-AU" sz="1800" dirty="0" smtClean="0"/>
+              <a:rPr lang="en-AU" altLang="en-AU" sz="1800" dirty="0"/>
               <a:t> which is approximately </a:t>
             </a:r>
             <a:r>
-              <a:rPr lang="en-AU" altLang="en-AU" sz="1800" dirty="0" smtClean="0">
+              <a:rPr lang="en-AU" altLang="en-AU" sz="1800" dirty="0">
                 <a:solidFill>
                   <a:srgbClr val="0000CC"/>
                 </a:solidFill>
@@ -38083,7 +37992,7 @@
               <a:t>1/2R Hz</a:t>
             </a:r>
             <a:r>
-              <a:rPr lang="en-AU" altLang="en-AU" sz="1800" dirty="0" smtClean="0"/>
+              <a:rPr lang="en-AU" altLang="en-AU" sz="1800" dirty="0"/>
               <a:t>.  </a:t>
             </a:r>
           </a:p>
@@ -38093,7 +38002,7 @@
                 <a:spcPct val="120000"/>
               </a:lnSpc>
             </a:pPr>
-            <a:endParaRPr lang="en-AU" altLang="en-AU" sz="1800" dirty="0" smtClean="0">
+            <a:endParaRPr lang="en-AU" altLang="en-AU" sz="1800" dirty="0">
               <a:solidFill>
                 <a:srgbClr val="0000CC"/>
               </a:solidFill>
@@ -38106,7 +38015,7 @@
               </a:lnSpc>
             </a:pPr>
             <a:r>
-              <a:rPr lang="en-AU" altLang="en-AU" sz="1800" dirty="0" smtClean="0">
+              <a:rPr lang="en-AU" altLang="en-AU" sz="1800" dirty="0">
                 <a:solidFill>
                   <a:srgbClr val="0000CC"/>
                 </a:solidFill>
@@ -38114,7 +38023,7 @@
               <a:t>	</a:t>
             </a:r>
             <a:r>
-              <a:rPr lang="en-AU" altLang="en-AU" sz="2100" b="1" dirty="0" smtClean="0">
+              <a:rPr lang="en-AU" altLang="en-AU" sz="2100" b="1" dirty="0">
                 <a:solidFill>
                   <a:srgbClr val="0000CC"/>
                 </a:solidFill>
@@ -38122,7 +38031,7 @@
               <a:t>The </a:t>
             </a:r>
             <a:r>
-              <a:rPr lang="en-AU" altLang="en-AU" sz="2100" b="1" dirty="0" err="1" smtClean="0">
+              <a:rPr lang="en-AU" altLang="en-AU" sz="2100" b="1" dirty="0" err="1">
                 <a:solidFill>
                   <a:srgbClr val="0000CC"/>
                 </a:solidFill>
@@ -38130,7 +38039,7 @@
               <a:t>Nyquist</a:t>
             </a:r>
             <a:r>
-              <a:rPr lang="en-AU" altLang="en-AU" sz="2100" b="1" dirty="0" smtClean="0">
+              <a:rPr lang="en-AU" altLang="en-AU" sz="2100" b="1" dirty="0">
                 <a:solidFill>
                   <a:srgbClr val="0000CC"/>
                 </a:solidFill>
@@ -38138,7 +38047,7 @@
               <a:t> sampling theorem says that any time-continuous signal of bandwidth </a:t>
             </a:r>
             <a:r>
-              <a:rPr lang="en-AU" altLang="en-AU" sz="2100" b="1" dirty="0" smtClean="0">
+              <a:rPr lang="en-AU" altLang="en-AU" sz="2100" b="1" dirty="0">
                 <a:solidFill>
                   <a:srgbClr val="0000CC"/>
                 </a:solidFill>
@@ -38147,7 +38056,7 @@
               <a:t>w</a:t>
             </a:r>
             <a:r>
-              <a:rPr lang="en-AU" altLang="en-AU" sz="2100" b="1" dirty="0" smtClean="0">
+              <a:rPr lang="en-AU" altLang="en-AU" sz="2100" b="1" dirty="0">
                 <a:solidFill>
                   <a:srgbClr val="0000CC"/>
                 </a:solidFill>
@@ -38155,7 +38064,7 @@
               <a:t> can be reproduced faithfully from its sampled values only if the sampling rate is at least 2 </a:t>
             </a:r>
             <a:r>
-              <a:rPr lang="en-AU" altLang="en-AU" sz="2100" b="1" dirty="0" smtClean="0">
+              <a:rPr lang="en-AU" altLang="en-AU" sz="2100" b="1" dirty="0">
                 <a:solidFill>
                   <a:srgbClr val="0000CC"/>
                 </a:solidFill>
@@ -38164,7 +38073,7 @@
               <a:t>w</a:t>
             </a:r>
             <a:r>
-              <a:rPr lang="en-AU" altLang="en-AU" sz="2100" b="1" dirty="0" smtClean="0">
+              <a:rPr lang="en-AU" altLang="en-AU" sz="2100" b="1" dirty="0">
                 <a:solidFill>
                   <a:srgbClr val="0000CC"/>
                 </a:solidFill>
@@ -38178,7 +38087,7 @@
                 <a:spcPct val="120000"/>
               </a:lnSpc>
             </a:pPr>
-            <a:endParaRPr lang="en-AU" altLang="en-AU" sz="1800" dirty="0" smtClean="0"/>
+            <a:endParaRPr lang="en-AU" altLang="en-AU" sz="1800" dirty="0"/>
           </a:p>
           <a:p>
             <a:pPr>
@@ -38187,11 +38096,11 @@
               </a:lnSpc>
             </a:pPr>
             <a:r>
-              <a:rPr lang="en-AU" altLang="en-AU" sz="1800" dirty="0" smtClean="0"/>
+              <a:rPr lang="en-AU" altLang="en-AU" sz="1800" dirty="0"/>
               <a:t>	Recommended sampling rate is </a:t>
             </a:r>
             <a:r>
-              <a:rPr lang="en-AU" altLang="en-AU" sz="1800" b="1" dirty="0" smtClean="0">
+              <a:rPr lang="en-AU" altLang="en-AU" sz="1800" b="1" dirty="0">
                 <a:solidFill>
                   <a:srgbClr val="0000CC"/>
                 </a:solidFill>
@@ -38199,7 +38108,7 @@
               <a:t>20 to 40 times the bandwidth </a:t>
             </a:r>
             <a:r>
-              <a:rPr lang="en-AU" altLang="en-AU" sz="1800" b="1" dirty="0" smtClean="0">
+              <a:rPr lang="en-AU" altLang="en-AU" sz="1800" b="1" dirty="0">
                 <a:solidFill>
                   <a:srgbClr val="0000CC"/>
                 </a:solidFill>
@@ -38208,7 +38117,7 @@
               <a:t>w</a:t>
             </a:r>
             <a:r>
-              <a:rPr lang="en-AU" altLang="en-AU" sz="1800" b="1" dirty="0" smtClean="0">
+              <a:rPr lang="en-AU" altLang="en-AU" sz="1800" b="1" dirty="0">
                 <a:solidFill>
                   <a:srgbClr val="0000CC"/>
                 </a:solidFill>
@@ -38222,7 +38131,7 @@
                 <a:spcPct val="120000"/>
               </a:lnSpc>
             </a:pPr>
-            <a:endParaRPr lang="en-AU" altLang="en-AU" sz="1800" dirty="0" smtClean="0">
+            <a:endParaRPr lang="en-AU" altLang="en-AU" sz="1800" dirty="0">
               <a:solidFill>
                 <a:srgbClr val="0000CC"/>
               </a:solidFill>
@@ -38234,7 +38143,7 @@
                 <a:spcPct val="120000"/>
               </a:lnSpc>
             </a:pPr>
-            <a:endParaRPr lang="en-AU" altLang="en-AU" sz="1800" dirty="0" smtClean="0">
+            <a:endParaRPr lang="en-AU" altLang="en-AU" sz="1800" dirty="0">
               <a:solidFill>
                 <a:srgbClr val="002060"/>
               </a:solidFill>
@@ -38246,7 +38155,7 @@
                 <a:spcPct val="120000"/>
               </a:lnSpc>
             </a:pPr>
-            <a:endParaRPr lang="en-AU" altLang="en-AU" sz="1800" dirty="0" smtClean="0"/>
+            <a:endParaRPr lang="en-AU" altLang="en-AU" sz="1800" dirty="0"/>
           </a:p>
         </p:txBody>
       </p:sp>
@@ -38266,10 +38175,9 @@
           <a:lstStyle/>
           <a:p>
             <a:r>
-              <a:rPr lang="en-US" dirty="0" smtClean="0"/>
+              <a:rPr lang="en-US" dirty="0"/>
               <a:t>Sample Data System</a:t>
             </a:r>
-            <a:endParaRPr lang="en-US" dirty="0"/>
           </a:p>
         </p:txBody>
       </p:sp>
@@ -38312,13 +38220,6 @@
   <p:clrMapOvr>
     <a:masterClrMapping/>
   </p:clrMapOvr>
-  <p:timing>
-    <p:tnLst>
-      <p:par>
-        <p:cTn id="1" dur="indefinite" restart="never" nodeType="tmRoot"/>
-      </p:par>
-    </p:tnLst>
-  </p:timing>
 </p:sld>
 </file>
 
@@ -38362,16 +38263,16 @@
           <a:lstStyle/>
           <a:p>
             <a:r>
-              <a:rPr lang="en-AU" altLang="en-AU" sz="1800" u="sng" dirty="0" err="1" smtClean="0"/>
+              <a:rPr lang="en-AU" altLang="en-AU" sz="1800" u="sng" dirty="0" err="1"/>
               <a:t>Multirate</a:t>
             </a:r>
             <a:r>
-              <a:rPr lang="en-AU" altLang="en-AU" sz="1800" u="sng" dirty="0" smtClean="0"/>
+              <a:rPr lang="en-AU" altLang="en-AU" sz="1800" u="sng" dirty="0"/>
               <a:t> System</a:t>
             </a:r>
           </a:p>
           <a:p>
-            <a:endParaRPr lang="en-AU" altLang="en-AU" sz="1800" dirty="0" smtClean="0"/>
+            <a:endParaRPr lang="en-AU" altLang="en-AU" sz="1800" dirty="0"/>
           </a:p>
           <a:p>
             <a:pPr>
@@ -38379,7 +38280,7 @@
               <a:buChar char="q"/>
             </a:pPr>
             <a:r>
-              <a:rPr lang="en-AU" altLang="en-AU" sz="1600" dirty="0" smtClean="0"/>
+              <a:rPr lang="en-AU" altLang="en-AU" sz="1600" dirty="0"/>
               <a:t>A system typically has state defined by multiple state variables. e.g. rotation speed, temperature, fuel consumption, etc. of an engine.</a:t>
             </a:r>
           </a:p>
@@ -38389,7 +38290,7 @@
               <a:buChar char="q"/>
             </a:pPr>
             <a:r>
-              <a:rPr lang="en-AU" altLang="en-AU" sz="1600" dirty="0" smtClean="0"/>
+              <a:rPr lang="en-AU" altLang="en-AU" sz="1600" dirty="0"/>
               <a:t>The state is monitored by multiple sensors and controlled by multiple actuators.</a:t>
             </a:r>
           </a:p>
@@ -38399,7 +38300,7 @@
               <a:buChar char="q"/>
             </a:pPr>
             <a:r>
-              <a:rPr lang="en-AU" altLang="en-AU" sz="1600" dirty="0" smtClean="0"/>
+              <a:rPr lang="en-AU" altLang="en-AU" sz="1600" dirty="0"/>
               <a:t>Hence there are multiple sampling rates, one for each state variable.</a:t>
             </a:r>
           </a:p>
@@ -38409,7 +38310,7 @@
               <a:buChar char="q"/>
             </a:pPr>
             <a:r>
-              <a:rPr lang="en-AU" altLang="en-AU" sz="1600" dirty="0" smtClean="0">
+              <a:rPr lang="en-AU" altLang="en-AU" sz="1600" dirty="0">
                 <a:solidFill>
                   <a:srgbClr val="0000CC"/>
                 </a:solidFill>
@@ -38417,7 +38318,7 @@
               <a:t>A system with multiple sampling rates is called a </a:t>
             </a:r>
             <a:r>
-              <a:rPr lang="en-AU" altLang="en-AU" sz="1600" dirty="0" err="1" smtClean="0">
+              <a:rPr lang="en-AU" altLang="en-AU" sz="1600" dirty="0" err="1">
                 <a:solidFill>
                   <a:srgbClr val="0000CC"/>
                 </a:solidFill>
@@ -38425,7 +38326,7 @@
               <a:t>multirate</a:t>
             </a:r>
             <a:r>
-              <a:rPr lang="en-AU" altLang="en-AU" sz="1600" dirty="0" smtClean="0">
+              <a:rPr lang="en-AU" altLang="en-AU" sz="1600" dirty="0">
                 <a:solidFill>
                   <a:srgbClr val="0000CC"/>
                 </a:solidFill>
@@ -38433,12 +38334,12 @@
               <a:t> system</a:t>
             </a:r>
             <a:r>
-              <a:rPr lang="en-AU" altLang="en-AU" sz="1600" dirty="0" smtClean="0"/>
+              <a:rPr lang="en-AU" altLang="en-AU" sz="1600" dirty="0"/>
               <a:t>.</a:t>
             </a:r>
           </a:p>
           <a:p>
-            <a:endParaRPr lang="en-AU" altLang="en-AU" sz="1800" u="sng" dirty="0" smtClean="0">
+            <a:endParaRPr lang="en-AU" altLang="en-AU" sz="1800" u="sng" dirty="0">
               <a:solidFill>
                 <a:srgbClr val="0000CC"/>
               </a:solidFill>
@@ -38446,20 +38347,20 @@
           </a:p>
           <a:p>
             <a:r>
-              <a:rPr lang="en-AU" altLang="en-AU" sz="1800" u="sng" dirty="0" smtClean="0"/>
+              <a:rPr lang="en-AU" altLang="en-AU" sz="1800" u="sng" dirty="0"/>
               <a:t>Determining Sampling Rate for a </a:t>
             </a:r>
             <a:r>
-              <a:rPr lang="en-AU" altLang="en-AU" sz="1800" u="sng" dirty="0" err="1" smtClean="0"/>
+              <a:rPr lang="en-AU" altLang="en-AU" sz="1800" u="sng" dirty="0" err="1"/>
               <a:t>Multirate</a:t>
             </a:r>
             <a:r>
-              <a:rPr lang="en-AU" altLang="en-AU" sz="1800" u="sng" dirty="0" smtClean="0"/>
+              <a:rPr lang="en-AU" altLang="en-AU" sz="1800" u="sng" dirty="0"/>
               <a:t> System</a:t>
             </a:r>
           </a:p>
           <a:p>
-            <a:endParaRPr lang="en-AU" altLang="en-AU" sz="1800" dirty="0" smtClean="0">
+            <a:endParaRPr lang="en-AU" altLang="en-AU" sz="1800" dirty="0">
               <a:solidFill>
                 <a:srgbClr val="002060"/>
               </a:solidFill>
@@ -38471,7 +38372,7 @@
               <a:buChar char="q"/>
             </a:pPr>
             <a:r>
-              <a:rPr lang="en-AU" altLang="en-AU" sz="1800" dirty="0" smtClean="0"/>
+              <a:rPr lang="en-AU" altLang="en-AU" sz="1800" dirty="0"/>
               <a:t>Fastest sample rate is the choice ?</a:t>
             </a:r>
           </a:p>
@@ -38481,7 +38382,7 @@
               <a:buChar char="q"/>
             </a:pPr>
             <a:r>
-              <a:rPr lang="en-AU" altLang="en-AU" sz="1800" dirty="0" smtClean="0"/>
+              <a:rPr lang="en-AU" altLang="en-AU" sz="1800" dirty="0"/>
               <a:t>Usually longer sampling period is an integer multiple of every shorter sampling period</a:t>
             </a:r>
           </a:p>
@@ -38491,7 +38392,7 @@
               <a:buChar char="q"/>
             </a:pPr>
             <a:r>
-              <a:rPr lang="en-AU" altLang="en-AU" sz="1800" dirty="0" smtClean="0">
+              <a:rPr lang="en-AU" altLang="en-AU" sz="1800" dirty="0">
                 <a:solidFill>
                   <a:srgbClr val="0000CC"/>
                 </a:solidFill>
@@ -38502,21 +38403,21 @@
           <a:p>
             <a:pPr lvl="1"/>
             <a:r>
-              <a:rPr lang="en-AU" altLang="en-AU" sz="1400" dirty="0" smtClean="0"/>
+              <a:rPr lang="en-AU" altLang="en-AU" sz="1400" dirty="0"/>
               <a:t>Select the fastest sampling rate controller assuming it is independent of other controller. Integrate it with the plant</a:t>
             </a:r>
           </a:p>
           <a:p>
             <a:pPr lvl="1"/>
             <a:r>
-              <a:rPr lang="en-AU" altLang="en-AU" sz="1400" dirty="0" smtClean="0"/>
+              <a:rPr lang="en-AU" altLang="en-AU" sz="1400" dirty="0"/>
               <a:t>Select the next fastest one and integrate. Continue till the slowest sampling rate controller is integrated</a:t>
             </a:r>
           </a:p>
           <a:p>
             <a:pPr lvl="1"/>
             <a:r>
-              <a:rPr lang="en-AU" altLang="en-AU" sz="1400" dirty="0" smtClean="0"/>
+              <a:rPr lang="en-AU" altLang="en-AU" sz="1400" dirty="0"/>
               <a:t>Correct the error, aroused due to the assumption that the first one is independent of others</a:t>
             </a:r>
           </a:p>
@@ -38538,10 +38439,9 @@
           <a:lstStyle/>
           <a:p>
             <a:r>
-              <a:rPr lang="en-US" dirty="0" smtClean="0"/>
+              <a:rPr lang="en-US" dirty="0"/>
               <a:t>Sample Data System</a:t>
             </a:r>
-            <a:endParaRPr lang="en-US" dirty="0"/>
           </a:p>
         </p:txBody>
       </p:sp>
@@ -38584,13 +38484,6 @@
   <p:clrMapOvr>
     <a:masterClrMapping/>
   </p:clrMapOvr>
-  <p:timing>
-    <p:tnLst>
-      <p:par>
-        <p:cTn id="1" dur="indefinite" restart="never" nodeType="tmRoot"/>
-      </p:par>
-    </p:tnLst>
-  </p:timing>
 </p:sld>
 </file>
 
@@ -38634,7 +38527,7 @@
           <a:lstStyle/>
           <a:p>
             <a:r>
-              <a:rPr lang="en-AU" altLang="en-AU" sz="1600" dirty="0" smtClean="0">
+              <a:rPr lang="en-AU" altLang="en-AU" sz="1600" dirty="0">
                 <a:latin typeface="Courier New" pitchFamily="49" charset="0"/>
                 <a:cs typeface="Courier New" pitchFamily="49" charset="0"/>
               </a:rPr>
@@ -38643,7 +38536,7 @@
           </a:p>
           <a:p>
             <a:r>
-              <a:rPr lang="en-AU" altLang="en-AU" sz="1600" dirty="0" smtClean="0">
+              <a:rPr lang="en-AU" altLang="en-AU" sz="1600" dirty="0">
                 <a:latin typeface="Courier New" pitchFamily="49" charset="0"/>
                 <a:cs typeface="Courier New" pitchFamily="49" charset="0"/>
               </a:rPr>
@@ -38652,7 +38545,7 @@
           </a:p>
           <a:p>
             <a:r>
-              <a:rPr lang="en-AU" altLang="en-AU" sz="1600" dirty="0" smtClean="0">
+              <a:rPr lang="en-AU" altLang="en-AU" sz="1600" dirty="0">
                 <a:latin typeface="Courier New" pitchFamily="49" charset="0"/>
                 <a:cs typeface="Courier New" pitchFamily="49" charset="0"/>
               </a:rPr>
@@ -38664,7 +38557,7 @@
               <a:buNone/>
             </a:pPr>
             <a:r>
-              <a:rPr lang="en-AU" altLang="en-AU" dirty="0" smtClean="0">
+              <a:rPr lang="en-AU" altLang="en-AU" dirty="0">
                 <a:latin typeface="Courier New" pitchFamily="49" charset="0"/>
                 <a:cs typeface="Courier New" pitchFamily="49" charset="0"/>
               </a:rPr>
@@ -38676,7 +38569,7 @@
               <a:buNone/>
             </a:pPr>
             <a:r>
-              <a:rPr lang="en-AU" altLang="en-AU" dirty="0" smtClean="0">
+              <a:rPr lang="en-AU" altLang="en-AU" dirty="0">
                 <a:latin typeface="Courier New" pitchFamily="49" charset="0"/>
                 <a:cs typeface="Courier New" pitchFamily="49" charset="0"/>
               </a:rPr>
@@ -38688,7 +38581,7 @@
               <a:buNone/>
             </a:pPr>
             <a:r>
-              <a:rPr lang="en-AU" altLang="en-AU" dirty="0" smtClean="0">
+              <a:rPr lang="en-AU" altLang="en-AU" dirty="0">
                 <a:latin typeface="Courier New" pitchFamily="49" charset="0"/>
                 <a:cs typeface="Courier New" pitchFamily="49" charset="0"/>
               </a:rPr>
@@ -38700,7 +38593,7 @@
               <a:buNone/>
             </a:pPr>
             <a:r>
-              <a:rPr lang="en-AU" altLang="en-AU" dirty="0" smtClean="0">
+              <a:rPr lang="en-AU" altLang="en-AU" dirty="0">
                 <a:latin typeface="Courier New" pitchFamily="49" charset="0"/>
                 <a:cs typeface="Courier New" pitchFamily="49" charset="0"/>
               </a:rPr>
@@ -38712,7 +38605,7 @@
               <a:buNone/>
             </a:pPr>
             <a:r>
-              <a:rPr lang="en-AU" altLang="en-AU" dirty="0" smtClean="0">
+              <a:rPr lang="en-AU" altLang="en-AU" dirty="0">
                 <a:latin typeface="Courier New" pitchFamily="49" charset="0"/>
                 <a:cs typeface="Courier New" pitchFamily="49" charset="0"/>
               </a:rPr>
@@ -38721,16 +38614,12 @@
           </a:p>
           <a:p>
             <a:r>
-              <a:rPr lang="en-AU" altLang="en-AU" sz="1600" dirty="0" smtClean="0">
+              <a:rPr lang="en-AU" altLang="en-AU" sz="1600" dirty="0">
                 <a:latin typeface="Courier New" pitchFamily="49" charset="0"/>
                 <a:cs typeface="Courier New" pitchFamily="49" charset="0"/>
               </a:rPr>
               <a:t>}</a:t>
             </a:r>
-            <a:endParaRPr lang="en-AU" altLang="en-AU" sz="1600" dirty="0">
-              <a:latin typeface="Courier New" pitchFamily="49" charset="0"/>
-              <a:cs typeface="Courier New" pitchFamily="49" charset="0"/>
-            </a:endParaRPr>
           </a:p>
         </p:txBody>
       </p:sp>
@@ -38750,10 +38639,9 @@
           <a:lstStyle/>
           <a:p>
             <a:r>
-              <a:rPr lang="en-US" dirty="0" smtClean="0"/>
+              <a:rPr lang="en-US" dirty="0"/>
               <a:t>A More Complex Control Law Computation</a:t>
             </a:r>
-            <a:endParaRPr lang="en-US" dirty="0"/>
           </a:p>
         </p:txBody>
       </p:sp>
@@ -38796,13 +38684,6 @@
   <p:clrMapOvr>
     <a:masterClrMapping/>
   </p:clrMapOvr>
-  <p:timing>
-    <p:tnLst>
-      <p:par>
-        <p:cTn id="1" dur="indefinite" restart="never" nodeType="tmRoot"/>
-      </p:par>
-    </p:tnLst>
-  </p:timing>
 </p:sld>
 </file>
 
@@ -38851,7 +38732,7 @@
               </a:lnSpc>
             </a:pPr>
             <a:r>
-              <a:rPr lang="en-AU" altLang="en-AU" i="1" dirty="0" smtClean="0"/>
+              <a:rPr lang="en-AU" altLang="en-AU" i="1" dirty="0"/>
               <a:t>	Controllers in a complex systems are typically organised hierarchically.</a:t>
             </a:r>
           </a:p>
@@ -38862,10 +38743,10 @@
               </a:lnSpc>
             </a:pPr>
             <a:r>
-              <a:rPr lang="en-US" b="1" u="sng" dirty="0" smtClean="0"/>
+              <a:rPr lang="en-US" b="1" u="sng" dirty="0"/>
               <a:t>Example – Air Traffic Control System</a:t>
             </a:r>
-            <a:endParaRPr lang="en-AU" altLang="en-AU" b="1" u="sng" dirty="0" smtClean="0"/>
+            <a:endParaRPr lang="en-AU" altLang="en-AU" b="1" u="sng" dirty="0"/>
           </a:p>
           <a:p>
             <a:pPr>
@@ -38876,7 +38757,7 @@
               <a:buChar char="Ø"/>
             </a:pPr>
             <a:r>
-              <a:rPr lang="en-AU" altLang="en-AU" dirty="0" smtClean="0"/>
+              <a:rPr lang="en-AU" altLang="en-AU" dirty="0"/>
               <a:t>The air-traffic control system is at the highest level.</a:t>
             </a:r>
           </a:p>
@@ -38889,7 +38770,7 @@
               <a:buChar char="§"/>
             </a:pPr>
             <a:r>
-              <a:rPr lang="en-AU" altLang="en-AU" sz="1800" dirty="0" smtClean="0"/>
+              <a:rPr lang="en-AU" altLang="en-AU" sz="1800" dirty="0"/>
               <a:t>Regulates the flow of flights to the destination</a:t>
             </a:r>
           </a:p>
@@ -38902,7 +38783,7 @@
               <a:buChar char="§"/>
             </a:pPr>
             <a:r>
-              <a:rPr lang="en-AU" altLang="en-AU" sz="1800" dirty="0" smtClean="0">
+              <a:rPr lang="en-AU" altLang="en-AU" sz="1800" dirty="0">
                 <a:solidFill>
                   <a:srgbClr val="0000CC"/>
                 </a:solidFill>
@@ -38919,7 +38800,7 @@
               <a:buChar char="§"/>
             </a:pPr>
             <a:r>
-              <a:rPr lang="en-AU" altLang="en-AU" sz="1800" dirty="0" smtClean="0"/>
+              <a:rPr lang="en-AU" altLang="en-AU" sz="1800" dirty="0"/>
               <a:t>Assigned arrival time to the next metering fix is the reference for the on board flight management system</a:t>
             </a:r>
           </a:p>
@@ -38932,7 +38813,7 @@
               <a:buChar char="Ø"/>
             </a:pPr>
             <a:r>
-              <a:rPr lang="en-AU" altLang="en-AU" dirty="0" smtClean="0"/>
+              <a:rPr lang="en-AU" altLang="en-AU" dirty="0"/>
               <a:t>The on-board flight management system chooses the flight paths etc. and sets parameters for the lower level controllers.</a:t>
             </a:r>
           </a:p>
@@ -38945,7 +38826,7 @@
               <a:buChar char="Ø"/>
             </a:pPr>
             <a:r>
-              <a:rPr lang="en-AU" altLang="en-AU" sz="1800" dirty="0" smtClean="0">
+              <a:rPr lang="en-AU" altLang="en-AU" sz="1800" dirty="0">
                 <a:solidFill>
                   <a:srgbClr val="0000CC"/>
                 </a:solidFill>
@@ -38962,7 +38843,7 @@
               <a:buChar char="Ø"/>
             </a:pPr>
             <a:r>
-              <a:rPr lang="en-AU" altLang="en-AU" sz="1800" dirty="0" smtClean="0"/>
+              <a:rPr lang="en-AU" altLang="en-AU" sz="1800" dirty="0"/>
               <a:t>Constrains include the ones imposed by the flight characteristics such as maximum and minimum allowed cruise speeds and decent/accent rates.</a:t>
             </a:r>
           </a:p>
@@ -38975,7 +38856,7 @@
               <a:buChar char="Ø"/>
             </a:pPr>
             <a:r>
-              <a:rPr lang="en-AU" altLang="en-AU" sz="1800" dirty="0" smtClean="0"/>
+              <a:rPr lang="en-AU" altLang="en-AU" sz="1800" dirty="0"/>
               <a:t>Another constraint is the cost i.e. Fuel consumption. A most desirable path is the most fuel efficient path.</a:t>
             </a:r>
           </a:p>
@@ -38988,7 +38869,7 @@
               <a:buChar char="Ø"/>
             </a:pPr>
             <a:r>
-              <a:rPr lang="en-AU" altLang="en-AU" sz="1800" dirty="0" smtClean="0"/>
+              <a:rPr lang="en-AU" altLang="en-AU" sz="1800" dirty="0"/>
               <a:t>When the flight is late, it should try to bring the aircraft to the next metering fix in the shortest time.</a:t>
             </a:r>
           </a:p>
@@ -39001,10 +38882,9 @@
               <a:buChar char="Ø"/>
             </a:pPr>
             <a:r>
-              <a:rPr lang="en-AU" altLang="en-AU" dirty="0" smtClean="0"/>
+              <a:rPr lang="en-AU" altLang="en-AU" dirty="0"/>
               <a:t>The flight controller at the lowest level handles cruise speed, turn radius, ascend/descend rates etc.</a:t>
             </a:r>
-            <a:endParaRPr lang="en-AU" altLang="en-AU" dirty="0"/>
           </a:p>
         </p:txBody>
       </p:sp>
@@ -39024,10 +38904,9 @@
           <a:lstStyle/>
           <a:p>
             <a:r>
-              <a:rPr lang="en-US" dirty="0" smtClean="0"/>
+              <a:rPr lang="en-US" dirty="0"/>
               <a:t>Controller Hierarchy</a:t>
             </a:r>
-            <a:endParaRPr lang="en-US" dirty="0"/>
           </a:p>
         </p:txBody>
       </p:sp>
@@ -39070,13 +38949,6 @@
   <p:clrMapOvr>
     <a:masterClrMapping/>
   </p:clrMapOvr>
-  <p:timing>
-    <p:tnLst>
-      <p:par>
-        <p:cTn id="1" dur="indefinite" restart="never" nodeType="tmRoot"/>
-      </p:par>
-    </p:tnLst>
-  </p:timing>
 </p:sld>
 </file>
 
@@ -39120,10 +38992,10 @@
           <a:lstStyle/>
           <a:p>
             <a:r>
-              <a:rPr lang="en-US" b="1" u="sng" dirty="0" smtClean="0"/>
+              <a:rPr lang="en-US" b="1" u="sng" dirty="0"/>
               <a:t>Air Traffic Control System</a:t>
             </a:r>
-            <a:endParaRPr lang="en-AU" altLang="en-AU" b="1" u="sng" dirty="0" smtClean="0"/>
+            <a:endParaRPr lang="en-AU" altLang="en-AU" b="1" u="sng" dirty="0"/>
           </a:p>
           <a:p>
             <a:pPr>
@@ -39131,7 +39003,7 @@
               <a:buChar char="Ø"/>
             </a:pPr>
             <a:r>
-              <a:rPr lang="en-AU" altLang="en-AU" dirty="0" smtClean="0"/>
+              <a:rPr lang="en-AU" altLang="en-AU" dirty="0"/>
               <a:t>Real Time Command and Control Operation</a:t>
             </a:r>
           </a:p>
@@ -39141,7 +39013,7 @@
               <a:buChar char="§"/>
             </a:pPr>
             <a:r>
-              <a:rPr lang="en-AU" altLang="en-AU" dirty="0" smtClean="0"/>
+              <a:rPr lang="en-AU" altLang="en-AU" dirty="0"/>
               <a:t>ATC gathers information on the state of each aircraft via one or more active radars. </a:t>
             </a:r>
           </a:p>
@@ -39151,7 +39023,7 @@
               <a:buChar char="§"/>
             </a:pPr>
             <a:r>
-              <a:rPr lang="en-AU" altLang="en-AU" dirty="0" smtClean="0"/>
+              <a:rPr lang="en-AU" altLang="en-AU" dirty="0"/>
               <a:t>Such radars interrogates the aircrafts periodically and the aircraft responds with its state variables such as identifiers, position, altitude, heading etc.</a:t>
             </a:r>
           </a:p>
@@ -39161,7 +39033,7 @@
               <a:buChar char="§"/>
             </a:pPr>
             <a:r>
-              <a:rPr lang="en-AU" altLang="en-AU" dirty="0" smtClean="0"/>
+              <a:rPr lang="en-AU" altLang="en-AU" dirty="0"/>
               <a:t>ATC stores the information received from the aircrafts in a database.</a:t>
             </a:r>
           </a:p>
@@ -39171,7 +39043,7 @@
               <a:buChar char="§"/>
             </a:pPr>
             <a:r>
-              <a:rPr lang="en-AU" altLang="en-AU" dirty="0" smtClean="0"/>
+              <a:rPr lang="en-AU" altLang="en-AU" dirty="0"/>
               <a:t>This information is processed by the processors.</a:t>
             </a:r>
           </a:p>
@@ -39181,15 +39053,15 @@
               <a:buChar char="§"/>
             </a:pPr>
             <a:r>
-              <a:rPr lang="en-AU" altLang="en-AU" dirty="0" smtClean="0"/>
+              <a:rPr lang="en-AU" altLang="en-AU" dirty="0"/>
               <a:t>At the same time the surveillance system continuously </a:t>
             </a:r>
             <a:r>
-              <a:rPr lang="en-AU" altLang="en-AU" dirty="0" err="1" smtClean="0"/>
+              <a:rPr lang="en-AU" altLang="en-AU" dirty="0" err="1"/>
               <a:t>analyzes</a:t>
             </a:r>
             <a:r>
-              <a:rPr lang="en-AU" altLang="en-AU" dirty="0" smtClean="0"/>
+              <a:rPr lang="en-AU" altLang="en-AU" dirty="0"/>
               <a:t> the scenario and alerts the operators whenever there is a possibility of collision. </a:t>
             </a:r>
           </a:p>
@@ -39211,10 +39083,9 @@
           <a:lstStyle/>
           <a:p>
             <a:r>
-              <a:rPr lang="en-US" dirty="0" smtClean="0"/>
+              <a:rPr lang="en-US" dirty="0"/>
               <a:t>Controller Hierarchy</a:t>
             </a:r>
-            <a:endParaRPr lang="en-US" dirty="0"/>
           </a:p>
         </p:txBody>
       </p:sp>
@@ -39257,13 +39128,6 @@
   <p:clrMapOvr>
     <a:masterClrMapping/>
   </p:clrMapOvr>
-  <p:timing>
-    <p:tnLst>
-      <p:par>
-        <p:cTn id="1" dur="indefinite" restart="never" nodeType="tmRoot"/>
-      </p:par>
-    </p:tnLst>
-  </p:timing>
 </p:sld>
 </file>
 
@@ -39314,7 +39178,7 @@
               <a:buChar char="Ø"/>
             </a:pPr>
             <a:r>
-              <a:rPr lang="en-IN" sz="2300" dirty="0" smtClean="0"/>
+              <a:rPr lang="en-IN" sz="2300" dirty="0"/>
               <a:t>Refers to diverse spectrum from stock price information system to track record databases</a:t>
             </a:r>
           </a:p>
@@ -39327,7 +39191,7 @@
               <a:buChar char="Ø"/>
             </a:pPr>
             <a:r>
-              <a:rPr lang="en-IN" sz="2300" dirty="0" smtClean="0"/>
+              <a:rPr lang="en-IN" sz="2300" dirty="0"/>
               <a:t>Real-time data is perishable (in contrast with non-real time data such as pay-roll database)</a:t>
             </a:r>
           </a:p>
@@ -39340,11 +39204,11 @@
               <a:buChar char="Ø"/>
             </a:pPr>
             <a:r>
-              <a:rPr lang="en-AU" altLang="en-AU" sz="2300" dirty="0" smtClean="0"/>
+              <a:rPr lang="en-AU" altLang="en-AU" sz="2300" dirty="0"/>
               <a:t>The </a:t>
             </a:r>
             <a:r>
-              <a:rPr lang="en-AU" altLang="en-AU" sz="2300" dirty="0" smtClean="0">
+              <a:rPr lang="en-AU" altLang="en-AU" sz="2300" dirty="0">
                 <a:solidFill>
                   <a:srgbClr val="0000CC"/>
                 </a:solidFill>
@@ -39352,11 +39216,11 @@
               <a:t>age of an object </a:t>
             </a:r>
             <a:r>
-              <a:rPr lang="en-AU" altLang="en-AU" sz="2300" dirty="0" smtClean="0"/>
+              <a:rPr lang="en-AU" altLang="en-AU" sz="2300" dirty="0"/>
               <a:t>measures how up-to-date the information is. It is the </a:t>
             </a:r>
             <a:r>
-              <a:rPr lang="en-AU" altLang="en-AU" sz="2300" dirty="0" smtClean="0">
+              <a:rPr lang="en-AU" altLang="en-AU" sz="2300" dirty="0">
                 <a:solidFill>
                   <a:srgbClr val="0000CC"/>
                 </a:solidFill>
@@ -39373,7 +39237,7 @@
               <a:buChar char="Ø"/>
             </a:pPr>
             <a:r>
-              <a:rPr lang="en-AU" altLang="en-AU" sz="2300" dirty="0" smtClean="0"/>
+              <a:rPr lang="en-AU" altLang="en-AU" sz="2300" dirty="0"/>
               <a:t>The age of an object whose value is computed from other objects is equal to that of the oldest of those objects.</a:t>
             </a:r>
           </a:p>
@@ -39386,7 +39250,7 @@
               <a:buChar char="Ø"/>
             </a:pPr>
             <a:r>
-              <a:rPr lang="en-AU" altLang="en-AU" sz="2300" b="1" dirty="0" smtClean="0"/>
+              <a:rPr lang="en-AU" altLang="en-AU" sz="2300" b="1" dirty="0"/>
               <a:t>Absolute Temporal Consistency</a:t>
             </a:r>
           </a:p>
@@ -39399,11 +39263,11 @@
               <a:buChar char="o"/>
             </a:pPr>
             <a:r>
-              <a:rPr lang="en-AU" altLang="en-AU" sz="2600" dirty="0" smtClean="0"/>
+              <a:rPr lang="en-AU" altLang="en-AU" sz="2600" dirty="0"/>
               <a:t>A set of data objects is said to be absolutely </a:t>
             </a:r>
             <a:r>
-              <a:rPr lang="en-AU" altLang="en-AU" sz="2600" u="sng" dirty="0" smtClean="0"/>
+              <a:rPr lang="en-AU" altLang="en-AU" sz="2600" u="sng" dirty="0"/>
               <a:t>temporally consistent if the maximum age in the set is no greater than a certain threshold.</a:t>
             </a:r>
           </a:p>
@@ -39414,7 +39278,7 @@
               </a:lnSpc>
               <a:buNone/>
             </a:pPr>
-            <a:endParaRPr lang="en-IN" sz="1700" dirty="0" smtClean="0"/>
+            <a:endParaRPr lang="en-IN" sz="1700" dirty="0"/>
           </a:p>
           <a:p>
             <a:pPr lvl="1">
@@ -39424,7 +39288,7 @@
               <a:buNone/>
             </a:pPr>
             <a:r>
-              <a:rPr lang="en-IN" sz="1700" dirty="0" smtClean="0"/>
+              <a:rPr lang="en-IN" sz="1700" dirty="0"/>
               <a:t>Examples:</a:t>
             </a:r>
           </a:p>
@@ -39436,19 +39300,19 @@
               <a:buNone/>
             </a:pPr>
             <a:r>
-              <a:rPr lang="en-IN" sz="1700" dirty="0" smtClean="0"/>
+              <a:rPr lang="en-IN" sz="1700" dirty="0"/>
               <a:t> </a:t>
             </a:r>
             <a:r>
-              <a:rPr lang="en-IN" sz="2000" dirty="0" smtClean="0"/>
+              <a:rPr lang="en-IN" sz="2000" dirty="0"/>
               <a:t>A fighter jet and the targets it tracks move at supersonic speeds, so the information on where they are must be is less than 50 </a:t>
             </a:r>
             <a:r>
-              <a:rPr lang="en-IN" sz="2000" dirty="0" err="1" smtClean="0"/>
+              <a:rPr lang="en-IN" sz="2000" dirty="0" err="1"/>
               <a:t>ms</a:t>
             </a:r>
             <a:r>
-              <a:rPr lang="en-IN" sz="2000" dirty="0" smtClean="0"/>
+              <a:rPr lang="en-IN" sz="2000" dirty="0"/>
               <a:t>.</a:t>
             </a:r>
           </a:p>
@@ -39461,7 +39325,7 @@
               <a:buChar char="o"/>
             </a:pPr>
             <a:r>
-              <a:rPr lang="en-IN" sz="2000" dirty="0" smtClean="0"/>
+              <a:rPr lang="en-IN" sz="2000" dirty="0"/>
               <a:t>An air traffic control system monitors commercial aircrafts at subsonic speed, hence the absolute temporal consistency threshold for it is much larger</a:t>
             </a:r>
           </a:p>
@@ -39474,7 +39338,7 @@
               <a:buChar char="Ø"/>
             </a:pPr>
             <a:r>
-              <a:rPr lang="en-AU" altLang="en-AU" sz="2300" b="1" dirty="0" smtClean="0"/>
+              <a:rPr lang="en-AU" altLang="en-AU" sz="2300" b="1" dirty="0"/>
               <a:t>Relative Temporal Consistency</a:t>
             </a:r>
           </a:p>
@@ -39487,7 +39351,7 @@
               <a:buChar char="o"/>
             </a:pPr>
             <a:r>
-              <a:rPr lang="en-AU" altLang="en-AU" sz="1700" dirty="0" smtClean="0"/>
+              <a:rPr lang="en-AU" altLang="en-AU" sz="1700" dirty="0"/>
               <a:t>A set of data objects is said to be relatively temporally consistent if the maximum difference in ages of the objects in the set is no greater than the relative consistency threshold  used by the application.</a:t>
             </a:r>
           </a:p>
@@ -39497,7 +39361,7 @@
                 <a:spcPct val="120000"/>
               </a:lnSpc>
             </a:pPr>
-            <a:endParaRPr lang="en-AU" altLang="en-AU" dirty="0" smtClean="0"/>
+            <a:endParaRPr lang="en-AU" altLang="en-AU" dirty="0"/>
           </a:p>
         </p:txBody>
       </p:sp>
@@ -39517,10 +39381,9 @@
           <a:lstStyle/>
           <a:p>
             <a:r>
-              <a:rPr lang="en-US" dirty="0" smtClean="0"/>
+              <a:rPr lang="en-US" dirty="0"/>
               <a:t>Real Time Application – Real Time Database</a:t>
             </a:r>
-            <a:endParaRPr lang="en-US" dirty="0"/>
           </a:p>
         </p:txBody>
       </p:sp>
@@ -39563,13 +39426,6 @@
   <p:clrMapOvr>
     <a:masterClrMapping/>
   </p:clrMapOvr>
-  <p:timing>
-    <p:tnLst>
-      <p:par>
-        <p:cTn id="1" dur="indefinite" restart="never" nodeType="tmRoot"/>
-      </p:par>
-    </p:tnLst>
-  </p:timing>
 </p:sld>
 </file>
 
@@ -39617,7 +39473,7 @@
               <a:buChar char="q"/>
             </a:pPr>
             <a:r>
-              <a:rPr lang="en-AU" altLang="en-AU" sz="2000" b="1" dirty="0" smtClean="0"/>
+              <a:rPr lang="en-AU" altLang="en-AU" sz="2000" b="1" dirty="0"/>
               <a:t>MPEG Compression / Decompression</a:t>
             </a:r>
           </a:p>
@@ -39627,7 +39483,7 @@
               <a:buChar char="Ø"/>
             </a:pPr>
             <a:r>
-              <a:rPr lang="en-AU" altLang="en-AU" sz="1400" dirty="0" smtClean="0"/>
+              <a:rPr lang="en-AU" altLang="en-AU" sz="1400" dirty="0"/>
               <a:t>Motion Estimation</a:t>
             </a:r>
           </a:p>
@@ -39637,7 +39493,7 @@
               <a:buChar char="Ø"/>
             </a:pPr>
             <a:r>
-              <a:rPr lang="en-AU" altLang="en-AU" sz="1400" dirty="0" smtClean="0"/>
+              <a:rPr lang="en-AU" altLang="en-AU" sz="1400" dirty="0"/>
               <a:t>Discrete Cosine Transform / Inverse Discrete Cosine Transform</a:t>
             </a:r>
           </a:p>
@@ -39647,7 +39503,7 @@
               <a:buChar char="Ø"/>
             </a:pPr>
             <a:r>
-              <a:rPr lang="en-AU" altLang="en-AU" sz="1400" dirty="0" smtClean="0"/>
+              <a:rPr lang="en-AU" altLang="en-AU" sz="1400" dirty="0"/>
               <a:t>Huffman Encoding / Decoding</a:t>
             </a:r>
           </a:p>
@@ -39657,7 +39513,7 @@
               <a:buChar char="q"/>
             </a:pPr>
             <a:r>
-              <a:rPr lang="en-AU" altLang="en-AU" sz="2000" b="1" dirty="0" smtClean="0"/>
+              <a:rPr lang="en-AU" altLang="en-AU" sz="2000" b="1" dirty="0"/>
               <a:t>Real Time Characteristics</a:t>
             </a:r>
           </a:p>
@@ -39667,7 +39523,7 @@
               <a:buChar char="Ø"/>
             </a:pPr>
             <a:r>
-              <a:rPr lang="en-AU" altLang="en-AU" sz="1400" dirty="0" smtClean="0"/>
+              <a:rPr lang="en-AU" altLang="en-AU" sz="1400" dirty="0"/>
               <a:t>SD Video requires 30 frames per sec, HD video requires 60 frames per sec</a:t>
             </a:r>
           </a:p>
@@ -39677,7 +39533,7 @@
               <a:buChar char="Ø"/>
             </a:pPr>
             <a:r>
-              <a:rPr lang="en-AU" altLang="en-AU" sz="1400" dirty="0" smtClean="0"/>
+              <a:rPr lang="en-AU" altLang="en-AU" sz="1400" dirty="0"/>
               <a:t>Lower frame-rates are fine for applications like video conferencing</a:t>
             </a:r>
           </a:p>
@@ -39687,7 +39543,7 @@
               <a:buChar char="Ø"/>
             </a:pPr>
             <a:r>
-              <a:rPr lang="en-AU" altLang="en-AU" sz="1400" dirty="0" smtClean="0"/>
+              <a:rPr lang="en-AU" altLang="en-AU" sz="1400" dirty="0"/>
               <a:t>DCT/IDCT, Motion Estimation and Compensation and Huffman Encoding / Decoding are computation intensive.</a:t>
             </a:r>
           </a:p>
@@ -39697,7 +39553,7 @@
               <a:buChar char="Ø"/>
             </a:pPr>
             <a:r>
-              <a:rPr lang="en-AU" altLang="en-AU" sz="1400" dirty="0" smtClean="0"/>
+              <a:rPr lang="en-AU" altLang="en-AU" sz="1400" dirty="0"/>
               <a:t>Computation need to be done per frame basis.</a:t>
             </a:r>
           </a:p>
@@ -39707,7 +39563,7 @@
               <a:buChar char="Ø"/>
             </a:pPr>
             <a:r>
-              <a:rPr lang="en-AU" altLang="en-AU" sz="1400" dirty="0" smtClean="0"/>
+              <a:rPr lang="en-AU" altLang="en-AU" sz="1400" dirty="0"/>
               <a:t>Lip-sync between Audio and Video also need to be performed.</a:t>
             </a:r>
           </a:p>
@@ -39717,19 +39573,19 @@
               <a:buChar char="Ø"/>
             </a:pPr>
             <a:r>
-              <a:rPr lang="en-AU" altLang="en-AU" sz="1400" dirty="0" err="1" smtClean="0"/>
+              <a:rPr lang="en-AU" altLang="en-AU" sz="1400" dirty="0" err="1"/>
               <a:t>Muxing</a:t>
             </a:r>
             <a:r>
-              <a:rPr lang="en-AU" altLang="en-AU" sz="1400" dirty="0" smtClean="0"/>
+              <a:rPr lang="en-AU" altLang="en-AU" sz="1400" dirty="0"/>
               <a:t> / </a:t>
             </a:r>
             <a:r>
-              <a:rPr lang="en-AU" altLang="en-AU" sz="1400" dirty="0" err="1" smtClean="0"/>
+              <a:rPr lang="en-AU" altLang="en-AU" sz="1400" dirty="0" err="1"/>
               <a:t>Demuxing</a:t>
             </a:r>
             <a:r>
-              <a:rPr lang="en-AU" altLang="en-AU" sz="1400" dirty="0" smtClean="0"/>
+              <a:rPr lang="en-AU" altLang="en-AU" sz="1400" dirty="0"/>
               <a:t> also add to the computation.</a:t>
             </a:r>
           </a:p>
@@ -39737,7 +39593,7 @@
             <a:pPr lvl="1">
               <a:buNone/>
             </a:pPr>
-            <a:endParaRPr lang="en-AU" altLang="en-AU" sz="1200" b="1" dirty="0" smtClean="0">
+            <a:endParaRPr lang="en-AU" altLang="en-AU" sz="1200" b="1" dirty="0">
               <a:solidFill>
                 <a:srgbClr val="0000CC"/>
               </a:solidFill>
@@ -39748,7 +39604,7 @@
               <a:buFont typeface="Wingdings" pitchFamily="2" charset="2"/>
               <a:buChar char="q"/>
             </a:pPr>
-            <a:endParaRPr lang="en-AU" altLang="en-AU" sz="1200" b="1" dirty="0" smtClean="0"/>
+            <a:endParaRPr lang="en-AU" altLang="en-AU" sz="1200" b="1" dirty="0"/>
           </a:p>
         </p:txBody>
       </p:sp>
@@ -39768,10 +39624,9 @@
           <a:lstStyle/>
           <a:p>
             <a:r>
-              <a:rPr lang="en-US" dirty="0" smtClean="0"/>
+              <a:rPr lang="en-US" dirty="0"/>
               <a:t>Real Time Application – Multimedia Systems</a:t>
             </a:r>
-            <a:endParaRPr lang="en-US" dirty="0"/>
           </a:p>
         </p:txBody>
       </p:sp>
@@ -39814,13 +39669,6 @@
   <p:clrMapOvr>
     <a:masterClrMapping/>
   </p:clrMapOvr>
-  <p:timing>
-    <p:tnLst>
-      <p:par>
-        <p:cTn id="1" dur="indefinite" restart="never" nodeType="tmRoot"/>
-      </p:par>
-    </p:tnLst>
-  </p:timing>
 </p:sld>
 </file>
 
@@ -39868,11 +39716,11 @@
               <a:buChar char="q"/>
             </a:pPr>
             <a:r>
-              <a:rPr lang="en-AU" altLang="en-AU" sz="1400" b="1" dirty="0" smtClean="0"/>
+              <a:rPr lang="en-AU" altLang="en-AU" sz="1400" b="1" dirty="0"/>
               <a:t>Purely cyclic</a:t>
             </a:r>
             <a:r>
-              <a:rPr lang="en-AU" altLang="en-AU" sz="1400" dirty="0" smtClean="0"/>
+              <a:rPr lang="en-AU" altLang="en-AU" sz="1400" dirty="0"/>
               <a:t>	</a:t>
             </a:r>
           </a:p>
@@ -39882,7 +39730,7 @@
               <a:buChar char="§"/>
             </a:pPr>
             <a:r>
-              <a:rPr lang="en-AU" altLang="en-AU" sz="1400" dirty="0" smtClean="0"/>
+              <a:rPr lang="en-AU" altLang="en-AU" sz="1400" dirty="0"/>
               <a:t>Every task executes periodically.  Even I/O operations are polled.  </a:t>
             </a:r>
           </a:p>
@@ -39892,7 +39740,7 @@
               <a:buChar char="§"/>
             </a:pPr>
             <a:r>
-              <a:rPr lang="en-AU" altLang="en-AU" sz="1400" dirty="0" smtClean="0"/>
+              <a:rPr lang="en-AU" altLang="en-AU" sz="1400" dirty="0"/>
               <a:t>Demands on resources do not vary significantly from period to period.</a:t>
             </a:r>
           </a:p>
@@ -39902,11 +39750,11 @@
               <a:buChar char="§"/>
             </a:pPr>
             <a:r>
-              <a:rPr lang="en-AU" altLang="en-AU" sz="1400" dirty="0" smtClean="0"/>
+              <a:rPr lang="en-AU" altLang="en-AU" sz="1400" dirty="0"/>
               <a:t>Example: </a:t>
             </a:r>
             <a:r>
-              <a:rPr lang="en-AU" altLang="en-AU" sz="1400" dirty="0" smtClean="0">
+              <a:rPr lang="en-AU" altLang="en-AU" sz="1400" dirty="0">
                 <a:solidFill>
                   <a:srgbClr val="0000CC"/>
                 </a:solidFill>
@@ -39919,7 +39767,7 @@
               <a:buFont typeface="Wingdings" pitchFamily="2" charset="2"/>
               <a:buChar char="q"/>
             </a:pPr>
-            <a:endParaRPr lang="en-AU" altLang="en-AU" sz="1400" dirty="0" smtClean="0"/>
+            <a:endParaRPr lang="en-AU" altLang="en-AU" sz="1400" dirty="0"/>
           </a:p>
           <a:p>
             <a:pPr>
@@ -39927,7 +39775,7 @@
               <a:buChar char="q"/>
             </a:pPr>
             <a:r>
-              <a:rPr lang="en-AU" altLang="en-AU" sz="1400" b="1" dirty="0" smtClean="0"/>
+              <a:rPr lang="en-AU" altLang="en-AU" sz="1400" b="1" dirty="0"/>
               <a:t>Mostly cyclic</a:t>
             </a:r>
           </a:p>
@@ -39937,7 +39785,7 @@
               <a:buChar char="§"/>
             </a:pPr>
             <a:r>
-              <a:rPr lang="en-AU" altLang="en-AU" sz="1400" dirty="0" smtClean="0"/>
+              <a:rPr lang="en-AU" altLang="en-AU" sz="1400" dirty="0"/>
               <a:t>Most tasks execute periodically.  </a:t>
             </a:r>
           </a:p>
@@ -39947,7 +39795,7 @@
               <a:buChar char="§"/>
             </a:pPr>
             <a:r>
-              <a:rPr lang="en-AU" altLang="en-AU" sz="1400" dirty="0" smtClean="0"/>
+              <a:rPr lang="en-AU" altLang="en-AU" sz="1400" dirty="0"/>
               <a:t>The system can also respond to some external events asynchronously.</a:t>
             </a:r>
           </a:p>
@@ -39957,11 +39805,11 @@
               <a:buChar char="§"/>
             </a:pPr>
             <a:r>
-              <a:rPr lang="en-AU" altLang="en-AU" sz="1400" dirty="0" smtClean="0"/>
+              <a:rPr lang="en-AU" altLang="en-AU" sz="1400" dirty="0"/>
               <a:t>Example: </a:t>
             </a:r>
             <a:r>
-              <a:rPr lang="en-AU" altLang="en-AU" sz="1400" dirty="0" smtClean="0">
+              <a:rPr lang="en-AU" altLang="en-AU" sz="1400" dirty="0">
                 <a:solidFill>
                   <a:srgbClr val="0000CC"/>
                 </a:solidFill>
@@ -39974,7 +39822,7 @@
               <a:buFont typeface="Wingdings" pitchFamily="2" charset="2"/>
               <a:buChar char="q"/>
             </a:pPr>
-            <a:endParaRPr lang="en-AU" altLang="en-AU" sz="1400" dirty="0" smtClean="0"/>
+            <a:endParaRPr lang="en-AU" altLang="en-AU" sz="1400" dirty="0"/>
           </a:p>
           <a:p>
             <a:pPr>
@@ -39982,10 +39830,10 @@
               <a:buChar char="q"/>
             </a:pPr>
             <a:r>
-              <a:rPr lang="en-AU" altLang="en-AU" sz="1400" b="1" dirty="0" smtClean="0"/>
+              <a:rPr lang="en-AU" altLang="en-AU" sz="1400" b="1" dirty="0"/>
               <a:t>Asynchronous and somewhat predictable</a:t>
             </a:r>
-            <a:endParaRPr lang="en-AU" altLang="en-AU" sz="1400" dirty="0" smtClean="0"/>
+            <a:endParaRPr lang="en-AU" altLang="en-AU" sz="1400" dirty="0"/>
           </a:p>
           <a:p>
             <a:pPr lvl="1">
@@ -39993,7 +39841,7 @@
               <a:buChar char="§"/>
             </a:pPr>
             <a:r>
-              <a:rPr lang="en-AU" altLang="en-AU" sz="1400" dirty="0" smtClean="0"/>
+              <a:rPr lang="en-AU" altLang="en-AU" sz="1400" dirty="0"/>
               <a:t>Most tasks are not periodic. </a:t>
             </a:r>
           </a:p>
@@ -40003,7 +39851,7 @@
               <a:buChar char="§"/>
             </a:pPr>
             <a:r>
-              <a:rPr lang="en-AU" altLang="en-AU" sz="1400" dirty="0" smtClean="0"/>
+              <a:rPr lang="en-AU" altLang="en-AU" sz="1400" dirty="0"/>
               <a:t>Duration between executions of a task may vary considerably or the resource requirements may vary.  Variations have bounded ranges or known statistics.</a:t>
             </a:r>
           </a:p>
@@ -40013,11 +39861,11 @@
               <a:buChar char="§"/>
             </a:pPr>
             <a:r>
-              <a:rPr lang="en-AU" altLang="en-AU" sz="1400" dirty="0" smtClean="0"/>
+              <a:rPr lang="en-AU" altLang="en-AU" sz="1400" dirty="0"/>
               <a:t>Example: </a:t>
             </a:r>
             <a:r>
-              <a:rPr lang="en-AU" altLang="en-AU" sz="1400" dirty="0" smtClean="0">
+              <a:rPr lang="en-AU" altLang="en-AU" sz="1400" dirty="0">
                 <a:solidFill>
                   <a:srgbClr val="0000CC"/>
                 </a:solidFill>
@@ -40029,7 +39877,7 @@
             <a:pPr lvl="1">
               <a:buNone/>
             </a:pPr>
-            <a:endParaRPr lang="en-AU" altLang="en-AU" sz="1400" dirty="0" smtClean="0"/>
+            <a:endParaRPr lang="en-AU" altLang="en-AU" sz="1400" dirty="0"/>
           </a:p>
           <a:p>
             <a:pPr>
@@ -40037,7 +39885,7 @@
               <a:buChar char="q"/>
             </a:pPr>
             <a:r>
-              <a:rPr lang="en-AU" altLang="en-AU" sz="1400" b="1" dirty="0" smtClean="0"/>
+              <a:rPr lang="en-AU" altLang="en-AU" sz="1400" b="1" dirty="0"/>
               <a:t>Asynchronous and unpredictable</a:t>
             </a:r>
           </a:p>
@@ -40047,7 +39895,7 @@
               <a:buChar char="§"/>
             </a:pPr>
             <a:r>
-              <a:rPr lang="en-AU" altLang="en-AU" sz="1400" dirty="0" smtClean="0"/>
+              <a:rPr lang="en-AU" altLang="en-AU" sz="1400" dirty="0"/>
               <a:t>Systems which react to asynchronous events and have tasks with high run-time complexity.</a:t>
             </a:r>
           </a:p>
@@ -40057,11 +39905,11 @@
               <a:buChar char="§"/>
             </a:pPr>
             <a:r>
-              <a:rPr lang="en-AU" altLang="en-AU" sz="1400" dirty="0" smtClean="0"/>
+              <a:rPr lang="en-AU" altLang="en-AU" sz="1400" dirty="0"/>
               <a:t>Example: </a:t>
             </a:r>
             <a:r>
-              <a:rPr lang="en-AU" altLang="en-AU" sz="1400" dirty="0" smtClean="0">
+              <a:rPr lang="en-AU" altLang="en-AU" sz="1400" dirty="0">
                 <a:solidFill>
                   <a:srgbClr val="0000CC"/>
                 </a:solidFill>
@@ -40087,10 +39935,9 @@
           <a:lstStyle/>
           <a:p>
             <a:r>
-              <a:rPr lang="en-US" dirty="0" smtClean="0"/>
+              <a:rPr lang="en-US" dirty="0"/>
               <a:t>Types of Real Time Systems</a:t>
             </a:r>
-            <a:endParaRPr lang="en-US" dirty="0"/>
           </a:p>
         </p:txBody>
       </p:sp>
@@ -40133,13 +39980,6 @@
   <p:clrMapOvr>
     <a:masterClrMapping/>
   </p:clrMapOvr>
-  <p:timing>
-    <p:tnLst>
-      <p:par>
-        <p:cTn id="1" dur="indefinite" restart="never" nodeType="tmRoot"/>
-      </p:par>
-    </p:tnLst>
-  </p:timing>
 </p:sld>
 </file>
 
@@ -40176,10 +40016,9 @@
           <a:lstStyle/>
           <a:p>
             <a:r>
-              <a:rPr lang="en-IN" dirty="0" smtClean="0"/>
+              <a:rPr lang="en-IN" dirty="0"/>
               <a:t>Text Book / References</a:t>
             </a:r>
-            <a:endParaRPr lang="en-IN" dirty="0"/>
           </a:p>
         </p:txBody>
       </p:sp>
@@ -40409,10 +40248,9 @@
           </a:lstStyle>
           <a:p>
             <a:r>
-              <a:rPr lang="en-IN" sz="1600" b="1" dirty="0" smtClean="0"/>
+              <a:rPr lang="en-IN" sz="1600" b="1" dirty="0"/>
               <a:t>Text Book (T1) </a:t>
             </a:r>
-            <a:endParaRPr lang="en-IN" sz="1600" b="1" dirty="0"/>
           </a:p>
         </p:txBody>
       </p:sp>
@@ -40536,10 +40374,9 @@
           </a:lstStyle>
           <a:p>
             <a:r>
-              <a:rPr lang="en-IN" sz="1600" b="1" dirty="0" smtClean="0"/>
+              <a:rPr lang="en-IN" sz="1600" b="1" dirty="0"/>
               <a:t>Reference (R1) </a:t>
             </a:r>
-            <a:endParaRPr lang="en-IN" sz="1600" b="1" dirty="0"/>
           </a:p>
         </p:txBody>
       </p:sp>
@@ -40566,26 +40403,23 @@
           <a:lstStyle/>
           <a:p>
             <a:r>
-              <a:rPr lang="en-IN" sz="1300" i="1" dirty="0" smtClean="0">
+              <a:rPr lang="en-IN" sz="1300" i="1" dirty="0">
                 <a:latin typeface="Arial Narrow" panose="020B0606020202030204" pitchFamily="34" charset="0"/>
               </a:rPr>
               <a:t>Note</a:t>
             </a:r>
             <a:r>
-              <a:rPr lang="en-IN" sz="1300" dirty="0" smtClean="0">
+              <a:rPr lang="en-IN" sz="1300" dirty="0">
                 <a:latin typeface="Arial Narrow" panose="020B0606020202030204" pitchFamily="34" charset="0"/>
               </a:rPr>
               <a:t>: As the above two books focus on theoretical treatment of the subject, </a:t>
             </a:r>
             <a:r>
-              <a:rPr lang="en-IN" sz="1300" u="sng" dirty="0" smtClean="0">
+              <a:rPr lang="en-IN" sz="1300" u="sng" dirty="0">
                 <a:latin typeface="Arial Narrow" panose="020B0606020202030204" pitchFamily="34" charset="0"/>
               </a:rPr>
               <a:t>Students are strongly advised to refer to web sources / MOOCs videos / library within their own organizations for more practical understanding of the topics.  </a:t>
             </a:r>
-            <a:endParaRPr lang="en-IN" sz="1300" u="sng" dirty="0">
-              <a:latin typeface="Arial Narrow" panose="020B0606020202030204" pitchFamily="34" charset="0"/>
-            </a:endParaRPr>
           </a:p>
         </p:txBody>
       </p:sp>
@@ -40599,13 +40433,6 @@
   <p:clrMapOvr>
     <a:masterClrMapping/>
   </p:clrMapOvr>
-  <p:timing>
-    <p:tnLst>
-      <p:par>
-        <p:cTn id="1" dur="indefinite" restart="never" nodeType="tmRoot"/>
-      </p:par>
-    </p:tnLst>
-  </p:timing>
 </p:sld>
 </file>
 
@@ -40656,7 +40483,7 @@
               <a:buChar char="q"/>
             </a:pPr>
             <a:r>
-              <a:rPr lang="en-IN" dirty="0" smtClean="0"/>
+              <a:rPr lang="en-IN" dirty="0"/>
               <a:t>Soft Real Time System</a:t>
             </a:r>
           </a:p>
@@ -40669,7 +40496,7 @@
               <a:buChar char="•"/>
             </a:pPr>
             <a:r>
-              <a:rPr lang="en-IN" dirty="0" smtClean="0"/>
+              <a:rPr lang="en-IN" dirty="0"/>
               <a:t>A soft real-time system is one in which performance is degraded but not destroyed by failure to meet response-time constraints.</a:t>
             </a:r>
           </a:p>
@@ -40682,15 +40509,15 @@
               <a:buChar char="•"/>
             </a:pPr>
             <a:r>
-              <a:rPr lang="en-IN" dirty="0" smtClean="0"/>
+              <a:rPr lang="en-IN" dirty="0"/>
               <a:t>User requires only a demonstration that the system always meet some </a:t>
             </a:r>
             <a:r>
-              <a:rPr lang="en-IN" i="1" dirty="0" smtClean="0"/>
+              <a:rPr lang="en-IN" i="1" dirty="0"/>
               <a:t>statistical constraints</a:t>
             </a:r>
             <a:r>
-              <a:rPr lang="en-IN" dirty="0" smtClean="0"/>
+              <a:rPr lang="en-IN" dirty="0"/>
               <a:t>. </a:t>
             </a:r>
           </a:p>
@@ -40703,7 +40530,7 @@
               <a:buChar char="•"/>
             </a:pPr>
             <a:r>
-              <a:rPr lang="en-IN" dirty="0" smtClean="0"/>
+              <a:rPr lang="en-IN" dirty="0"/>
               <a:t>Best effort service</a:t>
             </a:r>
           </a:p>
@@ -40716,7 +40543,7 @@
               <a:buChar char="•"/>
             </a:pPr>
             <a:r>
-              <a:rPr lang="en-IN" dirty="0" smtClean="0"/>
+              <a:rPr lang="en-IN" dirty="0"/>
               <a:t>Example: Multimedia system</a:t>
             </a:r>
           </a:p>
@@ -40728,7 +40555,7 @@
               <a:buFont typeface="Arial" pitchFamily="34" charset="0"/>
               <a:buChar char="•"/>
             </a:pPr>
-            <a:endParaRPr lang="en-IN" dirty="0" smtClean="0"/>
+            <a:endParaRPr lang="en-IN" dirty="0"/>
           </a:p>
           <a:p>
             <a:pPr>
@@ -40739,7 +40566,7 @@
               <a:buChar char="q"/>
             </a:pPr>
             <a:r>
-              <a:rPr lang="en-IN" dirty="0" smtClean="0"/>
+              <a:rPr lang="en-IN" dirty="0"/>
               <a:t>Hard Real Time System</a:t>
             </a:r>
           </a:p>
@@ -40752,7 +40579,7 @@
               <a:buChar char="•"/>
             </a:pPr>
             <a:r>
-              <a:rPr lang="en-IN" dirty="0" smtClean="0"/>
+              <a:rPr lang="en-IN" dirty="0"/>
               <a:t>A  hard real-time system is one in which failure to meet a single deadline may lead to complete and catastrophic system failure</a:t>
             </a:r>
           </a:p>
@@ -40765,15 +40592,15 @@
               <a:buChar char="•"/>
             </a:pPr>
             <a:r>
-              <a:rPr lang="en-IN" dirty="0" smtClean="0"/>
+              <a:rPr lang="en-IN" dirty="0"/>
               <a:t>User requires validation that the system always meet the </a:t>
             </a:r>
             <a:r>
-              <a:rPr lang="en-IN" i="1" dirty="0" smtClean="0"/>
+              <a:rPr lang="en-IN" i="1" dirty="0"/>
               <a:t>timing constraint</a:t>
             </a:r>
             <a:r>
-              <a:rPr lang="en-IN" dirty="0" smtClean="0"/>
+              <a:rPr lang="en-IN" dirty="0"/>
               <a:t>. (validation means demonstration by a provably correct and efficient procedure)</a:t>
             </a:r>
           </a:p>
@@ -40786,7 +40613,7 @@
               <a:buChar char="•"/>
             </a:pPr>
             <a:r>
-              <a:rPr lang="en-IN" dirty="0" smtClean="0"/>
+              <a:rPr lang="en-IN" dirty="0"/>
               <a:t>Guaranteed service</a:t>
             </a:r>
           </a:p>
@@ -40799,11 +40626,11 @@
               <a:buChar char="•"/>
             </a:pPr>
             <a:r>
-              <a:rPr lang="en-IN" dirty="0" smtClean="0"/>
+              <a:rPr lang="en-IN" dirty="0"/>
               <a:t>Example: </a:t>
             </a:r>
             <a:r>
-              <a:rPr lang="en-US" dirty="0" smtClean="0"/>
+              <a:rPr lang="en-US" dirty="0"/>
               <a:t>Avionics weapons delivery system</a:t>
             </a:r>
           </a:p>
@@ -40814,7 +40641,7 @@
               </a:lnSpc>
               <a:buNone/>
             </a:pPr>
-            <a:endParaRPr lang="en-US" dirty="0" smtClean="0"/>
+            <a:endParaRPr lang="en-US" dirty="0"/>
           </a:p>
           <a:p>
             <a:pPr>
@@ -40825,7 +40652,7 @@
               <a:buChar char="q"/>
             </a:pPr>
             <a:r>
-              <a:rPr lang="en-IN" i="1" dirty="0" smtClean="0">
+              <a:rPr lang="en-IN" i="1" dirty="0">
                 <a:solidFill>
                   <a:schemeClr val="bg2">
                     <a:lumMod val="50000"/>
@@ -40844,7 +40671,7 @@
               <a:buChar char="•"/>
             </a:pPr>
             <a:r>
-              <a:rPr lang="en-IN" dirty="0" smtClean="0">
+              <a:rPr lang="en-IN" dirty="0">
                 <a:solidFill>
                   <a:schemeClr val="bg2">
                     <a:lumMod val="50000"/>
@@ -40863,7 +40690,7 @@
               <a:buChar char="•"/>
             </a:pPr>
             <a:r>
-              <a:rPr lang="en-IN" dirty="0" smtClean="0">
+              <a:rPr lang="en-IN" dirty="0">
                 <a:solidFill>
                   <a:schemeClr val="bg2">
                     <a:lumMod val="50000"/>
@@ -40873,7 +40700,7 @@
               <a:t>Example: </a:t>
             </a:r>
             <a:r>
-              <a:rPr lang="en-US" dirty="0" smtClean="0">
+              <a:rPr lang="en-US" dirty="0">
                 <a:solidFill>
                   <a:schemeClr val="bg2">
                     <a:lumMod val="50000"/>
@@ -40891,7 +40718,7 @@
               <a:buNone/>
             </a:pPr>
             <a:r>
-              <a:rPr lang="en-US" dirty="0" smtClean="0">
+              <a:rPr lang="en-US" dirty="0">
                 <a:solidFill>
                   <a:schemeClr val="bg2">
                     <a:lumMod val="50000"/>
@@ -40901,7 +40728,7 @@
               <a:t>		</a:t>
             </a:r>
             <a:r>
-              <a:rPr lang="en-US" u="sng" dirty="0" smtClean="0">
+              <a:rPr lang="en-US" u="sng" dirty="0">
                 <a:solidFill>
                   <a:schemeClr val="bg2">
                     <a:lumMod val="50000"/>
@@ -40911,7 +40738,7 @@
               <a:t>(In most of the texts, Firm </a:t>
             </a:r>
             <a:r>
-              <a:rPr lang="en-US" u="sng" dirty="0" err="1" smtClean="0">
+              <a:rPr lang="en-US" u="sng" dirty="0" err="1">
                 <a:solidFill>
                   <a:schemeClr val="bg2">
                     <a:lumMod val="50000"/>
@@ -40921,7 +40748,7 @@
               <a:t>Realtime</a:t>
             </a:r>
             <a:r>
-              <a:rPr lang="en-US" u="sng" dirty="0" smtClean="0">
+              <a:rPr lang="en-US" u="sng" dirty="0">
                 <a:solidFill>
                   <a:schemeClr val="bg2">
                     <a:lumMod val="50000"/>
@@ -40930,7 +40757,7 @@
               </a:rPr>
               <a:t> Systems are not mentioned)</a:t>
             </a:r>
-            <a:endParaRPr lang="en-IN" u="sng" dirty="0" smtClean="0">
+            <a:endParaRPr lang="en-IN" u="sng" dirty="0">
               <a:solidFill>
                 <a:schemeClr val="bg2">
                   <a:lumMod val="50000"/>
@@ -40943,7 +40770,7 @@
               <a:buFont typeface="Arial" pitchFamily="34" charset="0"/>
               <a:buChar char="•"/>
             </a:pPr>
-            <a:endParaRPr lang="en-IN" dirty="0" smtClean="0"/>
+            <a:endParaRPr lang="en-IN" dirty="0"/>
           </a:p>
           <a:p>
             <a:pPr>
@@ -40975,10 +40802,9 @@
           <a:lstStyle/>
           <a:p>
             <a:r>
-              <a:rPr lang="en-US" dirty="0" smtClean="0"/>
+              <a:rPr lang="en-US" dirty="0"/>
               <a:t>Soft &amp; Hard Real Time Systems</a:t>
             </a:r>
-            <a:endParaRPr lang="en-US" dirty="0"/>
           </a:p>
         </p:txBody>
       </p:sp>
@@ -41021,13 +40847,6 @@
   <p:clrMapOvr>
     <a:masterClrMapping/>
   </p:clrMapOvr>
-  <p:timing>
-    <p:tnLst>
-      <p:par>
-        <p:cTn id="1" dur="indefinite" restart="never" nodeType="tmRoot"/>
-      </p:par>
-    </p:tnLst>
-  </p:timing>
 </p:sld>
 </file>
 
@@ -41071,7 +40890,7 @@
               </a:lnSpc>
             </a:pPr>
             <a:r>
-              <a:rPr lang="en-US" sz="1800" dirty="0" smtClean="0">
+              <a:rPr lang="en-US" sz="1800" dirty="0">
                 <a:solidFill>
                   <a:srgbClr val="0000CC"/>
                 </a:solidFill>
@@ -41079,11 +40898,11 @@
               <a:t>Job</a:t>
             </a:r>
             <a:r>
-              <a:rPr lang="en-US" sz="1800" dirty="0" smtClean="0"/>
+              <a:rPr lang="en-US" sz="1800" dirty="0"/>
               <a:t>: Each unit of work that is scheduled and executed by the system is a </a:t>
             </a:r>
             <a:r>
-              <a:rPr lang="en-US" sz="1800" dirty="0" smtClean="0">
+              <a:rPr lang="en-US" sz="1800" dirty="0">
                 <a:solidFill>
                   <a:srgbClr val="0000CC"/>
                 </a:solidFill>
@@ -41091,7 +40910,7 @@
               <a:t>job</a:t>
             </a:r>
             <a:r>
-              <a:rPr lang="en-US" sz="1800" dirty="0" smtClean="0"/>
+              <a:rPr lang="en-US" sz="1800" dirty="0"/>
               <a:t>.</a:t>
             </a:r>
           </a:p>
@@ -41102,7 +40921,7 @@
               </a:lnSpc>
             </a:pPr>
             <a:r>
-              <a:rPr lang="en-US" sz="1800" dirty="0" smtClean="0">
+              <a:rPr lang="en-US" sz="1800" dirty="0">
                 <a:solidFill>
                   <a:srgbClr val="0000CC"/>
                 </a:solidFill>
@@ -41110,19 +40929,19 @@
               <a:t>Task</a:t>
             </a:r>
             <a:r>
-              <a:rPr lang="en-US" sz="1800" dirty="0" smtClean="0"/>
+              <a:rPr lang="en-US" sz="1800" dirty="0"/>
               <a:t>: A </a:t>
             </a:r>
             <a:r>
-              <a:rPr lang="en-US" sz="1800" u="sng" dirty="0" smtClean="0"/>
+              <a:rPr lang="en-US" sz="1800" u="sng" dirty="0"/>
               <a:t>set of related jobs </a:t>
             </a:r>
             <a:r>
-              <a:rPr lang="en-US" sz="1800" dirty="0" smtClean="0"/>
+              <a:rPr lang="en-US" sz="1800" dirty="0"/>
               <a:t>which jointly provide some system function is a </a:t>
             </a:r>
             <a:r>
-              <a:rPr lang="en-US" sz="1800" dirty="0" smtClean="0">
+              <a:rPr lang="en-US" sz="1800" dirty="0">
                 <a:solidFill>
                   <a:srgbClr val="0000CC"/>
                 </a:solidFill>
@@ -41130,7 +40949,7 @@
               <a:t>task</a:t>
             </a:r>
             <a:r>
-              <a:rPr lang="en-US" sz="1800" dirty="0" smtClean="0"/>
+              <a:rPr lang="en-US" sz="1800" dirty="0"/>
               <a:t>.</a:t>
             </a:r>
           </a:p>
@@ -41140,7 +40959,7 @@
                 <a:spcPct val="150000"/>
               </a:lnSpc>
             </a:pPr>
-            <a:endParaRPr lang="en-US" sz="1800" dirty="0" smtClean="0"/>
+            <a:endParaRPr lang="en-US" sz="1800" dirty="0"/>
           </a:p>
           <a:p>
             <a:pPr marL="0" indent="0" algn="just">
@@ -41149,7 +40968,7 @@
               </a:lnSpc>
             </a:pPr>
             <a:r>
-              <a:rPr lang="en-US" sz="1800" dirty="0" smtClean="0"/>
+              <a:rPr lang="en-US" sz="1800" dirty="0"/>
               <a:t>Example:</a:t>
             </a:r>
           </a:p>
@@ -41160,8 +40979,20 @@
               </a:lnSpc>
             </a:pPr>
             <a:r>
-              <a:rPr lang="en-US" sz="1800" dirty="0" smtClean="0"/>
-              <a:t>Computation of FFT of sensor data at a particular time instance, sending a data packet are examples of job.</a:t>
+              <a:rPr lang="en-US" sz="1800" dirty="0"/>
+              <a:t>Computation of FFT </a:t>
+            </a:r>
+            <a:r>
+              <a:rPr lang="en-US" sz="1800" b="1" dirty="0">
+                <a:solidFill>
+                  <a:srgbClr val="FF0000"/>
+                </a:solidFill>
+              </a:rPr>
+              <a:t>(Fast Fourier Transform) </a:t>
+            </a:r>
+            <a:r>
+              <a:rPr lang="en-US" sz="1800" dirty="0"/>
+              <a:t>of sensor data at a particular time instance, sending a data packet are examples of job.</a:t>
             </a:r>
           </a:p>
           <a:p>
@@ -41171,7 +41002,7 @@
               </a:lnSpc>
             </a:pPr>
             <a:r>
-              <a:rPr lang="en-US" sz="1800" dirty="0" smtClean="0"/>
+              <a:rPr lang="en-US" sz="1800" dirty="0"/>
               <a:t>Whereas the function of sending data packets is an example of a task.</a:t>
             </a:r>
           </a:p>
@@ -41181,7 +41012,7 @@
                 <a:spcPct val="150000"/>
               </a:lnSpc>
             </a:pPr>
-            <a:endParaRPr lang="en-US" sz="1800" dirty="0" smtClean="0"/>
+            <a:endParaRPr lang="en-US" sz="1800" dirty="0"/>
           </a:p>
           <a:p>
             <a:pPr marL="0" indent="0" algn="just">
@@ -41189,7 +41020,7 @@
                 <a:spcPct val="150000"/>
               </a:lnSpc>
             </a:pPr>
-            <a:endParaRPr lang="en-US" sz="1800" dirty="0" smtClean="0">
+            <a:endParaRPr lang="en-US" sz="1800" dirty="0">
               <a:solidFill>
                 <a:srgbClr val="0000CC"/>
               </a:solidFill>
@@ -41213,10 +41044,9 @@
           <a:lstStyle/>
           <a:p>
             <a:r>
-              <a:rPr lang="en-US" dirty="0" smtClean="0"/>
+              <a:rPr lang="en-US" dirty="0"/>
               <a:t>Jobs and Tasks</a:t>
             </a:r>
-            <a:endParaRPr lang="en-US" dirty="0"/>
           </a:p>
         </p:txBody>
       </p:sp>
@@ -41259,13 +41089,6 @@
   <p:clrMapOvr>
     <a:masterClrMapping/>
   </p:clrMapOvr>
-  <p:timing>
-    <p:tnLst>
-      <p:par>
-        <p:cTn id="1" dur="indefinite" restart="never" nodeType="tmRoot"/>
-      </p:par>
-    </p:tnLst>
-  </p:timing>
 </p:sld>
 </file>
 
@@ -41309,11 +41132,11 @@
               </a:lnSpc>
             </a:pPr>
             <a:r>
-              <a:rPr lang="en-US" sz="1800" dirty="0" smtClean="0"/>
+              <a:rPr lang="en-US" sz="1800" dirty="0"/>
               <a:t>The jobs are executed by </a:t>
             </a:r>
             <a:r>
-              <a:rPr lang="en-US" sz="1800" dirty="0" smtClean="0">
+              <a:rPr lang="en-US" sz="1800" dirty="0">
                 <a:solidFill>
                   <a:srgbClr val="0000CC"/>
                 </a:solidFill>
@@ -41321,7 +41144,7 @@
               <a:t>operating systems</a:t>
             </a:r>
             <a:r>
-              <a:rPr lang="en-US" sz="1800" dirty="0" smtClean="0"/>
+              <a:rPr lang="en-US" sz="1800" dirty="0"/>
               <a:t>.</a:t>
             </a:r>
           </a:p>
@@ -41332,7 +41155,7 @@
               </a:lnSpc>
             </a:pPr>
             <a:r>
-              <a:rPr lang="en-US" sz="1800" dirty="0" smtClean="0"/>
+              <a:rPr lang="en-US" sz="1800" dirty="0"/>
               <a:t>Each job requires some resource to execute such as a CPU, a Network, a Disk etc.</a:t>
             </a:r>
           </a:p>
@@ -41342,7 +41165,7 @@
                 <a:spcPct val="150000"/>
               </a:lnSpc>
             </a:pPr>
-            <a:endParaRPr lang="en-US" sz="1800" dirty="0" smtClean="0"/>
+            <a:endParaRPr lang="en-US" sz="1800" dirty="0"/>
           </a:p>
           <a:p>
             <a:pPr marL="0" indent="0" algn="just">
@@ -41351,18 +41174,18 @@
               </a:lnSpc>
             </a:pPr>
             <a:r>
-              <a:rPr lang="en-US" sz="1800" dirty="0" smtClean="0"/>
+              <a:rPr lang="en-US" sz="1800" dirty="0"/>
               <a:t>In Queuing Theory, these are called </a:t>
             </a:r>
             <a:r>
-              <a:rPr lang="en-US" sz="1800" dirty="0" smtClean="0">
+              <a:rPr lang="en-US" sz="1800" dirty="0">
                 <a:solidFill>
                   <a:srgbClr val="0000CC"/>
                 </a:solidFill>
               </a:rPr>
               <a:t>Servers.</a:t>
             </a:r>
-            <a:endParaRPr lang="en-US" sz="1800" dirty="0" smtClean="0"/>
+            <a:endParaRPr lang="en-US" sz="1800" dirty="0"/>
           </a:p>
           <a:p>
             <a:pPr marL="0" indent="0" algn="just">
@@ -41371,11 +41194,11 @@
               </a:lnSpc>
             </a:pPr>
             <a:r>
-              <a:rPr lang="en-US" sz="1800" dirty="0" smtClean="0"/>
+              <a:rPr lang="en-US" sz="1800" dirty="0"/>
               <a:t>In Operating Systems literature, these are called </a:t>
             </a:r>
             <a:r>
-              <a:rPr lang="en-US" sz="1800" dirty="0" smtClean="0">
+              <a:rPr lang="en-US" sz="1800" dirty="0">
                 <a:solidFill>
                   <a:srgbClr val="0000CC"/>
                 </a:solidFill>
@@ -41383,7 +41206,7 @@
               <a:t>Active Resources</a:t>
             </a:r>
             <a:r>
-              <a:rPr lang="en-US" sz="1800" dirty="0" smtClean="0"/>
+              <a:rPr lang="en-US" sz="1800" dirty="0"/>
               <a:t>.</a:t>
             </a:r>
           </a:p>
@@ -41394,11 +41217,11 @@
               </a:lnSpc>
             </a:pPr>
             <a:r>
-              <a:rPr lang="en-US" sz="1800" dirty="0" smtClean="0"/>
+              <a:rPr lang="en-US" sz="1800" dirty="0"/>
               <a:t>Here we will call them </a:t>
             </a:r>
             <a:r>
-              <a:rPr lang="en-US" sz="1800" dirty="0" smtClean="0">
+              <a:rPr lang="en-US" sz="1800" dirty="0">
                 <a:solidFill>
                   <a:srgbClr val="0000CC"/>
                 </a:solidFill>
@@ -41406,7 +41229,7 @@
               <a:t>Processors</a:t>
             </a:r>
             <a:r>
-              <a:rPr lang="en-US" sz="1800" dirty="0" smtClean="0"/>
+              <a:rPr lang="en-US" sz="1800" dirty="0"/>
               <a:t>.</a:t>
             </a:r>
           </a:p>
@@ -41433,10 +41256,9 @@
           <a:lstStyle/>
           <a:p>
             <a:r>
-              <a:rPr lang="en-US" dirty="0" smtClean="0"/>
+              <a:rPr lang="en-US" dirty="0"/>
               <a:t>{Processors, Servers, Resources}</a:t>
             </a:r>
-            <a:endParaRPr lang="en-US" dirty="0"/>
           </a:p>
         </p:txBody>
       </p:sp>
@@ -41479,13 +41301,6 @@
   <p:clrMapOvr>
     <a:masterClrMapping/>
   </p:clrMapOvr>
-  <p:timing>
-    <p:tnLst>
-      <p:par>
-        <p:cTn id="1" dur="indefinite" restart="never" nodeType="tmRoot"/>
-      </p:par>
-    </p:tnLst>
-  </p:timing>
 </p:sld>
 </file>
 
@@ -41529,7 +41344,7 @@
               </a:lnSpc>
             </a:pPr>
             <a:r>
-              <a:rPr lang="en-IN" sz="1800" dirty="0" smtClean="0">
+              <a:rPr lang="en-IN" sz="1800" dirty="0">
                 <a:solidFill>
                   <a:srgbClr val="0000CC"/>
                 </a:solidFill>
@@ -41537,7 +41352,7 @@
               <a:t>Release time</a:t>
             </a:r>
             <a:r>
-              <a:rPr lang="en-IN" sz="1800" dirty="0" smtClean="0"/>
+              <a:rPr lang="en-IN" sz="1800" dirty="0"/>
               <a:t> of a job is the instance of time at which the job becomes available for execution.</a:t>
             </a:r>
           </a:p>
@@ -41547,7 +41362,7 @@
                 <a:spcPct val="150000"/>
               </a:lnSpc>
             </a:pPr>
-            <a:endParaRPr lang="en-IN" sz="1800" dirty="0" smtClean="0">
+            <a:endParaRPr lang="en-IN" sz="1800" dirty="0">
               <a:solidFill>
                 <a:srgbClr val="0000CC"/>
               </a:solidFill>
@@ -41560,7 +41375,7 @@
               </a:lnSpc>
             </a:pPr>
             <a:r>
-              <a:rPr lang="en-IN" sz="1800" dirty="0" smtClean="0">
+              <a:rPr lang="en-IN" sz="1800" dirty="0">
                 <a:solidFill>
                   <a:srgbClr val="0000CC"/>
                 </a:solidFill>
@@ -41568,7 +41383,7 @@
               <a:t>Deadline</a:t>
             </a:r>
             <a:r>
-              <a:rPr lang="en-IN" sz="1800" dirty="0" smtClean="0"/>
+              <a:rPr lang="en-IN" sz="1800" dirty="0"/>
               <a:t> of a job is the instant of time by which its execution is required to be completed.</a:t>
             </a:r>
           </a:p>
@@ -41578,7 +41393,7 @@
                 <a:spcPct val="150000"/>
               </a:lnSpc>
             </a:pPr>
-            <a:endParaRPr lang="en-IN" sz="1800" dirty="0" smtClean="0"/>
+            <a:endParaRPr lang="en-IN" sz="1800" dirty="0"/>
           </a:p>
           <a:p>
             <a:pPr marL="0" indent="0" algn="just">
@@ -41587,11 +41402,11 @@
               </a:lnSpc>
             </a:pPr>
             <a:r>
-              <a:rPr lang="en-IN" sz="1800" dirty="0" smtClean="0"/>
+              <a:rPr lang="en-IN" sz="1800" dirty="0"/>
               <a:t>It is also called </a:t>
             </a:r>
             <a:r>
-              <a:rPr lang="en-IN" sz="1800" dirty="0" smtClean="0">
+              <a:rPr lang="en-IN" sz="1800" dirty="0">
                 <a:solidFill>
                   <a:srgbClr val="0000CC"/>
                 </a:solidFill>
@@ -41599,7 +41414,7 @@
               <a:t>Absolute Deadline</a:t>
             </a:r>
             <a:r>
-              <a:rPr lang="en-IN" sz="1800" dirty="0" smtClean="0"/>
+              <a:rPr lang="en-IN" sz="1800" dirty="0"/>
               <a:t>.</a:t>
             </a:r>
           </a:p>
@@ -41609,7 +41424,7 @@
                 <a:spcPct val="150000"/>
               </a:lnSpc>
             </a:pPr>
-            <a:endParaRPr lang="en-IN" sz="1800" dirty="0" smtClean="0"/>
+            <a:endParaRPr lang="en-IN" sz="1800" dirty="0"/>
           </a:p>
           <a:p>
             <a:pPr marL="0" indent="0" algn="just">
@@ -41618,7 +41433,7 @@
               </a:lnSpc>
             </a:pPr>
             <a:r>
-              <a:rPr lang="en-IN" sz="1800" i="1" dirty="0" smtClean="0">
+              <a:rPr lang="en-IN" sz="1800" i="1" dirty="0">
                 <a:solidFill>
                   <a:srgbClr val="0000CC"/>
                 </a:solidFill>
@@ -41626,11 +41441,11 @@
               <a:t>Relative Deadline</a:t>
             </a:r>
             <a:r>
-              <a:rPr lang="en-IN" sz="1800" i="1" dirty="0" smtClean="0"/>
+              <a:rPr lang="en-IN" sz="1800" i="1" dirty="0"/>
               <a:t> = Absolute Deadline – Release time</a:t>
             </a:r>
             <a:r>
-              <a:rPr lang="en-IN" sz="1800" dirty="0" smtClean="0"/>
+              <a:rPr lang="en-IN" sz="1800" dirty="0"/>
               <a:t>.</a:t>
             </a:r>
           </a:p>
@@ -41640,7 +41455,7 @@
                 <a:spcPct val="150000"/>
               </a:lnSpc>
             </a:pPr>
-            <a:endParaRPr lang="en-US" sz="1800" dirty="0" smtClean="0">
+            <a:endParaRPr lang="en-US" sz="1800" dirty="0">
               <a:solidFill>
                 <a:srgbClr val="0000CC"/>
               </a:solidFill>
@@ -41664,10 +41479,9 @@
           <a:lstStyle/>
           <a:p>
             <a:r>
-              <a:rPr lang="en-US" dirty="0" smtClean="0"/>
+              <a:rPr lang="en-US" dirty="0"/>
               <a:t>Release Time and Deadline</a:t>
             </a:r>
-            <a:endParaRPr lang="en-US" dirty="0"/>
           </a:p>
         </p:txBody>
       </p:sp>
@@ -41710,13 +41524,6 @@
   <p:clrMapOvr>
     <a:masterClrMapping/>
   </p:clrMapOvr>
-  <p:timing>
-    <p:tnLst>
-      <p:par>
-        <p:cTn id="1" dur="indefinite" restart="never" nodeType="tmRoot"/>
-      </p:par>
-    </p:tnLst>
-  </p:timing>
 </p:sld>
 </file>
 
@@ -41760,23 +41567,23 @@
           <a:lstStyle/>
           <a:p>
             <a:r>
-              <a:rPr lang="en-IN" dirty="0" smtClean="0"/>
+              <a:rPr lang="en-IN" dirty="0"/>
               <a:t>	</a:t>
             </a:r>
             <a:r>
-              <a:rPr lang="en-IN" u="sng" dirty="0" smtClean="0"/>
+              <a:rPr lang="en-IN" u="sng" dirty="0"/>
               <a:t>A system which monitors and controls several furnaces</a:t>
             </a:r>
           </a:p>
           <a:p>
             <a:r>
-              <a:rPr lang="en-IN" dirty="0" smtClean="0"/>
+              <a:rPr lang="en-IN" dirty="0"/>
               <a:t>	</a:t>
             </a:r>
           </a:p>
           <a:p>
             <a:r>
-              <a:rPr lang="en-IN" dirty="0" smtClean="0">
+              <a:rPr lang="en-IN" dirty="0">
                 <a:latin typeface="+mn-lt"/>
               </a:rPr>
               <a:t>	At the beginning, the system is initialized and starts execution (time 0 ms).</a:t>
@@ -41784,52 +41591,52 @@
           </a:p>
           <a:p>
             <a:r>
-              <a:rPr lang="en-IN" dirty="0" smtClean="0">
+              <a:rPr lang="en-IN" dirty="0">
                 <a:latin typeface="+mn-lt"/>
               </a:rPr>
               <a:t>	The system samples and reads each temperature sensor every 100 </a:t>
             </a:r>
             <a:r>
-              <a:rPr lang="en-IN" dirty="0" err="1" smtClean="0">
+              <a:rPr lang="en-IN" dirty="0" err="1">
                 <a:latin typeface="+mn-lt"/>
               </a:rPr>
               <a:t>ms.</a:t>
             </a:r>
-            <a:endParaRPr lang="en-IN" dirty="0" smtClean="0">
+            <a:endParaRPr lang="en-IN" dirty="0">
               <a:latin typeface="+mn-lt"/>
             </a:endParaRPr>
           </a:p>
           <a:p>
             <a:r>
-              <a:rPr lang="en-IN" dirty="0" smtClean="0">
+              <a:rPr lang="en-IN" dirty="0">
                 <a:latin typeface="+mn-lt"/>
               </a:rPr>
               <a:t>	The system computes the control law of each furnace every 100 </a:t>
             </a:r>
             <a:r>
-              <a:rPr lang="en-IN" dirty="0" err="1" smtClean="0">
+              <a:rPr lang="en-IN" dirty="0" err="1">
                 <a:latin typeface="+mn-lt"/>
               </a:rPr>
               <a:t>ms.</a:t>
             </a:r>
-            <a:endParaRPr lang="en-IN" dirty="0" smtClean="0">
+            <a:endParaRPr lang="en-IN" dirty="0">
               <a:latin typeface="+mn-lt"/>
             </a:endParaRPr>
           </a:p>
           <a:p>
-            <a:endParaRPr lang="en-IN" dirty="0" smtClean="0">
+            <a:endParaRPr lang="en-IN" dirty="0">
               <a:latin typeface="+mn-lt"/>
             </a:endParaRPr>
           </a:p>
           <a:p>
             <a:r>
-              <a:rPr lang="en-IN" dirty="0" smtClean="0">
+              <a:rPr lang="en-IN" dirty="0">
                 <a:latin typeface="+mn-lt"/>
               </a:rPr>
               <a:t>	Each of the control law computation is a </a:t>
             </a:r>
             <a:r>
-              <a:rPr lang="en-IN" dirty="0" smtClean="0">
+              <a:rPr lang="en-IN" dirty="0">
                 <a:solidFill>
                   <a:srgbClr val="0000CC"/>
                 </a:solidFill>
@@ -41838,13 +41645,13 @@
               <a:t>job</a:t>
             </a:r>
             <a:r>
-              <a:rPr lang="en-IN" dirty="0" smtClean="0">
+              <a:rPr lang="en-IN" dirty="0">
                 <a:latin typeface="+mn-lt"/>
               </a:rPr>
               <a:t>, say </a:t>
             </a:r>
             <a:r>
-              <a:rPr lang="en-IN" i="1" dirty="0" err="1" smtClean="0">
+              <a:rPr lang="en-IN" i="1" dirty="0" err="1">
                 <a:solidFill>
                   <a:srgbClr val="0000CC"/>
                 </a:solidFill>
@@ -41853,7 +41660,7 @@
               <a:t>J</a:t>
             </a:r>
             <a:r>
-              <a:rPr lang="en-IN" i="1" baseline="-25000" dirty="0" err="1" smtClean="0">
+              <a:rPr lang="en-IN" i="1" baseline="-25000" dirty="0" err="1">
                 <a:solidFill>
                   <a:srgbClr val="0000CC"/>
                 </a:solidFill>
@@ -41862,7 +41669,7 @@
               <a:t>k</a:t>
             </a:r>
             <a:r>
-              <a:rPr lang="en-IN" i="1" dirty="0" smtClean="0">
+              <a:rPr lang="en-IN" i="1" dirty="0">
                 <a:solidFill>
                   <a:srgbClr val="0000CC"/>
                 </a:solidFill>
@@ -41873,13 +41680,13 @@
           </a:p>
           <a:p>
             <a:r>
-              <a:rPr lang="en-IN" dirty="0" smtClean="0">
+              <a:rPr lang="en-IN" dirty="0">
                 <a:latin typeface="+mn-lt"/>
               </a:rPr>
               <a:t>	The function of control law computation all the time is a </a:t>
             </a:r>
             <a:r>
-              <a:rPr lang="en-IN" dirty="0" smtClean="0">
+              <a:rPr lang="en-IN" dirty="0">
                 <a:solidFill>
                   <a:srgbClr val="0000CC"/>
                 </a:solidFill>
@@ -41888,48 +41695,48 @@
               <a:t>task</a:t>
             </a:r>
             <a:r>
-              <a:rPr lang="en-IN" dirty="0" smtClean="0">
+              <a:rPr lang="en-IN" dirty="0">
                 <a:latin typeface="+mn-lt"/>
               </a:rPr>
               <a:t>.</a:t>
             </a:r>
           </a:p>
           <a:p>
-            <a:endParaRPr lang="en-IN" dirty="0" smtClean="0">
+            <a:endParaRPr lang="en-IN" dirty="0">
               <a:latin typeface="+mn-lt"/>
             </a:endParaRPr>
           </a:p>
           <a:p>
             <a:r>
-              <a:rPr lang="en-IN" dirty="0" smtClean="0">
+              <a:rPr lang="en-IN" dirty="0">
                 <a:latin typeface="+mn-lt"/>
               </a:rPr>
               <a:t>	The first control law computation started at 20 </a:t>
             </a:r>
             <a:r>
-              <a:rPr lang="en-IN" dirty="0" err="1" smtClean="0">
+              <a:rPr lang="en-IN" dirty="0" err="1">
                 <a:latin typeface="+mn-lt"/>
               </a:rPr>
               <a:t>ms.</a:t>
             </a:r>
-            <a:endParaRPr lang="en-IN" dirty="0" smtClean="0">
+            <a:endParaRPr lang="en-IN" dirty="0">
               <a:latin typeface="+mn-lt"/>
             </a:endParaRPr>
           </a:p>
           <a:p>
-            <a:endParaRPr lang="en-IN" dirty="0" smtClean="0">
+            <a:endParaRPr lang="en-IN" dirty="0">
               <a:latin typeface="+mn-lt"/>
             </a:endParaRPr>
           </a:p>
           <a:p>
             <a:r>
-              <a:rPr lang="en-IN" dirty="0" smtClean="0">
+              <a:rPr lang="en-IN" dirty="0">
                 <a:latin typeface="+mn-lt"/>
               </a:rPr>
               <a:t>	So, release time of first job, </a:t>
             </a:r>
             <a:r>
-              <a:rPr lang="en-IN" i="1" dirty="0" smtClean="0">
+              <a:rPr lang="en-IN" i="1" dirty="0">
                 <a:solidFill>
                   <a:srgbClr val="0000CC"/>
                 </a:solidFill>
@@ -41938,7 +41745,7 @@
               <a:t>r</a:t>
             </a:r>
             <a:r>
-              <a:rPr lang="en-IN" i="1" baseline="-25000" dirty="0" smtClean="0">
+              <a:rPr lang="en-IN" i="1" baseline="-25000" dirty="0">
                 <a:solidFill>
                   <a:srgbClr val="0000CC"/>
                 </a:solidFill>
@@ -41947,7 +41754,7 @@
               <a:t>0</a:t>
             </a:r>
             <a:r>
-              <a:rPr lang="en-IN" i="1" dirty="0" smtClean="0">
+              <a:rPr lang="en-IN" i="1" dirty="0">
                 <a:solidFill>
                   <a:srgbClr val="0000CC"/>
                 </a:solidFill>
@@ -41957,19 +41764,19 @@
             </a:r>
           </a:p>
           <a:p>
-            <a:endParaRPr lang="en-IN" dirty="0" smtClean="0">
+            <a:endParaRPr lang="en-IN" dirty="0">
               <a:latin typeface="+mn-lt"/>
             </a:endParaRPr>
           </a:p>
           <a:p>
             <a:r>
-              <a:rPr lang="en-IN" dirty="0" smtClean="0">
+              <a:rPr lang="en-IN" dirty="0">
                 <a:latin typeface="+mn-lt"/>
               </a:rPr>
               <a:t>	Subsequent release times: </a:t>
             </a:r>
             <a:r>
-              <a:rPr lang="en-IN" i="1" dirty="0" smtClean="0">
+              <a:rPr lang="en-IN" i="1" dirty="0">
                 <a:solidFill>
                   <a:srgbClr val="0000CC"/>
                 </a:solidFill>
@@ -41979,19 +41786,19 @@
             </a:r>
           </a:p>
           <a:p>
-            <a:endParaRPr lang="en-IN" dirty="0" smtClean="0">
+            <a:endParaRPr lang="en-IN" dirty="0">
               <a:latin typeface="+mn-lt"/>
             </a:endParaRPr>
           </a:p>
           <a:p>
             <a:r>
-              <a:rPr lang="en-IN" dirty="0" smtClean="0">
+              <a:rPr lang="en-IN" dirty="0">
                 <a:latin typeface="+mn-lt"/>
               </a:rPr>
               <a:t>	So release time of </a:t>
             </a:r>
             <a:r>
-              <a:rPr lang="en-IN" i="1" dirty="0" err="1" smtClean="0">
+              <a:rPr lang="en-IN" i="1" dirty="0" err="1">
                 <a:solidFill>
                   <a:srgbClr val="0000CC"/>
                 </a:solidFill>
@@ -42000,19 +41807,19 @@
               <a:t>k</a:t>
             </a:r>
             <a:r>
-              <a:rPr lang="en-IN" dirty="0" err="1" smtClean="0">
+              <a:rPr lang="en-IN" dirty="0" err="1">
                 <a:latin typeface="+mn-lt"/>
               </a:rPr>
               <a:t>th</a:t>
             </a:r>
             <a:r>
-              <a:rPr lang="en-IN" dirty="0" smtClean="0">
+              <a:rPr lang="en-IN" dirty="0">
                 <a:latin typeface="+mn-lt"/>
               </a:rPr>
               <a:t> job </a:t>
             </a:r>
             <a:r>
-              <a:rPr lang="en-IN" i="1" dirty="0" err="1" smtClean="0">
+              <a:rPr lang="en-IN" i="1" dirty="0" err="1">
                 <a:solidFill>
                   <a:srgbClr val="0000CC"/>
                 </a:solidFill>
@@ -42021,7 +41828,7 @@
               <a:t>r</a:t>
             </a:r>
             <a:r>
-              <a:rPr lang="en-IN" i="1" baseline="-25000" dirty="0" err="1" smtClean="0">
+              <a:rPr lang="en-IN" i="1" baseline="-25000" dirty="0" err="1">
                 <a:solidFill>
                   <a:srgbClr val="0000CC"/>
                 </a:solidFill>
@@ -42030,7 +41837,7 @@
               <a:t>k</a:t>
             </a:r>
             <a:r>
-              <a:rPr lang="en-IN" i="1" dirty="0" smtClean="0">
+              <a:rPr lang="en-IN" i="1" dirty="0">
                 <a:solidFill>
                   <a:srgbClr val="0000CC"/>
                 </a:solidFill>
@@ -42040,19 +41847,19 @@
             </a:r>
           </a:p>
           <a:p>
-            <a:endParaRPr lang="en-IN" dirty="0" smtClean="0">
+            <a:endParaRPr lang="en-IN" dirty="0">
               <a:latin typeface="+mn-lt"/>
             </a:endParaRPr>
           </a:p>
           <a:p>
             <a:r>
-              <a:rPr lang="en-IN" dirty="0" smtClean="0">
+              <a:rPr lang="en-IN" dirty="0">
                 <a:latin typeface="+mn-lt"/>
               </a:rPr>
               <a:t>	If each job needs to be completed within</a:t>
             </a:r>
             <a:r>
-              <a:rPr lang="en-IN" i="1" dirty="0" smtClean="0">
+              <a:rPr lang="en-IN" i="1" dirty="0">
                 <a:solidFill>
                   <a:srgbClr val="0000CC"/>
                 </a:solidFill>
@@ -42061,13 +41868,13 @@
               <a:t> 70 ms, </a:t>
             </a:r>
             <a:r>
-              <a:rPr lang="en-IN" dirty="0" smtClean="0">
+              <a:rPr lang="en-IN" dirty="0">
                 <a:latin typeface="+mn-lt"/>
               </a:rPr>
               <a:t>then the absolute deadlines of the jobs:</a:t>
             </a:r>
             <a:r>
-              <a:rPr lang="en-IN" i="1" dirty="0" smtClean="0">
+              <a:rPr lang="en-IN" i="1" dirty="0">
                 <a:solidFill>
                   <a:srgbClr val="0000CC"/>
                 </a:solidFill>
@@ -42078,7 +41885,7 @@
           </a:p>
           <a:p>
             <a:r>
-              <a:rPr lang="en-IN" dirty="0" smtClean="0">
+              <a:rPr lang="en-IN" dirty="0">
                 <a:latin typeface="+mn-lt"/>
               </a:rPr>
               <a:t>	</a:t>
@@ -42086,13 +41893,13 @@
           </a:p>
           <a:p>
             <a:r>
-              <a:rPr lang="en-IN" dirty="0" smtClean="0">
+              <a:rPr lang="en-IN" dirty="0">
                 <a:latin typeface="+mn-lt"/>
               </a:rPr>
               <a:t>	Relative deadline</a:t>
             </a:r>
             <a:r>
-              <a:rPr lang="en-IN" i="1" dirty="0" smtClean="0">
+              <a:rPr lang="en-IN" i="1" dirty="0">
                 <a:solidFill>
                   <a:srgbClr val="0000CC"/>
                 </a:solidFill>
@@ -42101,7 +41908,7 @@
               <a:t> </a:t>
             </a:r>
             <a:r>
-              <a:rPr lang="en-IN" i="1" dirty="0" err="1" smtClean="0">
+              <a:rPr lang="en-IN" i="1" dirty="0" err="1">
                 <a:solidFill>
                   <a:srgbClr val="0000CC"/>
                 </a:solidFill>
@@ -42110,7 +41917,7 @@
               <a:t>D</a:t>
             </a:r>
             <a:r>
-              <a:rPr lang="en-IN" i="1" baseline="-25000" dirty="0" err="1" smtClean="0">
+              <a:rPr lang="en-IN" i="1" baseline="-25000" dirty="0" err="1">
                 <a:solidFill>
                   <a:srgbClr val="0000CC"/>
                 </a:solidFill>
@@ -42119,7 +41926,7 @@
               <a:t>k</a:t>
             </a:r>
             <a:r>
-              <a:rPr lang="en-IN" i="1" baseline="-25000" dirty="0" smtClean="0">
+              <a:rPr lang="en-IN" i="1" baseline="-25000" dirty="0">
                 <a:solidFill>
                   <a:srgbClr val="0000CC"/>
                 </a:solidFill>
@@ -42128,7 +41935,7 @@
               <a:t> </a:t>
             </a:r>
             <a:r>
-              <a:rPr lang="en-IN" i="1" dirty="0" smtClean="0">
+              <a:rPr lang="en-IN" i="1" dirty="0">
                 <a:solidFill>
                   <a:srgbClr val="0000CC"/>
                 </a:solidFill>
@@ -42155,10 +41962,9 @@
           <a:lstStyle/>
           <a:p>
             <a:r>
-              <a:rPr lang="en-US" dirty="0" smtClean="0"/>
+              <a:rPr lang="en-US" dirty="0"/>
               <a:t>Example</a:t>
             </a:r>
-            <a:endParaRPr lang="en-US" dirty="0"/>
           </a:p>
         </p:txBody>
       </p:sp>
@@ -42201,13 +42007,6 @@
   <p:clrMapOvr>
     <a:masterClrMapping/>
   </p:clrMapOvr>
-  <p:timing>
-    <p:tnLst>
-      <p:par>
-        <p:cTn id="1" dur="indefinite" restart="never" nodeType="tmRoot"/>
-      </p:par>
-    </p:tnLst>
-  </p:timing>
 </p:sld>
 </file>
 
@@ -42251,11 +42050,11 @@
               </a:lnSpc>
             </a:pPr>
             <a:r>
-              <a:rPr lang="en-US" sz="1800" dirty="0" smtClean="0"/>
+              <a:rPr lang="en-US" sz="1800" dirty="0"/>
               <a:t>The time between the presentation of a set of inputs to a system and the realization of the required behavior, including the availability of all associated outputs, is called the </a:t>
             </a:r>
             <a:r>
-              <a:rPr lang="en-US" sz="1800" dirty="0" smtClean="0">
+              <a:rPr lang="en-US" sz="1800" dirty="0">
                 <a:solidFill>
                   <a:srgbClr val="0000CC"/>
                 </a:solidFill>
@@ -42269,7 +42068,7 @@
                 <a:spcPct val="150000"/>
               </a:lnSpc>
             </a:pPr>
-            <a:endParaRPr lang="en-US" sz="1800" dirty="0" smtClean="0"/>
+            <a:endParaRPr lang="en-US" sz="1800" dirty="0"/>
           </a:p>
           <a:p>
             <a:pPr marL="0" indent="0" algn="just">
@@ -42278,11 +42077,11 @@
               </a:lnSpc>
             </a:pPr>
             <a:r>
-              <a:rPr lang="en-US" sz="1800" dirty="0" smtClean="0"/>
+              <a:rPr lang="en-US" sz="1800" dirty="0"/>
               <a:t>In other words</a:t>
             </a:r>
             <a:r>
-              <a:rPr lang="en-US" sz="1800" dirty="0" smtClean="0">
+              <a:rPr lang="en-US" sz="1800" dirty="0">
                 <a:solidFill>
                   <a:srgbClr val="0000CC"/>
                 </a:solidFill>
@@ -42290,7 +42089,7 @@
               <a:t>, </a:t>
             </a:r>
             <a:r>
-              <a:rPr lang="en-US" sz="1800" b="1" dirty="0" smtClean="0">
+              <a:rPr lang="en-US" sz="1800" b="1" dirty="0">
                 <a:solidFill>
                   <a:srgbClr val="0000CC"/>
                 </a:solidFill>
@@ -42298,7 +42097,7 @@
               <a:t>Response time </a:t>
             </a:r>
             <a:r>
-              <a:rPr lang="en-US" sz="1800" dirty="0" smtClean="0">
+              <a:rPr lang="en-US" sz="1800" dirty="0">
                 <a:solidFill>
                   <a:srgbClr val="0000CC"/>
                 </a:solidFill>
@@ -42312,7 +42111,7 @@
                 <a:spcPct val="150000"/>
               </a:lnSpc>
             </a:pPr>
-            <a:endParaRPr lang="en-US" sz="1800" dirty="0" smtClean="0">
+            <a:endParaRPr lang="en-US" sz="1800" dirty="0">
               <a:solidFill>
                 <a:srgbClr val="0000CC"/>
               </a:solidFill>
@@ -42325,11 +42124,11 @@
               </a:lnSpc>
             </a:pPr>
             <a:r>
-              <a:rPr lang="en-US" sz="1800" dirty="0" smtClean="0"/>
+              <a:rPr lang="en-US" sz="1800" dirty="0"/>
               <a:t>So </a:t>
             </a:r>
             <a:r>
-              <a:rPr lang="en-US" sz="1800" dirty="0" smtClean="0">
+              <a:rPr lang="en-US" sz="1800" dirty="0">
                 <a:solidFill>
                   <a:srgbClr val="0000CC"/>
                 </a:solidFill>
@@ -42337,7 +42136,7 @@
               <a:t>Relative Deadline is the maximum allowable Response Time</a:t>
             </a:r>
             <a:r>
-              <a:rPr lang="en-US" sz="1800" dirty="0" smtClean="0"/>
+              <a:rPr lang="en-US" sz="1800" dirty="0"/>
               <a:t>.</a:t>
             </a:r>
           </a:p>
@@ -42359,10 +42158,9 @@
           <a:lstStyle/>
           <a:p>
             <a:r>
-              <a:rPr lang="en-US" dirty="0" smtClean="0"/>
+              <a:rPr lang="en-US" dirty="0"/>
               <a:t>Response Time</a:t>
             </a:r>
-            <a:endParaRPr lang="en-US" dirty="0"/>
           </a:p>
         </p:txBody>
       </p:sp>
@@ -42405,13 +42203,6 @@
   <p:clrMapOvr>
     <a:masterClrMapping/>
   </p:clrMapOvr>
-  <p:timing>
-    <p:tnLst>
-      <p:par>
-        <p:cTn id="1" dur="indefinite" restart="never" nodeType="tmRoot"/>
-      </p:par>
-    </p:tnLst>
-  </p:timing>
 </p:sld>
 </file>
 
@@ -42455,7 +42246,7 @@
               </a:lnSpc>
             </a:pPr>
             <a:r>
-              <a:rPr lang="en-US" sz="1800" dirty="0" smtClean="0">
+              <a:rPr lang="en-US" sz="1800" dirty="0">
                 <a:solidFill>
                   <a:srgbClr val="0000CC"/>
                 </a:solidFill>
@@ -42463,11 +42254,11 @@
               <a:t>Real Time Punctuality </a:t>
             </a:r>
             <a:r>
-              <a:rPr lang="en-US" sz="1800" dirty="0" smtClean="0"/>
+              <a:rPr lang="en-US" sz="1800" dirty="0"/>
               <a:t>means every response time has an average value </a:t>
             </a:r>
             <a:r>
-              <a:rPr lang="en-US" sz="1800" dirty="0" smtClean="0">
+              <a:rPr lang="en-US" sz="1800" dirty="0">
                 <a:solidFill>
                   <a:srgbClr val="0000CC"/>
                 </a:solidFill>
@@ -42475,7 +42266,7 @@
               <a:t>t</a:t>
             </a:r>
             <a:r>
-              <a:rPr lang="en-US" sz="1800" baseline="-25000" dirty="0" smtClean="0">
+              <a:rPr lang="en-US" sz="1800" baseline="-25000" dirty="0">
                 <a:solidFill>
                   <a:srgbClr val="0000CC"/>
                 </a:solidFill>
@@ -42483,11 +42274,11 @@
               <a:t>R</a:t>
             </a:r>
             <a:r>
-              <a:rPr lang="en-US" sz="1800" dirty="0" smtClean="0"/>
+              <a:rPr lang="en-US" sz="1800" dirty="0"/>
               <a:t> with upper and lower bounds of </a:t>
             </a:r>
             <a:r>
-              <a:rPr lang="en-US" sz="1800" dirty="0" smtClean="0">
+              <a:rPr lang="en-US" sz="1800" dirty="0">
                 <a:solidFill>
                   <a:srgbClr val="0000CC"/>
                 </a:solidFill>
@@ -42495,7 +42286,7 @@
               <a:t>(t</a:t>
             </a:r>
             <a:r>
-              <a:rPr lang="en-US" sz="1800" baseline="-25000" dirty="0" smtClean="0">
+              <a:rPr lang="en-US" sz="1800" baseline="-25000" dirty="0">
                 <a:solidFill>
                   <a:srgbClr val="0000CC"/>
                 </a:solidFill>
@@ -42503,7 +42294,7 @@
               <a:t>R</a:t>
             </a:r>
             <a:r>
-              <a:rPr lang="en-US" sz="1800" dirty="0" smtClean="0">
+              <a:rPr lang="en-US" sz="1800" dirty="0">
                 <a:solidFill>
                   <a:srgbClr val="0000CC"/>
                 </a:solidFill>
@@ -42511,7 +42302,7 @@
               <a:t> + Ɛ</a:t>
             </a:r>
             <a:r>
-              <a:rPr lang="en-US" sz="1800" baseline="-25000" dirty="0" smtClean="0">
+              <a:rPr lang="en-US" sz="1800" baseline="-25000" dirty="0">
                 <a:solidFill>
                   <a:srgbClr val="0000CC"/>
                 </a:solidFill>
@@ -42519,7 +42310,7 @@
               <a:t>U</a:t>
             </a:r>
             <a:r>
-              <a:rPr lang="en-US" sz="1800" dirty="0" smtClean="0">
+              <a:rPr lang="en-US" sz="1800" dirty="0">
                 <a:solidFill>
                   <a:srgbClr val="0000CC"/>
                 </a:solidFill>
@@ -42527,11 +42318,11 @@
               <a:t>) </a:t>
             </a:r>
             <a:r>
-              <a:rPr lang="en-US" sz="1800" dirty="0" smtClean="0"/>
+              <a:rPr lang="en-US" sz="1800" dirty="0"/>
               <a:t>and </a:t>
             </a:r>
             <a:r>
-              <a:rPr lang="en-US" sz="1800" dirty="0" smtClean="0">
+              <a:rPr lang="en-US" sz="1800" dirty="0">
                 <a:solidFill>
                   <a:srgbClr val="0000CC"/>
                 </a:solidFill>
@@ -42539,7 +42330,7 @@
               <a:t>(t</a:t>
             </a:r>
             <a:r>
-              <a:rPr lang="en-US" sz="1800" baseline="-25000" dirty="0" smtClean="0">
+              <a:rPr lang="en-US" sz="1800" baseline="-25000" dirty="0">
                 <a:solidFill>
                   <a:srgbClr val="0000CC"/>
                 </a:solidFill>
@@ -42547,7 +42338,7 @@
               <a:t>R</a:t>
             </a:r>
             <a:r>
-              <a:rPr lang="en-US" sz="1800" dirty="0" smtClean="0">
+              <a:rPr lang="en-US" sz="1800" dirty="0">
                 <a:solidFill>
                   <a:srgbClr val="0000CC"/>
                 </a:solidFill>
@@ -42555,7 +42346,7 @@
               <a:t> – Ɛ</a:t>
             </a:r>
             <a:r>
-              <a:rPr lang="en-US" sz="1800" baseline="-25000" dirty="0" smtClean="0">
+              <a:rPr lang="en-US" sz="1800" baseline="-25000" dirty="0">
                 <a:solidFill>
                   <a:srgbClr val="0000CC"/>
                 </a:solidFill>
@@ -42563,7 +42354,7 @@
               <a:t>L</a:t>
             </a:r>
             <a:r>
-              <a:rPr lang="en-US" sz="1800" dirty="0" smtClean="0">
+              <a:rPr lang="en-US" sz="1800" dirty="0">
                 <a:solidFill>
                   <a:srgbClr val="0000CC"/>
                 </a:solidFill>
@@ -42571,11 +42362,11 @@
               <a:t>) </a:t>
             </a:r>
             <a:r>
-              <a:rPr lang="en-US" sz="1800" dirty="0" smtClean="0"/>
+              <a:rPr lang="en-US" sz="1800" dirty="0"/>
               <a:t>with </a:t>
             </a:r>
             <a:r>
-              <a:rPr lang="en-US" sz="1800" dirty="0" smtClean="0">
+              <a:rPr lang="en-US" sz="1800" dirty="0">
                 <a:solidFill>
                   <a:srgbClr val="0000CC"/>
                 </a:solidFill>
@@ -42583,7 +42374,7 @@
               <a:t>Ɛ</a:t>
             </a:r>
             <a:r>
-              <a:rPr lang="en-US" sz="1800" baseline="-25000" dirty="0" smtClean="0">
+              <a:rPr lang="en-US" sz="1800" baseline="-25000" dirty="0">
                 <a:solidFill>
                   <a:srgbClr val="0000CC"/>
                 </a:solidFill>
@@ -42591,7 +42382,7 @@
               <a:t>U</a:t>
             </a:r>
             <a:r>
-              <a:rPr lang="en-US" sz="1800" dirty="0" smtClean="0">
+              <a:rPr lang="en-US" sz="1800" dirty="0">
                 <a:solidFill>
                   <a:srgbClr val="0000CC"/>
                 </a:solidFill>
@@ -42599,7 +42390,7 @@
               <a:t>, Ɛ</a:t>
             </a:r>
             <a:r>
-              <a:rPr lang="en-US" sz="1800" baseline="-25000" dirty="0" smtClean="0">
+              <a:rPr lang="en-US" sz="1800" baseline="-25000" dirty="0">
                 <a:solidFill>
                   <a:srgbClr val="0000CC"/>
                 </a:solidFill>
@@ -42607,7 +42398,7 @@
               <a:t>L </a:t>
             </a:r>
             <a:r>
-              <a:rPr lang="en-US" sz="1800" dirty="0" smtClean="0">
+              <a:rPr lang="en-US" sz="1800" dirty="0">
                 <a:solidFill>
                   <a:srgbClr val="0000CC"/>
                 </a:solidFill>
@@ -42615,7 +42406,7 @@
               <a:t> -&gt; 0</a:t>
             </a:r>
             <a:r>
-              <a:rPr lang="en-US" sz="1800" baseline="30000" dirty="0" smtClean="0">
+              <a:rPr lang="en-US" sz="1800" baseline="30000" dirty="0">
                 <a:solidFill>
                   <a:srgbClr val="0000CC"/>
                 </a:solidFill>
@@ -42623,7 +42414,7 @@
               <a:t>+</a:t>
             </a:r>
             <a:r>
-              <a:rPr lang="en-US" sz="1800" dirty="0" smtClean="0"/>
+              <a:rPr lang="en-US" sz="1800" dirty="0"/>
               <a:t>.</a:t>
             </a:r>
           </a:p>
@@ -42633,7 +42424,7 @@
                 <a:spcPct val="150000"/>
               </a:lnSpc>
             </a:pPr>
-            <a:endParaRPr lang="en-US" sz="1800" dirty="0" smtClean="0"/>
+            <a:endParaRPr lang="en-US" sz="1800" dirty="0"/>
           </a:p>
           <a:p>
             <a:pPr marL="0" indent="0" algn="just">
@@ -42642,11 +42433,11 @@
               </a:lnSpc>
             </a:pPr>
             <a:r>
-              <a:rPr lang="en-US" sz="1800" dirty="0" smtClean="0"/>
+              <a:rPr lang="en-US" sz="1800" dirty="0"/>
               <a:t>In all practical situations, </a:t>
             </a:r>
             <a:r>
-              <a:rPr lang="en-US" sz="1800" dirty="0" smtClean="0">
+              <a:rPr lang="en-US" sz="1800" dirty="0">
                 <a:solidFill>
                   <a:srgbClr val="0000CC"/>
                 </a:solidFill>
@@ -42654,7 +42445,7 @@
               <a:t>Ɛ</a:t>
             </a:r>
             <a:r>
-              <a:rPr lang="en-US" sz="1800" baseline="-25000" dirty="0" smtClean="0">
+              <a:rPr lang="en-US" sz="1800" baseline="-25000" dirty="0">
                 <a:solidFill>
                   <a:srgbClr val="0000CC"/>
                 </a:solidFill>
@@ -42662,7 +42453,7 @@
               <a:t>U</a:t>
             </a:r>
             <a:r>
-              <a:rPr lang="en-US" sz="1800" dirty="0" smtClean="0">
+              <a:rPr lang="en-US" sz="1800" dirty="0">
                 <a:solidFill>
                   <a:srgbClr val="0000CC"/>
                 </a:solidFill>
@@ -42670,7 +42461,7 @@
               <a:t>, Ɛ</a:t>
             </a:r>
             <a:r>
-              <a:rPr lang="en-US" sz="1800" baseline="-25000" dirty="0" smtClean="0">
+              <a:rPr lang="en-US" sz="1800" baseline="-25000" dirty="0">
                 <a:solidFill>
                   <a:srgbClr val="0000CC"/>
                 </a:solidFill>
@@ -42678,7 +42469,7 @@
               <a:t>L </a:t>
             </a:r>
             <a:r>
-              <a:rPr lang="en-US" sz="1800" dirty="0" smtClean="0">
+              <a:rPr lang="en-US" sz="1800" dirty="0">
                 <a:solidFill>
                   <a:srgbClr val="0000CC"/>
                 </a:solidFill>
@@ -42692,7 +42483,7 @@
                 <a:spcPct val="150000"/>
               </a:lnSpc>
             </a:pPr>
-            <a:endParaRPr lang="en-US" sz="1800" baseline="30000" dirty="0" smtClean="0">
+            <a:endParaRPr lang="en-US" sz="1800" baseline="30000" dirty="0">
               <a:solidFill>
                 <a:srgbClr val="0000CC"/>
               </a:solidFill>
@@ -42705,7 +42496,7 @@
               </a:lnSpc>
             </a:pPr>
             <a:r>
-              <a:rPr lang="en-US" sz="1800" dirty="0" smtClean="0"/>
+              <a:rPr lang="en-US" sz="1800" dirty="0"/>
               <a:t>It is due to the propagation delays and  cumulative latencies in both hardware and software components. </a:t>
             </a:r>
           </a:p>
@@ -42715,7 +42506,7 @@
                 <a:spcPct val="150000"/>
               </a:lnSpc>
             </a:pPr>
-            <a:endParaRPr lang="en-US" sz="1800" dirty="0" smtClean="0"/>
+            <a:endParaRPr lang="en-US" sz="1800" dirty="0"/>
           </a:p>
           <a:p>
             <a:pPr marL="0" indent="0" algn="just">
@@ -42724,11 +42515,11 @@
               </a:lnSpc>
             </a:pPr>
             <a:r>
-              <a:rPr lang="en-US" sz="1800" dirty="0" smtClean="0"/>
+              <a:rPr lang="en-US" sz="1800" dirty="0"/>
               <a:t>So the response time will have jitter within the interval [</a:t>
             </a:r>
             <a:r>
-              <a:rPr lang="en-US" sz="1800" dirty="0" smtClean="0">
+              <a:rPr lang="en-US" sz="1800" dirty="0">
                 <a:solidFill>
                   <a:srgbClr val="0000CC"/>
                 </a:solidFill>
@@ -42736,7 +42527,7 @@
               <a:t>–Ɛ</a:t>
             </a:r>
             <a:r>
-              <a:rPr lang="en-US" sz="1800" baseline="-25000" dirty="0" smtClean="0">
+              <a:rPr lang="en-US" sz="1800" baseline="-25000" dirty="0">
                 <a:solidFill>
                   <a:srgbClr val="0000CC"/>
                 </a:solidFill>
@@ -42744,11 +42535,11 @@
               <a:t>L</a:t>
             </a:r>
             <a:r>
-              <a:rPr lang="en-US" sz="1800" dirty="0" smtClean="0"/>
+              <a:rPr lang="en-US" sz="1800" dirty="0"/>
               <a:t> , </a:t>
             </a:r>
             <a:r>
-              <a:rPr lang="en-US" sz="1800" dirty="0" smtClean="0">
+              <a:rPr lang="en-US" sz="1800" dirty="0">
                 <a:solidFill>
                   <a:srgbClr val="0000CC"/>
                 </a:solidFill>
@@ -42756,7 +42547,7 @@
               <a:t>+Ɛ</a:t>
             </a:r>
             <a:r>
-              <a:rPr lang="en-US" sz="1800" baseline="-25000" dirty="0" smtClean="0">
+              <a:rPr lang="en-US" sz="1800" baseline="-25000" dirty="0">
                 <a:solidFill>
                   <a:srgbClr val="0000CC"/>
                 </a:solidFill>
@@ -42764,7 +42555,7 @@
               <a:t>U</a:t>
             </a:r>
             <a:r>
-              <a:rPr lang="en-US" sz="1800" dirty="0" smtClean="0"/>
+              <a:rPr lang="en-US" sz="1800" dirty="0"/>
               <a:t>].</a:t>
             </a:r>
           </a:p>
@@ -42786,10 +42577,9 @@
           <a:lstStyle/>
           <a:p>
             <a:r>
-              <a:rPr lang="en-US" dirty="0" smtClean="0"/>
+              <a:rPr lang="en-US" dirty="0"/>
               <a:t>Real-Time Punctuality</a:t>
             </a:r>
-            <a:endParaRPr lang="en-US" dirty="0"/>
           </a:p>
         </p:txBody>
       </p:sp>
@@ -42832,13 +42622,6 @@
   <p:clrMapOvr>
     <a:masterClrMapping/>
   </p:clrMapOvr>
-  <p:timing>
-    <p:tnLst>
-      <p:par>
-        <p:cTn id="1" dur="indefinite" restart="never" nodeType="tmRoot"/>
-      </p:par>
-    </p:tnLst>
-  </p:timing>
 </p:sld>
 </file>
 
@@ -42887,11 +42670,11 @@
               </a:lnSpc>
             </a:pPr>
             <a:r>
-              <a:rPr lang="en-US" sz="1800" dirty="0" smtClean="0"/>
+              <a:rPr lang="en-US" sz="1800" dirty="0"/>
               <a:t>For the </a:t>
             </a:r>
             <a:r>
-              <a:rPr lang="en-US" sz="1800" dirty="0" smtClean="0">
+              <a:rPr lang="en-US" sz="1800" dirty="0">
                 <a:solidFill>
                   <a:srgbClr val="0000CC"/>
                 </a:solidFill>
@@ -42899,7 +42682,7 @@
               <a:t>door reopening operation of an elevator system</a:t>
             </a:r>
             <a:r>
-              <a:rPr lang="en-US" sz="1800" dirty="0" smtClean="0"/>
+              <a:rPr lang="en-US" sz="1800" dirty="0"/>
               <a:t>, individual response times of the component involved are following.</a:t>
             </a:r>
           </a:p>
@@ -42921,10 +42704,9 @@
           <a:lstStyle/>
           <a:p>
             <a:r>
-              <a:rPr lang="en-US" dirty="0" smtClean="0"/>
+              <a:rPr lang="en-US" dirty="0"/>
               <a:t>Response Time - Example</a:t>
             </a:r>
-            <a:endParaRPr lang="en-US" dirty="0"/>
           </a:p>
         </p:txBody>
       </p:sp>
@@ -42976,9 +42758,27 @@
                 <a:tableStyleId>{5C22544A-7EE6-4342-B048-85BDC9FD1C3A}</a:tableStyleId>
               </a:tblPr>
               <a:tblGrid>
-                <a:gridCol w="2362200"/>
-                <a:gridCol w="2362200"/>
-                <a:gridCol w="2362200"/>
+                <a:gridCol w="2362200">
+                  <a:extLst>
+                    <a:ext uri="{9D8B030D-6E8A-4147-A177-3AD203B41FA5}">
+                      <a16:colId xmlns:a16="http://schemas.microsoft.com/office/drawing/2014/main" val="20000"/>
+                    </a:ext>
+                  </a:extLst>
+                </a:gridCol>
+                <a:gridCol w="2362200">
+                  <a:extLst>
+                    <a:ext uri="{9D8B030D-6E8A-4147-A177-3AD203B41FA5}">
+                      <a16:colId xmlns:a16="http://schemas.microsoft.com/office/drawing/2014/main" val="20001"/>
+                    </a:ext>
+                  </a:extLst>
+                </a:gridCol>
+                <a:gridCol w="2362200">
+                  <a:extLst>
+                    <a:ext uri="{9D8B030D-6E8A-4147-A177-3AD203B41FA5}">
+                      <a16:colId xmlns:a16="http://schemas.microsoft.com/office/drawing/2014/main" val="20002"/>
+                    </a:ext>
+                  </a:extLst>
+                </a:gridCol>
               </a:tblGrid>
               <a:tr h="370840">
                 <a:tc>
@@ -42987,10 +42787,9 @@
                     <a:lstStyle/>
                     <a:p>
                       <a:r>
-                        <a:rPr lang="en-IN" dirty="0" smtClean="0"/>
+                        <a:rPr lang="en-IN" dirty="0"/>
                         <a:t>Components</a:t>
                       </a:r>
-                      <a:endParaRPr lang="en-IN" dirty="0"/>
                     </a:p>
                   </a:txBody>
                   <a:tcPr/>
@@ -43001,10 +42800,9 @@
                     <a:lstStyle/>
                     <a:p>
                       <a:r>
-                        <a:rPr lang="en-IN" dirty="0" smtClean="0"/>
+                        <a:rPr lang="en-IN" dirty="0"/>
                         <a:t>Min Response Time</a:t>
                       </a:r>
-                      <a:endParaRPr lang="en-IN" dirty="0"/>
                     </a:p>
                   </a:txBody>
                   <a:tcPr/>
@@ -43032,14 +42830,18 @@
                         <a:defRPr/>
                       </a:pPr>
                       <a:r>
-                        <a:rPr lang="en-IN" dirty="0" smtClean="0"/>
+                        <a:rPr lang="en-IN" dirty="0"/>
                         <a:t>Max Response Time</a:t>
                       </a:r>
-                      <a:endParaRPr lang="en-IN" dirty="0"/>
                     </a:p>
                   </a:txBody>
                   <a:tcPr/>
                 </a:tc>
+                <a:extLst>
+                  <a:ext uri="{0D108BD9-81ED-4DB2-BD59-A6C34878D82A}">
+                    <a16:rowId xmlns:a16="http://schemas.microsoft.com/office/drawing/2014/main" val="10000"/>
+                  </a:ext>
+                </a:extLst>
               </a:tr>
               <a:tr h="370840">
                 <a:tc>
@@ -43048,10 +42850,9 @@
                     <a:lstStyle/>
                     <a:p>
                       <a:r>
-                        <a:rPr lang="en-IN" dirty="0" smtClean="0"/>
+                        <a:rPr lang="en-IN" dirty="0"/>
                         <a:t>Sensor</a:t>
                       </a:r>
-                      <a:endParaRPr lang="en-IN" dirty="0"/>
                     </a:p>
                   </a:txBody>
                   <a:tcPr/>
@@ -43062,10 +42863,9 @@
                     <a:lstStyle/>
                     <a:p>
                       <a:r>
-                        <a:rPr lang="en-IN" dirty="0" smtClean="0"/>
+                        <a:rPr lang="en-IN" dirty="0"/>
                         <a:t>5 ms</a:t>
                       </a:r>
-                      <a:endParaRPr lang="en-IN" dirty="0"/>
                     </a:p>
                   </a:txBody>
                   <a:tcPr/>
@@ -43076,14 +42876,18 @@
                     <a:lstStyle/>
                     <a:p>
                       <a:r>
-                        <a:rPr lang="en-IN" dirty="0" smtClean="0"/>
+                        <a:rPr lang="en-IN" dirty="0"/>
                         <a:t>15 ms</a:t>
                       </a:r>
-                      <a:endParaRPr lang="en-IN" dirty="0"/>
                     </a:p>
                   </a:txBody>
                   <a:tcPr/>
                 </a:tc>
+                <a:extLst>
+                  <a:ext uri="{0D108BD9-81ED-4DB2-BD59-A6C34878D82A}">
+                    <a16:rowId xmlns:a16="http://schemas.microsoft.com/office/drawing/2014/main" val="10001"/>
+                  </a:ext>
+                </a:extLst>
               </a:tr>
               <a:tr h="370840">
                 <a:tc>
@@ -43092,10 +42896,9 @@
                     <a:lstStyle/>
                     <a:p>
                       <a:r>
-                        <a:rPr lang="en-IN" dirty="0" smtClean="0"/>
+                        <a:rPr lang="en-IN" dirty="0"/>
                         <a:t>Hardware</a:t>
                       </a:r>
-                      <a:endParaRPr lang="en-IN" dirty="0"/>
                     </a:p>
                   </a:txBody>
                   <a:tcPr/>
@@ -43106,18 +42909,17 @@
                     <a:lstStyle/>
                     <a:p>
                       <a:r>
-                        <a:rPr lang="en-IN" dirty="0" smtClean="0"/>
+                        <a:rPr lang="en-IN" dirty="0"/>
                         <a:t>1 </a:t>
                       </a:r>
                       <a:r>
-                        <a:rPr lang="el-GR" dirty="0" smtClean="0"/>
+                        <a:rPr lang="el-GR" dirty="0"/>
                         <a:t>μ</a:t>
                       </a:r>
                       <a:r>
-                        <a:rPr lang="en-IN" dirty="0" smtClean="0"/>
+                        <a:rPr lang="en-IN" dirty="0"/>
                         <a:t>s</a:t>
                       </a:r>
-                      <a:endParaRPr lang="en-IN" dirty="0"/>
                     </a:p>
                   </a:txBody>
                   <a:tcPr/>
@@ -43128,22 +42930,26 @@
                     <a:lstStyle/>
                     <a:p>
                       <a:r>
-                        <a:rPr lang="en-IN" dirty="0" smtClean="0"/>
+                        <a:rPr lang="en-IN" dirty="0"/>
                         <a:t>2 </a:t>
                       </a:r>
                       <a:r>
-                        <a:rPr lang="el-GR" dirty="0" smtClean="0"/>
+                        <a:rPr lang="el-GR" dirty="0"/>
                         <a:t>μ</a:t>
                       </a:r>
                       <a:r>
-                        <a:rPr lang="en-IN" dirty="0" smtClean="0"/>
+                        <a:rPr lang="en-IN" dirty="0"/>
                         <a:t>s</a:t>
                       </a:r>
-                      <a:endParaRPr lang="en-IN" dirty="0"/>
                     </a:p>
                   </a:txBody>
                   <a:tcPr/>
                 </a:tc>
+                <a:extLst>
+                  <a:ext uri="{0D108BD9-81ED-4DB2-BD59-A6C34878D82A}">
+                    <a16:rowId xmlns:a16="http://schemas.microsoft.com/office/drawing/2014/main" val="10002"/>
+                  </a:ext>
+                </a:extLst>
               </a:tr>
               <a:tr h="370840">
                 <a:tc>
@@ -43152,10 +42958,9 @@
                     <a:lstStyle/>
                     <a:p>
                       <a:r>
-                        <a:rPr lang="en-IN" dirty="0" smtClean="0"/>
+                        <a:rPr lang="en-IN" dirty="0"/>
                         <a:t>System Software</a:t>
                       </a:r>
-                      <a:endParaRPr lang="en-IN" dirty="0"/>
                     </a:p>
                   </a:txBody>
                   <a:tcPr/>
@@ -43166,18 +42971,17 @@
                     <a:lstStyle/>
                     <a:p>
                       <a:r>
-                        <a:rPr lang="en-IN" dirty="0" smtClean="0"/>
+                        <a:rPr lang="en-IN" dirty="0"/>
                         <a:t>16 </a:t>
                       </a:r>
                       <a:r>
-                        <a:rPr lang="el-GR" dirty="0" smtClean="0"/>
+                        <a:rPr lang="el-GR" dirty="0"/>
                         <a:t>μ</a:t>
                       </a:r>
                       <a:r>
-                        <a:rPr lang="en-IN" dirty="0" smtClean="0"/>
+                        <a:rPr lang="en-IN" dirty="0"/>
                         <a:t>s</a:t>
                       </a:r>
-                      <a:endParaRPr lang="en-IN" dirty="0"/>
                     </a:p>
                   </a:txBody>
                   <a:tcPr/>
@@ -43188,22 +42992,26 @@
                     <a:lstStyle/>
                     <a:p>
                       <a:r>
-                        <a:rPr lang="en-IN" dirty="0" smtClean="0"/>
+                        <a:rPr lang="en-IN" dirty="0"/>
                         <a:t>48 </a:t>
                       </a:r>
                       <a:r>
-                        <a:rPr lang="el-GR" dirty="0" smtClean="0"/>
+                        <a:rPr lang="el-GR" dirty="0"/>
                         <a:t>μ</a:t>
                       </a:r>
                       <a:r>
-                        <a:rPr lang="en-IN" dirty="0" smtClean="0"/>
+                        <a:rPr lang="en-IN" dirty="0"/>
                         <a:t>s</a:t>
                       </a:r>
-                      <a:endParaRPr lang="en-IN" dirty="0"/>
                     </a:p>
                   </a:txBody>
                   <a:tcPr/>
                 </a:tc>
+                <a:extLst>
+                  <a:ext uri="{0D108BD9-81ED-4DB2-BD59-A6C34878D82A}">
+                    <a16:rowId xmlns:a16="http://schemas.microsoft.com/office/drawing/2014/main" val="10003"/>
+                  </a:ext>
+                </a:extLst>
               </a:tr>
               <a:tr h="370840">
                 <a:tc>
@@ -43212,10 +43020,9 @@
                     <a:lstStyle/>
                     <a:p>
                       <a:r>
-                        <a:rPr lang="en-IN" dirty="0" smtClean="0"/>
+                        <a:rPr lang="en-IN" dirty="0"/>
                         <a:t>Application Software</a:t>
                       </a:r>
-                      <a:endParaRPr lang="en-IN" dirty="0"/>
                     </a:p>
                   </a:txBody>
                   <a:tcPr/>
@@ -43226,18 +43033,17 @@
                     <a:lstStyle/>
                     <a:p>
                       <a:r>
-                        <a:rPr lang="en-IN" dirty="0" smtClean="0"/>
+                        <a:rPr lang="en-IN" dirty="0"/>
                         <a:t>0.5 </a:t>
                       </a:r>
                       <a:r>
-                        <a:rPr lang="el-GR" dirty="0" smtClean="0"/>
+                        <a:rPr lang="el-GR" dirty="0"/>
                         <a:t>μ</a:t>
                       </a:r>
                       <a:r>
-                        <a:rPr lang="en-IN" dirty="0" smtClean="0"/>
+                        <a:rPr lang="en-IN" dirty="0"/>
                         <a:t>s</a:t>
                       </a:r>
-                      <a:endParaRPr lang="en-IN" dirty="0"/>
                     </a:p>
                   </a:txBody>
                   <a:tcPr/>
@@ -43248,22 +43054,26 @@
                     <a:lstStyle/>
                     <a:p>
                       <a:r>
-                        <a:rPr lang="en-IN" dirty="0" smtClean="0"/>
+                        <a:rPr lang="en-IN" dirty="0"/>
                         <a:t>0.5 </a:t>
                       </a:r>
                       <a:r>
-                        <a:rPr lang="el-GR" dirty="0" smtClean="0"/>
+                        <a:rPr lang="el-GR" dirty="0"/>
                         <a:t>μ</a:t>
                       </a:r>
                       <a:r>
-                        <a:rPr lang="en-IN" dirty="0" smtClean="0"/>
+                        <a:rPr lang="en-IN" dirty="0"/>
                         <a:t>s</a:t>
                       </a:r>
-                      <a:endParaRPr lang="en-IN" dirty="0"/>
                     </a:p>
                   </a:txBody>
                   <a:tcPr/>
                 </a:tc>
+                <a:extLst>
+                  <a:ext uri="{0D108BD9-81ED-4DB2-BD59-A6C34878D82A}">
+                    <a16:rowId xmlns:a16="http://schemas.microsoft.com/office/drawing/2014/main" val="10004"/>
+                  </a:ext>
+                </a:extLst>
               </a:tr>
               <a:tr h="370840">
                 <a:tc>
@@ -43272,10 +43082,9 @@
                     <a:lstStyle/>
                     <a:p>
                       <a:r>
-                        <a:rPr lang="en-IN" dirty="0" smtClean="0"/>
+                        <a:rPr lang="en-IN" dirty="0"/>
                         <a:t>Door drive</a:t>
                       </a:r>
-                      <a:endParaRPr lang="en-IN" dirty="0"/>
                     </a:p>
                   </a:txBody>
                   <a:tcPr/>
@@ -43286,10 +43095,9 @@
                     <a:lstStyle/>
                     <a:p>
                       <a:r>
-                        <a:rPr lang="en-IN" dirty="0" smtClean="0"/>
+                        <a:rPr lang="en-IN" dirty="0"/>
                         <a:t>300 ms</a:t>
                       </a:r>
-                      <a:endParaRPr lang="en-IN" dirty="0"/>
                     </a:p>
                   </a:txBody>
                   <a:tcPr/>
@@ -43300,14 +43108,18 @@
                     <a:lstStyle/>
                     <a:p>
                       <a:r>
-                        <a:rPr lang="en-IN" dirty="0" smtClean="0"/>
+                        <a:rPr lang="en-IN" dirty="0"/>
                         <a:t>500 ms</a:t>
                       </a:r>
-                      <a:endParaRPr lang="en-IN" dirty="0"/>
                     </a:p>
                   </a:txBody>
                   <a:tcPr/>
                 </a:tc>
+                <a:extLst>
+                  <a:ext uri="{0D108BD9-81ED-4DB2-BD59-A6C34878D82A}">
+                    <a16:rowId xmlns:a16="http://schemas.microsoft.com/office/drawing/2014/main" val="10005"/>
+                  </a:ext>
+                </a:extLst>
               </a:tr>
               <a:tr h="370840">
                 <a:tc>
@@ -43316,18 +43128,13 @@
                     <a:lstStyle/>
                     <a:p>
                       <a:r>
-                        <a:rPr lang="en-IN" b="1" dirty="0" smtClean="0">
+                        <a:rPr lang="en-IN" b="1" dirty="0">
                           <a:solidFill>
                             <a:srgbClr val="0000CC"/>
                           </a:solidFill>
                         </a:rPr>
                         <a:t>Total</a:t>
                       </a:r>
-                      <a:endParaRPr lang="en-IN" b="1" dirty="0">
-                        <a:solidFill>
-                          <a:srgbClr val="0000CC"/>
-                        </a:solidFill>
-                      </a:endParaRPr>
                     </a:p>
                   </a:txBody>
                   <a:tcPr/>
@@ -43338,18 +43145,13 @@
                     <a:lstStyle/>
                     <a:p>
                       <a:r>
-                        <a:rPr lang="en-IN" b="1" dirty="0" smtClean="0">
+                        <a:rPr lang="en-IN" b="1" dirty="0">
                           <a:solidFill>
                             <a:srgbClr val="0000CC"/>
                           </a:solidFill>
                         </a:rPr>
                         <a:t>305 ms</a:t>
                       </a:r>
-                      <a:endParaRPr lang="en-IN" b="1" dirty="0">
-                        <a:solidFill>
-                          <a:srgbClr val="0000CC"/>
-                        </a:solidFill>
-                      </a:endParaRPr>
                     </a:p>
                   </a:txBody>
                   <a:tcPr/>
@@ -43360,22 +43162,22 @@
                     <a:lstStyle/>
                     <a:p>
                       <a:r>
-                        <a:rPr lang="en-IN" b="1" dirty="0" smtClean="0">
+                        <a:rPr lang="en-IN" b="1" dirty="0">
                           <a:solidFill>
                             <a:srgbClr val="0000CC"/>
                           </a:solidFill>
                         </a:rPr>
                         <a:t>515 ms</a:t>
                       </a:r>
-                      <a:endParaRPr lang="en-IN" b="1" dirty="0">
-                        <a:solidFill>
-                          <a:srgbClr val="0000CC"/>
-                        </a:solidFill>
-                      </a:endParaRPr>
                     </a:p>
                   </a:txBody>
                   <a:tcPr/>
                 </a:tc>
+                <a:extLst>
+                  <a:ext uri="{0D108BD9-81ED-4DB2-BD59-A6C34878D82A}">
+                    <a16:rowId xmlns:a16="http://schemas.microsoft.com/office/drawing/2014/main" val="10006"/>
+                  </a:ext>
+                </a:extLst>
               </a:tr>
             </a:tbl>
           </a:graphicData>
@@ -43434,7 +43236,7 @@
               <a:defRPr/>
             </a:pPr>
             <a:r>
-              <a:rPr kumimoji="0" lang="en-US" sz="1800" b="0" i="0" u="none" strike="noStrike" kern="1200" cap="none" spc="0" normalizeH="0" baseline="0" noProof="0" dirty="0" smtClean="0">
+              <a:rPr kumimoji="0" lang="en-US" sz="1800" b="0" i="0" u="none" strike="noStrike" kern="1200" cap="none" spc="0" normalizeH="0" baseline="0" noProof="0" dirty="0">
                 <a:ln>
                   <a:noFill/>
                 </a:ln>
@@ -43451,7 +43253,7 @@
               <a:t>Please</a:t>
             </a:r>
             <a:r>
-              <a:rPr kumimoji="0" lang="en-US" sz="1800" b="0" i="0" u="none" strike="noStrike" kern="1200" cap="none" spc="0" normalizeH="0" noProof="0" dirty="0" smtClean="0">
+              <a:rPr kumimoji="0" lang="en-US" sz="1800" b="0" i="0" u="none" strike="noStrike" kern="1200" cap="none" spc="0" normalizeH="0" noProof="0" dirty="0">
                 <a:ln>
                   <a:noFill/>
                 </a:ln>
@@ -43467,7 +43269,7 @@
               </a:rPr>
               <a:t> note that overall response time is dominated by the response time of the door drive.</a:t>
             </a:r>
-            <a:endParaRPr kumimoji="0" lang="en-US" sz="1800" b="0" i="0" u="none" strike="noStrike" kern="1200" cap="none" spc="0" normalizeH="0" baseline="0" noProof="0" dirty="0" smtClean="0">
+            <a:endParaRPr kumimoji="0" lang="en-US" sz="1800" b="0" i="0" u="none" strike="noStrike" kern="1200" cap="none" spc="0" normalizeH="0" baseline="0" noProof="0" dirty="0">
               <a:ln>
                 <a:noFill/>
               </a:ln>
@@ -43494,13 +43296,6 @@
   <p:clrMapOvr>
     <a:masterClrMapping/>
   </p:clrMapOvr>
-  <p:timing>
-    <p:tnLst>
-      <p:par>
-        <p:cTn id="1" dur="indefinite" restart="never" nodeType="tmRoot"/>
-      </p:par>
-    </p:tnLst>
-  </p:timing>
 </p:sld>
 </file>
 
@@ -43549,7 +43344,7 @@
               </a:lnSpc>
             </a:pPr>
             <a:r>
-              <a:rPr lang="en-US" sz="1800" b="1" u="sng" dirty="0" smtClean="0"/>
+              <a:rPr lang="en-US" sz="1800" b="1" u="sng" dirty="0"/>
               <a:t>Hard and Soft Deadlines</a:t>
             </a:r>
           </a:p>
@@ -43562,11 +43357,11 @@
               <a:buChar char="Ø"/>
             </a:pPr>
             <a:r>
-              <a:rPr lang="en-US" sz="1500" dirty="0" smtClean="0"/>
+              <a:rPr lang="en-US" sz="1500" dirty="0"/>
               <a:t>A timing constraint or deadline is </a:t>
             </a:r>
             <a:r>
-              <a:rPr lang="en-US" sz="1500" dirty="0" smtClean="0">
+              <a:rPr lang="en-US" sz="1500" dirty="0">
                 <a:solidFill>
                   <a:srgbClr val="0000CC"/>
                 </a:solidFill>
@@ -43574,7 +43369,7 @@
               <a:t>hard</a:t>
             </a:r>
             <a:r>
-              <a:rPr lang="en-US" sz="1500" dirty="0" smtClean="0"/>
+              <a:rPr lang="en-US" sz="1500" dirty="0"/>
               <a:t>, if the failure to meet it is considered to be a fatal fault.</a:t>
             </a:r>
           </a:p>
@@ -43587,11 +43382,11 @@
               <a:buChar char="Ø"/>
             </a:pPr>
             <a:r>
-              <a:rPr lang="en-US" sz="1500" dirty="0" smtClean="0"/>
+              <a:rPr lang="en-US" sz="1500" dirty="0"/>
               <a:t>A late completion of a job that has a </a:t>
             </a:r>
             <a:r>
-              <a:rPr lang="en-US" sz="1500" dirty="0" smtClean="0">
+              <a:rPr lang="en-US" sz="1500" dirty="0">
                 <a:solidFill>
                   <a:srgbClr val="0000CC"/>
                 </a:solidFill>
@@ -43599,7 +43394,7 @@
               <a:t>soft deadline </a:t>
             </a:r>
             <a:r>
-              <a:rPr lang="en-US" sz="1500" dirty="0" smtClean="0"/>
+              <a:rPr lang="en-US" sz="1500" dirty="0"/>
               <a:t>is undesirable. However, few misses of soft deadline don’t cause serious harm.</a:t>
             </a:r>
           </a:p>
@@ -43610,7 +43405,7 @@
               </a:lnSpc>
             </a:pPr>
             <a:r>
-              <a:rPr lang="en-US" sz="1800" b="1" u="sng" dirty="0" smtClean="0"/>
+              <a:rPr lang="en-US" sz="1800" b="1" u="sng" dirty="0"/>
               <a:t>Tardiness</a:t>
             </a:r>
           </a:p>
@@ -43623,11 +43418,11 @@
               <a:buChar char="Ø"/>
             </a:pPr>
             <a:r>
-              <a:rPr lang="en-US" sz="1500" dirty="0" smtClean="0"/>
+              <a:rPr lang="en-US" sz="1500" dirty="0"/>
               <a:t>The </a:t>
             </a:r>
             <a:r>
-              <a:rPr lang="en-US" sz="1500" dirty="0" smtClean="0">
+              <a:rPr lang="en-US" sz="1500" dirty="0">
                 <a:solidFill>
                   <a:srgbClr val="0000CC"/>
                 </a:solidFill>
@@ -43635,7 +43430,7 @@
               <a:t>tardiness</a:t>
             </a:r>
             <a:r>
-              <a:rPr lang="en-US" sz="1500" dirty="0" smtClean="0"/>
+              <a:rPr lang="en-US" sz="1500" dirty="0"/>
               <a:t> of a job measures how late it completes respective to its deadline.</a:t>
             </a:r>
           </a:p>
@@ -43648,7 +43443,7 @@
               <a:buChar char="Ø"/>
             </a:pPr>
             <a:r>
-              <a:rPr lang="en-US" sz="1500" dirty="0" smtClean="0"/>
+              <a:rPr lang="en-US" sz="1500" dirty="0"/>
               <a:t>Tardiness is 0, if it completes at or before the deadline</a:t>
             </a:r>
           </a:p>
@@ -43661,7 +43456,7 @@
               <a:buChar char="Ø"/>
             </a:pPr>
             <a:r>
-              <a:rPr lang="en-US" sz="1500" dirty="0" smtClean="0"/>
+              <a:rPr lang="en-US" sz="1500" dirty="0"/>
               <a:t>Tardiness is positive and is equal to the difference between its completion time and the deadline, if the job completes after the deadline.</a:t>
             </a:r>
           </a:p>
@@ -43672,7 +43467,7 @@
               </a:lnSpc>
             </a:pPr>
             <a:r>
-              <a:rPr lang="en-US" sz="1800" b="1" u="sng" dirty="0" smtClean="0"/>
+              <a:rPr lang="en-US" sz="1800" b="1" u="sng" dirty="0"/>
               <a:t>Usefulness</a:t>
             </a:r>
           </a:p>
@@ -43685,7 +43480,7 @@
               <a:buChar char="Ø"/>
             </a:pPr>
             <a:r>
-              <a:rPr lang="en-US" sz="1500" dirty="0" smtClean="0">
+              <a:rPr lang="en-US" sz="1500" dirty="0">
                 <a:solidFill>
                   <a:srgbClr val="0000CC"/>
                 </a:solidFill>
@@ -43693,7 +43488,7 @@
               <a:t>Usefulness</a:t>
             </a:r>
             <a:r>
-              <a:rPr lang="en-US" sz="1500" dirty="0" smtClean="0"/>
+              <a:rPr lang="en-US" sz="1500" dirty="0"/>
               <a:t> of a hard real-time job falls off abruptly and becomes negative when its tardiness becomes positive.</a:t>
             </a:r>
           </a:p>
@@ -43706,7 +43501,7 @@
               <a:buChar char="Ø"/>
             </a:pPr>
             <a:r>
-              <a:rPr lang="en-US" sz="1500" dirty="0" smtClean="0"/>
+              <a:rPr lang="en-US" sz="1500" dirty="0"/>
               <a:t>Usefulness of a soft real-time job decreases as the tardiness increases.</a:t>
             </a:r>
           </a:p>
@@ -43719,7 +43514,7 @@
               <a:buChar char="Ø"/>
             </a:pPr>
             <a:r>
-              <a:rPr lang="en-US" sz="1500" dirty="0" smtClean="0"/>
+              <a:rPr lang="en-US" sz="1500" dirty="0"/>
               <a:t>The deadline of a job is softer if its usefulness decreases at slower rate as its tardiness increases.</a:t>
             </a:r>
           </a:p>
@@ -43729,7 +43524,7 @@
                 <a:spcPct val="150000"/>
               </a:lnSpc>
             </a:pPr>
-            <a:endParaRPr lang="en-US" sz="1800" dirty="0" smtClean="0"/>
+            <a:endParaRPr lang="en-US" sz="1800" dirty="0"/>
           </a:p>
           <a:p>
             <a:pPr marL="0" indent="0">
@@ -43737,7 +43532,7 @@
                 <a:spcPct val="150000"/>
               </a:lnSpc>
             </a:pPr>
-            <a:endParaRPr lang="en-US" sz="1800" dirty="0" smtClean="0"/>
+            <a:endParaRPr lang="en-US" sz="1800" dirty="0"/>
           </a:p>
         </p:txBody>
       </p:sp>
@@ -43757,10 +43552,9 @@
           <a:lstStyle/>
           <a:p>
             <a:r>
-              <a:rPr lang="en-US" dirty="0" smtClean="0"/>
+              <a:rPr lang="en-US" dirty="0"/>
               <a:t>Some Other Definitions</a:t>
             </a:r>
-            <a:endParaRPr lang="en-US" dirty="0"/>
           </a:p>
         </p:txBody>
       </p:sp>
@@ -43803,13 +43597,6 @@
   <p:clrMapOvr>
     <a:masterClrMapping/>
   </p:clrMapOvr>
-  <p:timing>
-    <p:tnLst>
-      <p:par>
-        <p:cTn id="1" dur="indefinite" restart="never" nodeType="tmRoot"/>
-      </p:par>
-    </p:tnLst>
-  </p:timing>
 </p:sld>
 </file>
 
@@ -43860,7 +43647,7 @@
               <a:buChar char="Ø"/>
             </a:pPr>
             <a:r>
-              <a:rPr lang="en-US" dirty="0" smtClean="0">
+              <a:rPr lang="en-US" dirty="0">
                 <a:solidFill>
                   <a:srgbClr val="0000CC"/>
                 </a:solidFill>
@@ -43877,7 +43664,7 @@
               <a:buChar char="Ø"/>
             </a:pPr>
             <a:r>
-              <a:rPr lang="en-US" dirty="0" smtClean="0"/>
+              <a:rPr lang="en-US" dirty="0"/>
               <a:t>Many (but not all) hard real-time systems deal with deadlines in the tens of milliseconds</a:t>
             </a:r>
           </a:p>
@@ -43890,7 +43677,7 @@
               <a:buChar char="Ø"/>
             </a:pPr>
             <a:r>
-              <a:rPr lang="en-US" dirty="0" smtClean="0">
+              <a:rPr lang="en-US" dirty="0">
                 <a:solidFill>
                   <a:srgbClr val="0000CC"/>
                 </a:solidFill>
@@ -43907,7 +43694,7 @@
               <a:buChar char="Ø"/>
             </a:pPr>
             <a:r>
-              <a:rPr lang="en-US" dirty="0" smtClean="0"/>
+              <a:rPr lang="en-US" dirty="0"/>
               <a:t>There is still no methodology available that answers all of the challenges of real-time specification and design all the time and for all applications</a:t>
             </a:r>
           </a:p>
@@ -43920,7 +43707,7 @@
               <a:buChar char="Ø"/>
             </a:pPr>
             <a:r>
-              <a:rPr lang="en-US" dirty="0" smtClean="0">
+              <a:rPr lang="en-US" dirty="0">
                 <a:solidFill>
                   <a:srgbClr val="0000CC"/>
                 </a:solidFill>
@@ -43937,7 +43724,7 @@
               <a:buChar char="Ø"/>
             </a:pPr>
             <a:r>
-              <a:rPr lang="en-US" dirty="0" smtClean="0"/>
+              <a:rPr lang="en-US" dirty="0"/>
               <a:t>Commercial solutions have certainly their  place, but choosing when to use an off-the-shelf solution and choosing the right one are continuing challenges</a:t>
             </a:r>
           </a:p>
@@ -43950,7 +43737,7 @@
               <a:buChar char="Ø"/>
             </a:pPr>
             <a:r>
-              <a:rPr lang="en-US" dirty="0" smtClean="0">
+              <a:rPr lang="en-US" dirty="0">
                 <a:solidFill>
                   <a:srgbClr val="0000CC"/>
                 </a:solidFill>
@@ -43967,7 +43754,7 @@
               <a:buChar char="Ø"/>
             </a:pPr>
             <a:r>
-              <a:rPr lang="en-US" dirty="0" smtClean="0"/>
+              <a:rPr lang="en-US" dirty="0"/>
               <a:t>While rate-monotonic systems provide guidance in the design of real-time systems, and while there is theory surrounding them, they are not a panacea</a:t>
             </a:r>
           </a:p>
@@ -43980,7 +43767,7 @@
               <a:buChar char="Ø"/>
             </a:pPr>
             <a:r>
-              <a:rPr lang="en-US" dirty="0" smtClean="0">
+              <a:rPr lang="en-US" dirty="0">
                 <a:solidFill>
                   <a:srgbClr val="0000CC"/>
                 </a:solidFill>
@@ -43997,10 +43784,9 @@
               <a:buChar char="Ø"/>
             </a:pPr>
             <a:r>
-              <a:rPr lang="en-US" dirty="0" smtClean="0"/>
+              <a:rPr lang="en-US" dirty="0"/>
               <a:t>While it is scholarly to study scheduling theory, most published results require impractical simplifications and clairvoyance in order to make the theory work</a:t>
             </a:r>
-            <a:endParaRPr lang="en-US" dirty="0"/>
           </a:p>
         </p:txBody>
       </p:sp>
@@ -44020,13 +43806,13 @@
           <a:lstStyle/>
           <a:p>
             <a:r>
-              <a:rPr lang="fi-FI" dirty="0" smtClean="0"/>
+              <a:rPr lang="fi-FI" dirty="0"/>
               <a:t>Real Time Systems: </a:t>
             </a:r>
           </a:p>
           <a:p>
             <a:r>
-              <a:rPr lang="fi-FI" b="0" dirty="0" smtClean="0"/>
+              <a:rPr lang="fi-FI" b="0" dirty="0"/>
               <a:t>Usual Misconceptions</a:t>
             </a:r>
             <a:endParaRPr lang="en-US" b="0" dirty="0"/>
@@ -44072,13 +43858,6 @@
   <p:clrMapOvr>
     <a:masterClrMapping/>
   </p:clrMapOvr>
-  <p:timing>
-    <p:tnLst>
-      <p:par>
-        <p:cTn id="1" dur="indefinite" restart="never" nodeType="tmRoot"/>
-      </p:par>
-    </p:tnLst>
-  </p:timing>
 </p:sld>
 </file>
 
@@ -44120,24 +43899,23 @@
           <a:lstStyle/>
           <a:p>
             <a:r>
-              <a:rPr lang="en-IN" dirty="0" smtClean="0"/>
+              <a:rPr lang="en-IN" dirty="0"/>
               <a:t>Excellent MOOCs Videos</a:t>
             </a:r>
           </a:p>
           <a:p>
             <a:r>
-              <a:rPr lang="en-IN" sz="2800" b="0" dirty="0" smtClean="0"/>
+              <a:rPr lang="en-IN" sz="2800" b="0" dirty="0"/>
               <a:t>(Coursera, </a:t>
             </a:r>
             <a:r>
-              <a:rPr lang="en-IN" sz="2800" b="0" dirty="0" err="1" smtClean="0"/>
+              <a:rPr lang="en-IN" sz="2800" b="0" dirty="0" err="1"/>
               <a:t>edX</a:t>
             </a:r>
             <a:r>
-              <a:rPr lang="en-IN" sz="2800" b="0" dirty="0" smtClean="0"/>
+              <a:rPr lang="en-IN" sz="2800" b="0" dirty="0"/>
               <a:t>,…)</a:t>
             </a:r>
-            <a:endParaRPr lang="en-IN" sz="2800" b="0" dirty="0"/>
           </a:p>
         </p:txBody>
       </p:sp>
@@ -44205,13 +43983,6 @@
   <p:clrMapOvr>
     <a:masterClrMapping/>
   </p:clrMapOvr>
-  <p:timing>
-    <p:tnLst>
-      <p:par>
-        <p:cTn id="1" dur="indefinite" restart="never" nodeType="tmRoot"/>
-      </p:par>
-    </p:tnLst>
-  </p:timing>
 </p:sld>
 </file>
 
@@ -44255,22 +44026,13 @@
           <a:lstStyle/>
           <a:p>
             <a:r>
-              <a:rPr lang="fi-FI" sz="3200" dirty="0" smtClean="0"/>
+              <a:rPr lang="fi-FI" sz="3200" dirty="0"/>
               <a:t>Supporting Discplines for </a:t>
             </a:r>
             <a:r>
-              <a:rPr lang="en-US" sz="3200" dirty="0" smtClean="0"/>
-              <a:t>“Real-Time</a:t>
-            </a:r>
-            <a:r>
               <a:rPr lang="en-US" sz="3200" dirty="0"/>
-              <a:t> </a:t>
-            </a:r>
-            <a:r>
-              <a:rPr lang="en-US" sz="3200" dirty="0" smtClean="0"/>
-              <a:t>Systems”</a:t>
-            </a:r>
-            <a:endParaRPr lang="en-US" sz="3200" dirty="0"/>
+              <a:t>“Real-Time Systems”</a:t>
+            </a:r>
           </a:p>
         </p:txBody>
       </p:sp>
@@ -44319,12 +44081,12 @@
           <a:graphicData uri="http://schemas.openxmlformats.org/presentationml/2006/ole">
             <mc:AlternateContent xmlns:mc="http://schemas.openxmlformats.org/markup-compatibility/2006">
               <mc:Choice xmlns:v="urn:schemas-microsoft-com:vml" Requires="v">
-                <p:oleObj spid="_x0000_s4123" name="CorelDRAW" r:id="rId4" imgW="5154840" imgH="3360960" progId="">
+                <p:oleObj name="CorelDRAW" r:id="rId3" imgW="5154840" imgH="3360960" progId="">
                   <p:embed/>
                 </p:oleObj>
               </mc:Choice>
               <mc:Fallback>
-                <p:oleObj name="CorelDRAW" r:id="rId4" imgW="5154840" imgH="3360960" progId="">
+                <p:oleObj name="CorelDRAW" r:id="rId3" imgW="5154840" imgH="3360960" progId="">
                   <p:embed/>
                   <p:pic>
                     <p:nvPicPr>
@@ -44335,7 +44097,7 @@
                       <p:nvPr/>
                     </p:nvPicPr>
                     <p:blipFill>
-                      <a:blip r:embed="rId5">
+                      <a:blip r:embed="rId4">
                         <a:extLst>
                           <a:ext uri="{28A0092B-C50C-407E-A947-70E740481C1C}">
                             <a14:useLocalDpi xmlns:a14="http://schemas.microsoft.com/office/drawing/2010/main" val="0"/>
@@ -44434,30 +44196,30 @@
               </a:spcBef>
             </a:pPr>
             <a:r>
-              <a:rPr lang="en-IN" sz="1100" b="1" i="1" dirty="0" smtClean="0"/>
+              <a:rPr lang="en-IN" sz="1100" b="1" i="1" dirty="0"/>
               <a:t>	Source</a:t>
             </a:r>
             <a:r>
-              <a:rPr lang="en-IN" sz="1200" b="1" i="1" dirty="0" smtClean="0"/>
+              <a:rPr lang="en-IN" sz="1200" b="1" i="1" dirty="0"/>
               <a:t>: P. A. </a:t>
             </a:r>
             <a:r>
-              <a:rPr lang="en-IN" sz="1200" b="1" i="1" dirty="0" err="1" smtClean="0"/>
+              <a:rPr lang="en-IN" sz="1200" b="1" i="1" dirty="0" err="1"/>
               <a:t>Laplante</a:t>
             </a:r>
             <a:r>
-              <a:rPr lang="en-IN" sz="1200" b="1" i="1" dirty="0" smtClean="0"/>
+              <a:rPr lang="en-IN" sz="1200" b="1" i="1" dirty="0"/>
               <a:t> &amp; S. J. </a:t>
             </a:r>
             <a:r>
-              <a:rPr lang="en-IN" sz="1200" b="1" i="1" dirty="0" err="1" smtClean="0"/>
+              <a:rPr lang="en-IN" sz="1200" b="1" i="1" dirty="0" err="1"/>
               <a:t>Ovaska</a:t>
             </a:r>
             <a:r>
-              <a:rPr lang="en-IN" sz="1200" b="1" i="1" dirty="0" smtClean="0"/>
+              <a:rPr lang="en-IN" sz="1200" b="1" i="1" dirty="0"/>
               <a:t>, Real-Time Systems Design and Analysis: Tools for the Practitioner, Wiley, 4th edition</a:t>
             </a:r>
-            <a:endParaRPr lang="en-US" sz="1200" b="1" i="1" dirty="0" smtClean="0"/>
+            <a:endParaRPr lang="en-US" sz="1200" b="1" i="1" dirty="0"/>
           </a:p>
         </p:txBody>
       </p:sp>
@@ -44471,13 +44233,6 @@
   <p:clrMapOvr>
     <a:masterClrMapping/>
   </p:clrMapOvr>
-  <p:timing>
-    <p:tnLst>
-      <p:par>
-        <p:cTn id="1" dur="indefinite" restart="never" nodeType="tmRoot"/>
-      </p:par>
-    </p:tnLst>
-  </p:timing>
 </p:sld>
 </file>
 
@@ -44521,10 +44276,9 @@
           <a:lstStyle/>
           <a:p>
             <a:r>
-              <a:rPr lang="en-IN" sz="3200" dirty="0" smtClean="0"/>
+              <a:rPr lang="en-IN" sz="3200" dirty="0"/>
               <a:t>Any Questions?</a:t>
             </a:r>
-            <a:endParaRPr lang="en-IN" sz="3200" dirty="0"/>
           </a:p>
         </p:txBody>
       </p:sp>
@@ -44575,10 +44329,9 @@
           <a:lstStyle/>
           <a:p>
             <a:r>
-              <a:rPr lang="en-IN" sz="3200" dirty="0" smtClean="0"/>
+              <a:rPr lang="en-IN" sz="3200" dirty="0"/>
               <a:t>Thank You.</a:t>
             </a:r>
-            <a:endParaRPr lang="en-IN" sz="3200" dirty="0"/>
           </a:p>
         </p:txBody>
       </p:sp>
@@ -44592,13 +44345,6 @@
   <p:clrMapOvr>
     <a:masterClrMapping/>
   </p:clrMapOvr>
-  <p:timing>
-    <p:tnLst>
-      <p:par>
-        <p:cTn id="1" dur="indefinite" restart="never" nodeType="tmRoot"/>
-      </p:par>
-    </p:tnLst>
-  </p:timing>
 </p:sld>
 </file>
 
@@ -44640,10 +44386,9 @@
           <a:lstStyle/>
           <a:p>
             <a:r>
-              <a:rPr lang="en-IN" b="0" dirty="0" smtClean="0"/>
+              <a:rPr lang="en-IN" b="0" dirty="0"/>
               <a:t>RTS Primer – For Light Reading </a:t>
             </a:r>
-            <a:endParaRPr lang="en-IN" b="0" dirty="0"/>
           </a:p>
         </p:txBody>
       </p:sp>
@@ -44722,13 +44467,6 @@
   <p:clrMapOvr>
     <a:masterClrMapping/>
   </p:clrMapOvr>
-  <p:timing>
-    <p:tnLst>
-      <p:par>
-        <p:cTn id="1" dur="indefinite" restart="never" nodeType="tmRoot"/>
-      </p:par>
-    </p:tnLst>
-  </p:timing>
 </p:sld>
 </file>
 
@@ -44754,7 +44492,7 @@
           <p:cNvPr id="3" name="Slide Number Placeholder 2">
             <a:extLst>
               <a:ext uri="{FF2B5EF4-FFF2-40B4-BE49-F238E27FC236}">
-                <a16:creationId xmlns="" xmlns:a16="http://schemas.microsoft.com/office/drawing/2014/main" id="{21BFEEC9-39FE-4ED3-9492-253B21FC616A}"/>
+                <a16:creationId xmlns:a16="http://schemas.microsoft.com/office/drawing/2014/main" id="{21BFEEC9-39FE-4ED3-9492-253B21FC616A}"/>
               </a:ext>
             </a:extLst>
           </p:cNvPr>
@@ -44801,17 +44539,16 @@
           <a:p>
             <a:pPr algn="r"/>
             <a:r>
-              <a:rPr lang="en-US" sz="3200" dirty="0" smtClean="0"/>
+              <a:rPr lang="en-US" sz="3200" dirty="0"/>
               <a:t>L-1: Real Time Systems – An Introduction</a:t>
             </a:r>
           </a:p>
           <a:p>
             <a:pPr algn="r"/>
             <a:r>
-              <a:rPr lang="en-US" sz="2000" b="0" dirty="0" smtClean="0"/>
+              <a:rPr lang="en-US" sz="2000" b="0" dirty="0"/>
               <a:t>Ref: R1/ [Informal Discussion]</a:t>
             </a:r>
-            <a:endParaRPr lang="en-US" sz="2000" b="0" dirty="0"/>
           </a:p>
         </p:txBody>
       </p:sp>
@@ -44838,13 +44575,13 @@
           <a:lstStyle/>
           <a:p>
             <a:r>
-              <a:rPr lang="en-IN" sz="1400" b="1" dirty="0" smtClean="0">
+              <a:rPr lang="en-IN" sz="1400" b="1" dirty="0">
                 <a:latin typeface="Arial Narrow" panose="020B0606020202030204" pitchFamily="34" charset="0"/>
               </a:rPr>
               <a:t>Note</a:t>
             </a:r>
             <a:r>
-              <a:rPr lang="en-IN" sz="1400" dirty="0" smtClean="0">
+              <a:rPr lang="en-IN" sz="1400" dirty="0">
                 <a:latin typeface="Arial Narrow" panose="020B0606020202030204" pitchFamily="34" charset="0"/>
               </a:rPr>
               <a:t>: Students are requested to NOT to rely on PPTs/Recorded sessions as their only source of knowledge, explore sources within your own organization or web for any specific topic; attend classes regularly and involve in discussions; </a:t>
@@ -44853,20 +44590,17 @@
           <a:p>
             <a:pPr algn="ctr"/>
             <a:r>
-              <a:rPr lang="en-IN" sz="1400" b="1" u="sng" dirty="0" smtClean="0">
+              <a:rPr lang="en-IN" sz="1400" b="1" u="sng" dirty="0">
                 <a:latin typeface="Arial Narrow" panose="020B0606020202030204" pitchFamily="34" charset="0"/>
               </a:rPr>
               <a:t>PLEASE DO NOT PRINT PPTs</a:t>
             </a:r>
             <a:r>
-              <a:rPr lang="en-IN" sz="1400" dirty="0" smtClean="0">
+              <a:rPr lang="en-IN" sz="1400" dirty="0">
                 <a:latin typeface="Arial Narrow" panose="020B0606020202030204" pitchFamily="34" charset="0"/>
               </a:rPr>
               <a:t>, Save the Environment!</a:t>
             </a:r>
-            <a:endParaRPr lang="en-IN" sz="1400" dirty="0">
-              <a:latin typeface="Arial Narrow" panose="020B0606020202030204" pitchFamily="34" charset="0"/>
-            </a:endParaRPr>
           </a:p>
         </p:txBody>
       </p:sp>
@@ -44893,18 +44627,17 @@
           <a:lstStyle/>
           <a:p>
             <a:r>
-              <a:rPr lang="en-IN" sz="1000" dirty="0" smtClean="0"/>
+              <a:rPr lang="en-IN" sz="1000" dirty="0"/>
               <a:t>Source PPT Courtesy: Some of the contents of this PPT is sourced from Presentations by Prof K R </a:t>
             </a:r>
             <a:r>
-              <a:rPr lang="en-IN" sz="1000" dirty="0" err="1" smtClean="0"/>
+              <a:rPr lang="en-IN" sz="1000" dirty="0" err="1"/>
               <a:t>Anupa</a:t>
             </a:r>
             <a:r>
-              <a:rPr lang="en-IN" sz="1000" dirty="0" smtClean="0"/>
+              <a:rPr lang="en-IN" sz="1000" dirty="0"/>
               <a:t>, BITS-Pilani, Goa</a:t>
             </a:r>
-            <a:endParaRPr lang="en-IN" sz="1000" dirty="0"/>
           </a:p>
         </p:txBody>
       </p:sp>
@@ -44913,13 +44646,6 @@
   <p:clrMapOvr>
     <a:masterClrMapping/>
   </p:clrMapOvr>
-  <p:timing>
-    <p:tnLst>
-      <p:par>
-        <p:cTn id="1" dur="indefinite" restart="never" nodeType="tmRoot"/>
-      </p:par>
-    </p:tnLst>
-  </p:timing>
 </p:sld>
 </file>
 
